--- a/doc/Task02/Task02.pptx
+++ b/doc/Task02/Task02.pptx
@@ -1,6 +1,6 @@
 
 <file path=ppt/presentation.xml><?xml version="1.0" encoding="utf-8"?>
-<p:presentation xmlns:a="http://schemas.openxmlformats.org/drawingml/2006/main" xmlns:r="http://schemas.openxmlformats.org/officeDocument/2006/relationships" xmlns:p="http://schemas.openxmlformats.org/presentationml/2006/main" saveSubsetFonts="1" autoCompressPictures="0">
+<p:presentation xmlns:a="http://schemas.openxmlformats.org/drawingml/2006/main" xmlns:r="http://schemas.openxmlformats.org/officeDocument/2006/relationships" xmlns:p="http://schemas.openxmlformats.org/presentationml/2006/main" serverZoom="30967" saveSubsetFonts="1" autoCompressPictures="0">
   <p:sldMasterIdLst>
     <p:sldMasterId id="2147483669" r:id="rId4"/>
   </p:sldMasterIdLst>
@@ -148,7 +148,7 @@
   </p:defaultTextStyle>
   <p:extLst>
     <p:ext uri="{EFAFB233-063F-42B5-8137-9DF3F51BA10A}">
-      <p15:sldGuideLst xmlns:p15="http://schemas.microsoft.com/office/powerpoint/2012/main">
+      <p15:sldGuideLst xmlns:p15="http://schemas.microsoft.com/office/powerpoint/2012/main" xmlns="">
         <p15:guide id="1" orient="horz" pos="2160">
           <p15:clr>
             <a:srgbClr val="A4A3A4"/>
@@ -162,7 +162,7 @@
       </p15:sldGuideLst>
     </p:ext>
     <p:ext uri="{2D200454-40CA-4A62-9FC3-DE9A4176ACB9}">
-      <p15:notesGuideLst xmlns:p15="http://schemas.microsoft.com/office/powerpoint/2012/main">
+      <p15:notesGuideLst xmlns:p15="http://schemas.microsoft.com/office/powerpoint/2012/main" xmlns="">
         <p15:guide id="1" orient="horz" pos="3127">
           <p15:clr>
             <a:srgbClr val="A4A3A4"/>
@@ -261,7 +261,7 @@
           <a:p>
             <a:fld id="{EFA0D184-D464-48E9-9CA0-A94E873F6C2C}" type="datetimeFigureOut">
               <a:rPr lang="de-CH" smtClean="0"/>
-              <a:t>24.09.2015</a:t>
+              <a:t>25.09.2015</a:t>
             </a:fld>
             <a:endParaRPr lang="de-CH"/>
           </a:p>
@@ -426,7 +426,7 @@
           <a:p>
             <a:fld id="{5AF2B663-2BA9-4D7E-8201-5DE4109E1EDD}" type="datetimeFigureOut">
               <a:rPr lang="de-CH" smtClean="0"/>
-              <a:t>24.09.2015</a:t>
+              <a:t>25.09.2015</a:t>
             </a:fld>
             <a:endParaRPr lang="de-CH"/>
           </a:p>
@@ -1068,15 +1068,15 @@
             <a:noFill/>
           </a:ln>
           <a:extLst>
-            <a:ext uri="{909E8E84-426E-40dd-AFC4-6F175D3DCCD1}">
-              <a14:hiddenFill xmlns="" xmlns:a14="http://schemas.microsoft.com/office/drawing/2010/main">
+            <a:ext uri="{909E8E84-426E-40DD-AFC4-6F175D3DCCD1}">
+              <a14:hiddenFill xmlns:a14="http://schemas.microsoft.com/office/drawing/2010/main">
                 <a:solidFill>
                   <a:srgbClr val="FFFFFF"/>
                 </a:solidFill>
               </a14:hiddenFill>
             </a:ext>
-            <a:ext uri="{91240B29-F687-4f45-9708-019B960494DF}">
-              <a14:hiddenLine xmlns="" xmlns:a14="http://schemas.microsoft.com/office/drawing/2010/main" w="9525">
+            <a:ext uri="{91240B29-F687-4F45-9708-019B960494DF}">
+              <a14:hiddenLine xmlns:a14="http://schemas.microsoft.com/office/drawing/2010/main" w="9525">
                 <a:solidFill>
                   <a:srgbClr val="000000"/>
                 </a:solidFill>
@@ -2808,15 +2808,15 @@
             <a:noFill/>
           </a:ln>
           <a:extLst>
-            <a:ext uri="{909E8E84-426E-40dd-AFC4-6F175D3DCCD1}">
-              <a14:hiddenFill xmlns="" xmlns:a14="http://schemas.microsoft.com/office/drawing/2010/main">
+            <a:ext uri="{909E8E84-426E-40DD-AFC4-6F175D3DCCD1}">
+              <a14:hiddenFill xmlns:a14="http://schemas.microsoft.com/office/drawing/2010/main">
                 <a:solidFill>
                   <a:srgbClr val="FFFFFF"/>
                 </a:solidFill>
               </a14:hiddenFill>
             </a:ext>
-            <a:ext uri="{91240B29-F687-4f45-9708-019B960494DF}">
-              <a14:hiddenLine xmlns="" xmlns:a14="http://schemas.microsoft.com/office/drawing/2010/main" w="9525">
+            <a:ext uri="{91240B29-F687-4F45-9708-019B960494DF}">
+              <a14:hiddenLine xmlns:a14="http://schemas.microsoft.com/office/drawing/2010/main" w="9525">
                 <a:solidFill>
                   <a:srgbClr val="000000"/>
                 </a:solidFill>
@@ -6289,15 +6289,15 @@
             <a:noFill/>
           </a:ln>
           <a:extLst>
-            <a:ext uri="{909E8E84-426E-40dd-AFC4-6F175D3DCCD1}">
-              <a14:hiddenFill xmlns="" xmlns:a14="http://schemas.microsoft.com/office/drawing/2010/main">
+            <a:ext uri="{909E8E84-426E-40DD-AFC4-6F175D3DCCD1}">
+              <a14:hiddenFill xmlns:a14="http://schemas.microsoft.com/office/drawing/2010/main">
                 <a:solidFill>
                   <a:srgbClr val="FFFFFF"/>
                 </a:solidFill>
               </a14:hiddenFill>
             </a:ext>
-            <a:ext uri="{91240B29-F687-4f45-9708-019B960494DF}">
-              <a14:hiddenLine xmlns="" xmlns:a14="http://schemas.microsoft.com/office/drawing/2010/main" w="9525">
+            <a:ext uri="{91240B29-F687-4F45-9708-019B960494DF}">
+              <a14:hiddenLine xmlns:a14="http://schemas.microsoft.com/office/drawing/2010/main" w="9525">
                 <a:solidFill>
                   <a:srgbClr val="000000"/>
                 </a:solidFill>
@@ -7120,11 +7120,7 @@
             </a:r>
             <a:r>
               <a:rPr lang="de-CH" b="1" dirty="0" smtClean="0"/>
-              <a:t>, </a:t>
-            </a:r>
-            <a:r>
-              <a:rPr lang="de-CH" b="1" dirty="0" smtClean="0"/>
-              <a:t>Iseli, Schmied</a:t>
+              <a:t>, Iseli, Schmied</a:t>
             </a:r>
             <a:endParaRPr lang="de-DE" b="1" dirty="0"/>
           </a:p>
@@ -7199,14 +7195,14 @@
             <p:ph sz="half" idx="1"/>
             <p:extLst>
               <p:ext uri="{D42A27DB-BD31-4B8C-83A1-F6EECF244321}">
-                <p14:modId xmlns:p14="http://schemas.microsoft.com/office/powerpoint/2010/main" val="2091612503"/>
+                <p14:modId xmlns:p14="http://schemas.microsoft.com/office/powerpoint/2010/main" val="3768417830"/>
               </p:ext>
             </p:extLst>
           </p:nvPr>
         </p:nvGraphicFramePr>
         <p:xfrm>
-          <a:off x="400050" y="835025"/>
-          <a:ext cx="7596188" cy="6327527"/>
+          <a:off x="400050" y="566531"/>
+          <a:ext cx="8455715" cy="5692085"/>
         </p:xfrm>
         <a:graphic>
           <a:graphicData uri="http://schemas.openxmlformats.org/drawingml/2006/table">
@@ -7215,12 +7211,12 @@
                 <a:tableStyleId>{5C22544A-7EE6-4342-B048-85BDC9FD1C3A}</a:tableStyleId>
               </a:tblPr>
               <a:tblGrid>
-                <a:gridCol w="1899047"/>
-                <a:gridCol w="1899047"/>
-                <a:gridCol w="1899047"/>
-                <a:gridCol w="1899047"/>
+                <a:gridCol w="1945585"/>
+                <a:gridCol w="2166730"/>
+                <a:gridCol w="2196548"/>
+                <a:gridCol w="2146852"/>
               </a:tblGrid>
-              <a:tr h="370840">
+              <a:tr h="477078">
                 <a:tc>
                   <a:txBody>
                     <a:bodyPr/>
@@ -7243,7 +7239,17 @@
                       <a:endParaRPr lang="de-CH" dirty="0"/>
                     </a:p>
                   </a:txBody>
-                  <a:tcPr/>
+                  <a:tcPr>
+                    <a:lnR w="57150" cap="flat" cmpd="sng" algn="ctr">
+                      <a:solidFill>
+                        <a:schemeClr val="tx1"/>
+                      </a:solidFill>
+                      <a:prstDash val="solid"/>
+                      <a:round/>
+                      <a:headEnd type="none" w="med" len="med"/>
+                      <a:tailEnd type="none" w="med" len="med"/>
+                    </a:lnR>
+                  </a:tcPr>
                 </a:tc>
                 <a:tc>
                   <a:txBody>
@@ -7257,7 +7263,17 @@
                       <a:endParaRPr lang="de-CH" dirty="0"/>
                     </a:p>
                   </a:txBody>
-                  <a:tcPr/>
+                  <a:tcPr>
+                    <a:lnL w="57150" cap="flat" cmpd="sng" algn="ctr">
+                      <a:solidFill>
+                        <a:schemeClr val="tx1"/>
+                      </a:solidFill>
+                      <a:prstDash val="solid"/>
+                      <a:round/>
+                      <a:headEnd type="none" w="med" len="med"/>
+                      <a:tailEnd type="none" w="med" len="med"/>
+                    </a:lnL>
+                  </a:tcPr>
                 </a:tc>
                 <a:tc>
                   <a:txBody>
@@ -7297,7 +7313,17 @@
                       <a:endParaRPr lang="de-CH" dirty="0"/>
                     </a:p>
                   </a:txBody>
-                  <a:tcPr/>
+                  <a:tcPr>
+                    <a:lnR w="57150" cap="flat" cmpd="sng" algn="ctr">
+                      <a:solidFill>
+                        <a:schemeClr val="tx1"/>
+                      </a:solidFill>
+                      <a:prstDash val="solid"/>
+                      <a:round/>
+                      <a:headEnd type="none" w="med" len="med"/>
+                      <a:tailEnd type="none" w="med" len="med"/>
+                    </a:lnR>
+                  </a:tcPr>
                 </a:tc>
                 <a:tc>
                   <a:txBody>
@@ -7311,7 +7337,17 @@
                       <a:endParaRPr lang="de-CH" dirty="0"/>
                     </a:p>
                   </a:txBody>
-                  <a:tcPr/>
+                  <a:tcPr>
+                    <a:lnL w="57150" cap="flat" cmpd="sng" algn="ctr">
+                      <a:solidFill>
+                        <a:schemeClr val="tx1"/>
+                      </a:solidFill>
+                      <a:prstDash val="solid"/>
+                      <a:round/>
+                      <a:headEnd type="none" w="med" len="med"/>
+                      <a:tailEnd type="none" w="med" len="med"/>
+                    </a:lnL>
+                  </a:tcPr>
                 </a:tc>
                 <a:tc>
                   <a:txBody>
@@ -7363,7 +7399,17 @@
                       <a:endParaRPr lang="de-CH" dirty="0"/>
                     </a:p>
                   </a:txBody>
-                  <a:tcPr/>
+                  <a:tcPr>
+                    <a:lnR w="57150" cap="flat" cmpd="sng" algn="ctr">
+                      <a:solidFill>
+                        <a:schemeClr val="tx1"/>
+                      </a:solidFill>
+                      <a:prstDash val="solid"/>
+                      <a:round/>
+                      <a:headEnd type="none" w="med" len="med"/>
+                      <a:tailEnd type="none" w="med" len="med"/>
+                    </a:lnR>
+                  </a:tcPr>
                 </a:tc>
                 <a:tc>
                   <a:txBody>
@@ -7381,7 +7427,17 @@
                       <a:endParaRPr lang="de-CH" dirty="0"/>
                     </a:p>
                   </a:txBody>
-                  <a:tcPr/>
+                  <a:tcPr>
+                    <a:lnL w="57150" cap="flat" cmpd="sng" algn="ctr">
+                      <a:solidFill>
+                        <a:schemeClr val="tx1"/>
+                      </a:solidFill>
+                      <a:prstDash val="solid"/>
+                      <a:round/>
+                      <a:headEnd type="none" w="med" len="med"/>
+                      <a:tailEnd type="none" w="med" len="med"/>
+                    </a:lnL>
+                  </a:tcPr>
                 </a:tc>
                 <a:tc>
                   <a:txBody>
@@ -7429,7 +7485,17 @@
                       <a:endParaRPr lang="de-CH" dirty="0"/>
                     </a:p>
                   </a:txBody>
-                  <a:tcPr/>
+                  <a:tcPr>
+                    <a:lnR w="57150" cap="flat" cmpd="sng" algn="ctr">
+                      <a:solidFill>
+                        <a:schemeClr val="tx1"/>
+                      </a:solidFill>
+                      <a:prstDash val="solid"/>
+                      <a:round/>
+                      <a:headEnd type="none" w="med" len="med"/>
+                      <a:tailEnd type="none" w="med" len="med"/>
+                    </a:lnR>
+                  </a:tcPr>
                 </a:tc>
                 <a:tc>
                   <a:txBody>
@@ -7447,7 +7513,17 @@
                       <a:endParaRPr lang="de-CH" dirty="0"/>
                     </a:p>
                   </a:txBody>
-                  <a:tcPr/>
+                  <a:tcPr>
+                    <a:lnL w="57150" cap="flat" cmpd="sng" algn="ctr">
+                      <a:solidFill>
+                        <a:schemeClr val="tx1"/>
+                      </a:solidFill>
+                      <a:prstDash val="solid"/>
+                      <a:round/>
+                      <a:headEnd type="none" w="med" len="med"/>
+                      <a:tailEnd type="none" w="med" len="med"/>
+                    </a:lnL>
+                  </a:tcPr>
                 </a:tc>
                 <a:tc>
                   <a:txBody>
@@ -7491,7 +7567,17 @@
                       <a:endParaRPr lang="de-CH" dirty="0"/>
                     </a:p>
                   </a:txBody>
-                  <a:tcPr/>
+                  <a:tcPr>
+                    <a:lnR w="57150" cap="flat" cmpd="sng" algn="ctr">
+                      <a:solidFill>
+                        <a:schemeClr val="tx1"/>
+                      </a:solidFill>
+                      <a:prstDash val="solid"/>
+                      <a:round/>
+                      <a:headEnd type="none" w="med" len="med"/>
+                      <a:tailEnd type="none" w="med" len="med"/>
+                    </a:lnR>
+                  </a:tcPr>
                 </a:tc>
                 <a:tc>
                   <a:txBody>
@@ -7509,7 +7595,17 @@
                       <a:endParaRPr lang="de-CH" dirty="0"/>
                     </a:p>
                   </a:txBody>
-                  <a:tcPr/>
+                  <a:tcPr>
+                    <a:lnL w="57150" cap="flat" cmpd="sng" algn="ctr">
+                      <a:solidFill>
+                        <a:schemeClr val="tx1"/>
+                      </a:solidFill>
+                      <a:prstDash val="solid"/>
+                      <a:round/>
+                      <a:headEnd type="none" w="med" len="med"/>
+                      <a:tailEnd type="none" w="med" len="med"/>
+                    </a:lnL>
+                  </a:tcPr>
                 </a:tc>
                 <a:tc>
                   <a:txBody>
@@ -7549,7 +7645,17 @@
                       <a:endParaRPr lang="de-CH" dirty="0"/>
                     </a:p>
                   </a:txBody>
-                  <a:tcPr/>
+                  <a:tcPr>
+                    <a:lnR w="57150" cap="flat" cmpd="sng" algn="ctr">
+                      <a:solidFill>
+                        <a:schemeClr val="tx1"/>
+                      </a:solidFill>
+                      <a:prstDash val="solid"/>
+                      <a:round/>
+                      <a:headEnd type="none" w="med" len="med"/>
+                      <a:tailEnd type="none" w="med" len="med"/>
+                    </a:lnR>
+                  </a:tcPr>
                 </a:tc>
                 <a:tc>
                   <a:txBody>
@@ -7567,91 +7673,17 @@
                       <a:endParaRPr lang="de-CH" dirty="0"/>
                     </a:p>
                   </a:txBody>
-                  <a:tcPr/>
-                </a:tc>
-                <a:tc>
-                  <a:txBody>
-                    <a:bodyPr/>
-                    <a:lstStyle/>
-                    <a:p>
-                      <a:endParaRPr lang="de-CH" dirty="0"/>
-                    </a:p>
-                  </a:txBody>
-                  <a:tcPr/>
-                </a:tc>
-              </a:tr>
-              <a:tr h="370840">
-                <a:tc>
-                  <a:txBody>
-                    <a:bodyPr/>
-                    <a:lstStyle/>
-                    <a:p>
-                      <a:endParaRPr lang="de-CH" dirty="0"/>
-                    </a:p>
-                  </a:txBody>
-                  <a:tcPr/>
-                </a:tc>
-                <a:tc>
-                  <a:txBody>
-                    <a:bodyPr/>
-                    <a:lstStyle/>
-                    <a:p>
-                      <a:endParaRPr lang="de-CH" dirty="0"/>
-                    </a:p>
-                  </a:txBody>
-                  <a:tcPr/>
-                </a:tc>
-                <a:tc>
-                  <a:txBody>
-                    <a:bodyPr/>
-                    <a:lstStyle/>
-                    <a:p>
-                      <a:endParaRPr lang="de-CH" dirty="0"/>
-                    </a:p>
-                  </a:txBody>
-                  <a:tcPr/>
-                </a:tc>
-                <a:tc>
-                  <a:txBody>
-                    <a:bodyPr/>
-                    <a:lstStyle/>
-                    <a:p>
-                      <a:endParaRPr lang="de-CH" dirty="0"/>
-                    </a:p>
-                  </a:txBody>
-                  <a:tcPr/>
-                </a:tc>
-              </a:tr>
-              <a:tr h="370840">
-                <a:tc>
-                  <a:txBody>
-                    <a:bodyPr/>
-                    <a:lstStyle/>
-                    <a:p>
-                      <a:endParaRPr lang="de-CH" dirty="0"/>
-                    </a:p>
-                  </a:txBody>
-                  <a:tcPr/>
-                </a:tc>
-                <a:tc>
-                  <a:txBody>
-                    <a:bodyPr/>
-                    <a:lstStyle/>
-                    <a:p>
-                      <a:endParaRPr lang="de-CH" dirty="0"/>
-                    </a:p>
-                  </a:txBody>
-                  <a:tcPr/>
-                </a:tc>
-                <a:tc>
-                  <a:txBody>
-                    <a:bodyPr/>
-                    <a:lstStyle/>
-                    <a:p>
-                      <a:endParaRPr lang="de-CH" dirty="0"/>
-                    </a:p>
-                  </a:txBody>
-                  <a:tcPr/>
+                  <a:tcPr>
+                    <a:lnL w="57150" cap="flat" cmpd="sng" algn="ctr">
+                      <a:solidFill>
+                        <a:schemeClr val="tx1"/>
+                      </a:solidFill>
+                      <a:prstDash val="solid"/>
+                      <a:round/>
+                      <a:headEnd type="none" w="med" len="med"/>
+                      <a:tailEnd type="none" w="med" len="med"/>
+                    </a:lnL>
+                  </a:tcPr>
                 </a:tc>
                 <a:tc>
                   <a:txBody>
@@ -12439,23 +12471,6 @@
 </file>
 
 <file path=customXml/item1.xml><?xml version="1.0" encoding="utf-8"?>
-<p:properties xmlns:p="http://schemas.microsoft.com/office/2006/metadata/properties" xmlns:xsi="http://www.w3.org/2001/XMLSchema-instance">
-  <documentManagement>
-    <AVMTitle xmlns="5091c847-84be-4f4f-b16c-c018ad2ca66b">Präsentation BFH_2013</AVMTitle>
-  </documentManagement>
-</p:properties>
-</file>
-
-<file path=customXml/item2.xml><?xml version="1.0" encoding="utf-8"?>
-<?mso-contentType ?>
-<FormTemplates xmlns="http://schemas.microsoft.com/sharepoint/v3/contenttype/forms">
-  <Display>DocumentLibraryForm</Display>
-  <Edit>DocumentLibraryForm</Edit>
-  <New>DocumentLibraryForm</New>
-</FormTemplates>
-</file>
-
-<file path=customXml/item3.xml><?xml version="1.0" encoding="utf-8"?>
 <ct:contentTypeSchema xmlns:ct="http://schemas.microsoft.com/office/2006/metadata/contentType" xmlns:ma="http://schemas.microsoft.com/office/2006/metadata/properties/metaAttributes" ct:_="" ma:_="" ma:contentTypeName="Dokument" ma:contentTypeID="0x010100EBE3A9EFF36793468C03E2811ACE2A2B" ma:contentTypeVersion="1" ma:contentTypeDescription="Ein neues Dokument erstellen." ma:contentTypeScope="" ma:versionID="e65be32cb1bfff77fc8c9c09bf542651">
   <xsd:schema xmlns:xsd="http://www.w3.org/2001/XMLSchema" xmlns:p="http://schemas.microsoft.com/office/2006/metadata/properties" xmlns:ns2="5091c847-84be-4f4f-b16c-c018ad2ca66b" targetNamespace="http://schemas.microsoft.com/office/2006/metadata/properties" ma:root="true" ma:fieldsID="7636c84aed5b7d09a166fcef888725d4" ns2:_="">
     <xsd:import namespace="5091c847-84be-4f4f-b16c-c018ad2ca66b"/>
@@ -12515,30 +12530,24 @@
 </ct:contentTypeSchema>
 </file>
 
-<file path=customXml/itemProps1.xml><?xml version="1.0" encoding="utf-8"?>
-<ds:datastoreItem xmlns:ds="http://schemas.openxmlformats.org/officeDocument/2006/customXml" ds:itemID="{32991507-CB83-4F49-BAFB-D322B1D04098}">
-  <ds:schemaRefs>
-    <ds:schemaRef ds:uri="http://schemas.microsoft.com/office/2006/metadata/properties"/>
-    <ds:schemaRef ds:uri="http://schemas.microsoft.com/office/2006/documentManagement/types"/>
-    <ds:schemaRef ds:uri="http://purl.org/dc/terms/"/>
-    <ds:schemaRef ds:uri="http://schemas.openxmlformats.org/package/2006/metadata/core-properties"/>
-    <ds:schemaRef ds:uri="http://purl.org/dc/dcmitype/"/>
-    <ds:schemaRef ds:uri="5091c847-84be-4f4f-b16c-c018ad2ca66b"/>
-    <ds:schemaRef ds:uri="http://purl.org/dc/elements/1.1/"/>
-    <ds:schemaRef ds:uri="http://www.w3.org/XML/1998/namespace"/>
-  </ds:schemaRefs>
-</ds:datastoreItem>
+<file path=customXml/item2.xml><?xml version="1.0" encoding="utf-8"?>
+<?mso-contentType ?>
+<FormTemplates xmlns="http://schemas.microsoft.com/sharepoint/v3/contenttype/forms">
+  <Display>DocumentLibraryForm</Display>
+  <Edit>DocumentLibraryForm</Edit>
+  <New>DocumentLibraryForm</New>
+</FormTemplates>
 </file>
 
-<file path=customXml/itemProps2.xml><?xml version="1.0" encoding="utf-8"?>
-<ds:datastoreItem xmlns:ds="http://schemas.openxmlformats.org/officeDocument/2006/customXml" ds:itemID="{1851D33F-E468-417B-A30C-509B68D2BD09}">
-  <ds:schemaRefs>
-    <ds:schemaRef ds:uri="http://schemas.microsoft.com/sharepoint/v3/contenttype/forms"/>
-  </ds:schemaRefs>
-</ds:datastoreItem>
+<file path=customXml/item3.xml><?xml version="1.0" encoding="utf-8"?>
+<p:properties xmlns:p="http://schemas.microsoft.com/office/2006/metadata/properties" xmlns:xsi="http://www.w3.org/2001/XMLSchema-instance">
+  <documentManagement>
+    <AVMTitle xmlns="5091c847-84be-4f4f-b16c-c018ad2ca66b">Präsentation BFH_2013</AVMTitle>
+  </documentManagement>
+</p:properties>
 </file>
 
-<file path=customXml/itemProps3.xml><?xml version="1.0" encoding="utf-8"?>
+<file path=customXml/itemProps1.xml><?xml version="1.0" encoding="utf-8"?>
 <ds:datastoreItem xmlns:ds="http://schemas.openxmlformats.org/officeDocument/2006/customXml" ds:itemID="{15287BEA-F3FF-4B87-929B-5D0092183197}">
   <ds:schemaRefs>
     <ds:schemaRef ds:uri="http://schemas.microsoft.com/office/2006/metadata/contentType"/>
@@ -12553,4 +12562,27 @@
     <ds:schemaRef ds:uri="http://schemas.microsoft.com/office/internal/2005/internalDocumentation"/>
   </ds:schemaRefs>
 </ds:datastoreItem>
+</file>
+
+<file path=customXml/itemProps2.xml><?xml version="1.0" encoding="utf-8"?>
+<ds:datastoreItem xmlns:ds="http://schemas.openxmlformats.org/officeDocument/2006/customXml" ds:itemID="{1851D33F-E468-417B-A30C-509B68D2BD09}">
+  <ds:schemaRefs>
+    <ds:schemaRef ds:uri="http://schemas.microsoft.com/sharepoint/v3/contenttype/forms"/>
+  </ds:schemaRefs>
+</ds:datastoreItem>
+</file>
+
+<file path=customXml/itemProps3.xml><?xml version="1.0" encoding="utf-8"?>
+<ds:datastoreItem xmlns:ds="http://schemas.openxmlformats.org/officeDocument/2006/customXml" ds:itemID="{32991507-CB83-4F49-BAFB-D322B1D04098}">
+  <ds:schemaRefs>
+    <ds:schemaRef ds:uri="http://schemas.microsoft.com/office/2006/metadata/properties"/>
+    <ds:schemaRef ds:uri="http://schemas.microsoft.com/office/2006/documentManagement/types"/>
+    <ds:schemaRef ds:uri="http://purl.org/dc/terms/"/>
+    <ds:schemaRef ds:uri="http://schemas.openxmlformats.org/package/2006/metadata/core-properties"/>
+    <ds:schemaRef ds:uri="http://purl.org/dc/dcmitype/"/>
+    <ds:schemaRef ds:uri="5091c847-84be-4f4f-b16c-c018ad2ca66b"/>
+    <ds:schemaRef ds:uri="http://purl.org/dc/elements/1.1/"/>
+    <ds:schemaRef ds:uri="http://www.w3.org/XML/1998/namespace"/>
+  </ds:schemaRefs>
+</ds:datastoreItem>
 </file>
--- a/doc/Task02/Task02.pptx
+++ b/doc/Task02/Task02.pptx
@@ -7195,7 +7195,7 @@
             <p:ph sz="half" idx="1"/>
             <p:extLst>
               <p:ext uri="{D42A27DB-BD31-4B8C-83A1-F6EECF244321}">
-                <p14:modId xmlns:p14="http://schemas.microsoft.com/office/powerpoint/2010/main" val="3768417830"/>
+                <p14:modId xmlns:p14="http://schemas.microsoft.com/office/powerpoint/2010/main" val="4263984662"/>
               </p:ext>
             </p:extLst>
           </p:nvPr>
@@ -7376,7 +7376,19 @@
                       </a:r>
                       <a:r>
                         <a:rPr lang="de-CH" baseline="0" dirty="0" smtClean="0"/>
-                        <a:t> Struktur des Projekts von Anfang an</a:t>
+                        <a:t> Struktur </a:t>
+                      </a:r>
+                      <a:r>
+                        <a:rPr lang="de-CH" baseline="0" dirty="0" smtClean="0"/>
+                        <a:t>von </a:t>
+                      </a:r>
+                      <a:r>
+                        <a:rPr lang="de-CH" baseline="0" dirty="0" smtClean="0"/>
+                        <a:t>Anfang </a:t>
+                      </a:r>
+                      <a:r>
+                        <a:rPr lang="de-CH" baseline="0" dirty="0" smtClean="0"/>
+                        <a:t>an Ende</a:t>
                       </a:r>
                       <a:endParaRPr lang="de-CH" dirty="0"/>
                     </a:p>
@@ -7466,7 +7478,11 @@
                       </a:r>
                       <a:r>
                         <a:rPr lang="de-CH" baseline="0" dirty="0" smtClean="0"/>
-                        <a:t> hat einen klares Ende</a:t>
+                        <a:t> hat </a:t>
+                      </a:r>
+                      <a:r>
+                        <a:rPr lang="de-CH" baseline="0" dirty="0" smtClean="0"/>
+                        <a:t>einen klaren Endpunkt</a:t>
                       </a:r>
                       <a:endParaRPr lang="de-CH" dirty="0"/>
                     </a:p>
@@ -7562,7 +7578,27 @@
                     <a:p>
                       <a:r>
                         <a:rPr lang="de-CH" dirty="0" smtClean="0"/>
-                        <a:t>Keine Routine Software</a:t>
+                        <a:t>Schwierig</a:t>
+                      </a:r>
+                      <a:r>
+                        <a:rPr lang="de-CH" baseline="0" dirty="0" smtClean="0"/>
+                        <a:t> </a:t>
+                      </a:r>
+                      <a:r>
+                        <a:rPr lang="de-CH" baseline="0" smtClean="0"/>
+                        <a:t>wenn es k</a:t>
+                      </a:r>
+                      <a:r>
+                        <a:rPr lang="de-CH" smtClean="0"/>
+                        <a:t>eine </a:t>
+                      </a:r>
+                      <a:r>
+                        <a:rPr lang="de-CH" smtClean="0"/>
+                        <a:t>Routine </a:t>
+                      </a:r>
+                      <a:r>
+                        <a:rPr lang="de-CH" smtClean="0"/>
+                        <a:t>Software ist.</a:t>
                       </a:r>
                       <a:endParaRPr lang="de-CH" dirty="0"/>
                     </a:p>
@@ -7612,6 +7648,10 @@
                     <a:bodyPr/>
                     <a:lstStyle/>
                     <a:p>
+                      <a:r>
+                        <a:rPr lang="de-CH" dirty="0" smtClean="0"/>
+                        <a:t>Im Detail verfangen</a:t>
+                      </a:r>
                       <a:endParaRPr lang="de-CH" dirty="0"/>
                     </a:p>
                   </a:txBody>
@@ -7624,6 +7664,30 @@
                     <a:bodyPr/>
                     <a:lstStyle/>
                     <a:p>
+                      <a:pPr marL="0" marR="0" indent="0" algn="l" defTabSz="457200" rtl="0" eaLnBrk="1" fontAlgn="auto" latinLnBrk="0" hangingPunct="1">
+                        <a:lnSpc>
+                          <a:spcPct val="100000"/>
+                        </a:lnSpc>
+                        <a:spcBef>
+                          <a:spcPts val="0"/>
+                        </a:spcBef>
+                        <a:spcAft>
+                          <a:spcPts val="0"/>
+                        </a:spcAft>
+                        <a:buClrTx/>
+                        <a:buSzTx/>
+                        <a:buFontTx/>
+                        <a:buNone/>
+                        <a:tabLst/>
+                        <a:defRPr/>
+                      </a:pPr>
+                      <a:endParaRPr lang="de-CH" dirty="0" smtClean="0"/>
+                    </a:p>
+                    <a:p>
+                      <a:r>
+                        <a:rPr lang="de-CH" dirty="0" smtClean="0"/>
+                        <a:t> </a:t>
+                      </a:r>
                       <a:endParaRPr lang="de-CH" dirty="0"/>
                     </a:p>
                   </a:txBody>
@@ -7640,7 +7704,15 @@
                       </a:r>
                       <a:r>
                         <a:rPr lang="de-CH" baseline="0" dirty="0" smtClean="0"/>
-                        <a:t> muss wissen was er will</a:t>
+                        <a:t> </a:t>
+                      </a:r>
+                      <a:r>
+                        <a:rPr lang="de-CH" baseline="0" dirty="0" smtClean="0"/>
+                        <a:t>muss wissen </a:t>
+                      </a:r>
+                      <a:r>
+                        <a:rPr lang="de-CH" baseline="0" dirty="0" smtClean="0"/>
+                        <a:t>was er will</a:t>
                       </a:r>
                       <a:endParaRPr lang="de-CH" dirty="0"/>
                     </a:p>

--- a/doc/Task02/Task02.pptx
+++ b/doc/Task02/Task02.pptx
@@ -7376,19 +7376,7 @@
                       </a:r>
                       <a:r>
                         <a:rPr lang="de-CH" baseline="0" dirty="0" smtClean="0"/>
-                        <a:t> Struktur </a:t>
-                      </a:r>
-                      <a:r>
-                        <a:rPr lang="de-CH" baseline="0" dirty="0" smtClean="0"/>
-                        <a:t>von </a:t>
-                      </a:r>
-                      <a:r>
-                        <a:rPr lang="de-CH" baseline="0" dirty="0" smtClean="0"/>
-                        <a:t>Anfang </a:t>
-                      </a:r>
-                      <a:r>
-                        <a:rPr lang="de-CH" baseline="0" dirty="0" smtClean="0"/>
-                        <a:t>an Ende</a:t>
+                        <a:t> Struktur von Anfang an Ende</a:t>
                       </a:r>
                       <a:endParaRPr lang="de-CH" dirty="0"/>
                     </a:p>
@@ -7478,11 +7466,7 @@
                       </a:r>
                       <a:r>
                         <a:rPr lang="de-CH" baseline="0" dirty="0" smtClean="0"/>
-                        <a:t> hat </a:t>
-                      </a:r>
-                      <a:r>
-                        <a:rPr lang="de-CH" baseline="0" dirty="0" smtClean="0"/>
-                        <a:t>einen klaren Endpunkt</a:t>
+                        <a:t> hat einen klaren Endpunkt</a:t>
                       </a:r>
                       <a:endParaRPr lang="de-CH" dirty="0"/>
                     </a:p>
@@ -7590,15 +7574,7 @@
                       </a:r>
                       <a:r>
                         <a:rPr lang="de-CH" smtClean="0"/>
-                        <a:t>eine </a:t>
-                      </a:r>
-                      <a:r>
-                        <a:rPr lang="de-CH" smtClean="0"/>
-                        <a:t>Routine </a:t>
-                      </a:r>
-                      <a:r>
-                        <a:rPr lang="de-CH" smtClean="0"/>
-                        <a:t>Software ist.</a:t>
+                        <a:t>eine Routine Software ist.</a:t>
                       </a:r>
                       <a:endParaRPr lang="de-CH" dirty="0"/>
                     </a:p>
@@ -7704,15 +7680,7 @@
                       </a:r>
                       <a:r>
                         <a:rPr lang="de-CH" baseline="0" dirty="0" smtClean="0"/>
-                        <a:t> </a:t>
-                      </a:r>
-                      <a:r>
-                        <a:rPr lang="de-CH" baseline="0" dirty="0" smtClean="0"/>
-                        <a:t>muss wissen </a:t>
-                      </a:r>
-                      <a:r>
-                        <a:rPr lang="de-CH" baseline="0" dirty="0" smtClean="0"/>
-                        <a:t>was er will</a:t>
+                        <a:t> muss wissen was er will</a:t>
                       </a:r>
                       <a:endParaRPr lang="de-CH" dirty="0"/>
                     </a:p>
@@ -7877,7 +7845,7 @@
         <p:spPr>
           <a:xfrm>
             <a:off x="547007" y="1206066"/>
-            <a:ext cx="7327038" cy="1063605"/>
+            <a:ext cx="7892658" cy="1063605"/>
           </a:xfrm>
         </p:spPr>
         <p:txBody>
@@ -7885,129 +7853,9 @@
           <a:lstStyle/>
           <a:p>
             <a:r>
-              <a:rPr lang="de-CH" dirty="0" err="1" smtClean="0"/>
-              <a:t>Based</a:t>
-            </a:r>
-            <a:r>
               <a:rPr lang="de-CH" dirty="0" smtClean="0"/>
-              <a:t> on </a:t>
-            </a:r>
-            <a:r>
-              <a:rPr lang="de-CH" dirty="0" err="1" smtClean="0"/>
-              <a:t>our</a:t>
-            </a:r>
-            <a:r>
-              <a:rPr lang="de-CH" dirty="0" smtClean="0"/>
-              <a:t> </a:t>
-            </a:r>
-            <a:r>
-              <a:rPr lang="de-CH" dirty="0" err="1" smtClean="0"/>
-              <a:t>evaluation</a:t>
-            </a:r>
-            <a:r>
-              <a:rPr lang="de-CH" dirty="0" smtClean="0"/>
-              <a:t> </a:t>
-            </a:r>
-            <a:r>
-              <a:rPr lang="de-CH" dirty="0" err="1" smtClean="0"/>
-              <a:t>we</a:t>
-            </a:r>
-            <a:r>
-              <a:rPr lang="de-CH" dirty="0" smtClean="0"/>
-              <a:t> </a:t>
-            </a:r>
-            <a:r>
-              <a:rPr lang="de-CH" dirty="0" err="1" smtClean="0"/>
-              <a:t>decided</a:t>
-            </a:r>
-            <a:r>
-              <a:rPr lang="de-CH" dirty="0" smtClean="0"/>
-              <a:t> </a:t>
-            </a:r>
-            <a:r>
-              <a:rPr lang="de-CH" dirty="0" err="1" smtClean="0"/>
-              <a:t>to</a:t>
-            </a:r>
-            <a:r>
-              <a:rPr lang="de-CH" dirty="0" smtClean="0"/>
-              <a:t> </a:t>
-            </a:r>
-            <a:r>
-              <a:rPr lang="de-CH" dirty="0" err="1" smtClean="0"/>
-              <a:t>make</a:t>
-            </a:r>
-            <a:r>
-              <a:rPr lang="de-CH" dirty="0" smtClean="0"/>
-              <a:t> a </a:t>
-            </a:r>
-            <a:r>
-              <a:rPr lang="de-CH" dirty="0" err="1" smtClean="0"/>
-              <a:t>combination</a:t>
-            </a:r>
-            <a:r>
-              <a:rPr lang="de-CH" dirty="0" smtClean="0"/>
-              <a:t> </a:t>
-            </a:r>
-            <a:r>
-              <a:rPr lang="de-CH" dirty="0" err="1" smtClean="0"/>
-              <a:t>of</a:t>
-            </a:r>
-            <a:r>
-              <a:rPr lang="de-CH" dirty="0" smtClean="0"/>
-              <a:t> </a:t>
-            </a:r>
-            <a:r>
-              <a:rPr lang="de-CH" dirty="0" err="1" smtClean="0"/>
-              <a:t>plandriven</a:t>
-            </a:r>
-            <a:r>
-              <a:rPr lang="de-CH" dirty="0" smtClean="0"/>
-              <a:t> </a:t>
-            </a:r>
-            <a:r>
-              <a:rPr lang="de-CH" dirty="0" err="1" smtClean="0"/>
-              <a:t>and</a:t>
-            </a:r>
-            <a:r>
-              <a:rPr lang="de-CH" dirty="0" smtClean="0"/>
-              <a:t> agile</a:t>
-            </a:r>
-          </a:p>
-          <a:p>
-            <a:r>
-              <a:rPr lang="de-CH" dirty="0" err="1" smtClean="0"/>
-              <a:t>Incremental</a:t>
-            </a:r>
-            <a:r>
-              <a:rPr lang="de-CH" dirty="0" smtClean="0"/>
-              <a:t> </a:t>
-            </a:r>
-            <a:r>
-              <a:rPr lang="de-CH" dirty="0" err="1" smtClean="0"/>
-              <a:t>Delivery</a:t>
-            </a:r>
-            <a:r>
-              <a:rPr lang="de-CH" dirty="0" smtClean="0"/>
-              <a:t> </a:t>
-            </a:r>
-            <a:r>
-              <a:rPr lang="de-CH" dirty="0" err="1" smtClean="0"/>
-              <a:t>and</a:t>
-            </a:r>
-            <a:r>
-              <a:rPr lang="de-CH" dirty="0" smtClean="0"/>
-              <a:t> Extreme </a:t>
-            </a:r>
-            <a:r>
-              <a:rPr lang="de-CH" dirty="0" err="1" smtClean="0"/>
-              <a:t>Programming</a:t>
-            </a:r>
-            <a:r>
-              <a:rPr lang="de-CH" dirty="0" smtClean="0"/>
-              <a:t>  </a:t>
-            </a:r>
-          </a:p>
-          <a:p>
+              <a:t>Mittels dem Prozessvergleich haben wir uns für ein agiles Model entschieden, welches plangetriebene Aspekte beinhaltet</a:t>
+            </a:r>
             <a:endParaRPr lang="de-CH" dirty="0"/>
           </a:p>
           <a:p>
@@ -8043,7 +7891,7 @@
               <a:t>SE </a:t>
             </a:r>
             <a:r>
-              <a:rPr lang="de-CH" dirty="0" err="1" smtClean="0"/>
+              <a:rPr lang="de-CH" dirty="0" smtClean="0"/>
               <a:t>Process</a:t>
             </a:r>
             <a:endParaRPr lang="de-CH" dirty="0"/>
@@ -8073,110 +7921,20 @@
           </a:p>
         </p:txBody>
       </p:sp>
-      <p:pic>
-        <p:nvPicPr>
-          <p:cNvPr id="5" name="Picture 7" descr="Screen Shot 2014-09-25 at 16.14.44.png"/>
-          <p:cNvPicPr>
-            <a:picLocks noChangeAspect="1"/>
-          </p:cNvPicPr>
+      <p:sp>
+        <p:nvSpPr>
+          <p:cNvPr id="7" name="Abgerundetes Rechteck 6"/>
+          <p:cNvSpPr/>
           <p:nvPr/>
-        </p:nvPicPr>
-        <p:blipFill>
-          <a:blip r:embed="rId2">
-            <a:extLst>
-              <a:ext uri="{28A0092B-C50C-407E-A947-70E740481C1C}">
-                <a14:useLocalDpi xmlns:a14="http://schemas.microsoft.com/office/drawing/2010/main" val="0"/>
-              </a:ext>
-            </a:extLst>
-          </a:blip>
-          <a:stretch>
-            <a:fillRect/>
-          </a:stretch>
-        </p:blipFill>
+        </p:nvSpPr>
         <p:spPr>
           <a:xfrm>
-            <a:off x="1203112" y="4343399"/>
-            <a:ext cx="3956717" cy="1741744"/>
-          </a:xfrm>
-          <a:prstGeom prst="rect">
+            <a:off x="481657" y="2035308"/>
+            <a:ext cx="1349289" cy="722723"/>
+          </a:xfrm>
+          <a:prstGeom prst="roundRect">
             <a:avLst/>
           </a:prstGeom>
-        </p:spPr>
-      </p:pic>
-      <p:pic>
-        <p:nvPicPr>
-          <p:cNvPr id="1026" name="Picture 2"/>
-          <p:cNvPicPr>
-            <a:picLocks noChangeAspect="1" noChangeArrowheads="1"/>
-          </p:cNvPicPr>
-          <p:nvPr/>
-        </p:nvPicPr>
-        <p:blipFill>
-          <a:blip r:embed="rId3">
-            <a:extLst>
-              <a:ext uri="{28A0092B-C50C-407E-A947-70E740481C1C}">
-                <a14:useLocalDpi xmlns:a14="http://schemas.microsoft.com/office/drawing/2010/main" val="0"/>
-              </a:ext>
-            </a:extLst>
-          </a:blip>
-          <a:srcRect/>
-          <a:stretch>
-            <a:fillRect/>
-          </a:stretch>
-        </p:blipFill>
-        <p:spPr bwMode="auto">
-          <a:xfrm>
-            <a:off x="938893" y="2411185"/>
-            <a:ext cx="5116424" cy="1932214"/>
-          </a:xfrm>
-          <a:prstGeom prst="rect">
-            <a:avLst/>
-          </a:prstGeom>
-          <a:noFill/>
-          <a:ln>
-            <a:noFill/>
-          </a:ln>
-          <a:extLst>
-            <a:ext uri="{909E8E84-426E-40DD-AFC4-6F175D3DCCD1}">
-              <a14:hiddenFill xmlns:a14="http://schemas.microsoft.com/office/drawing/2010/main">
-                <a:solidFill>
-                  <a:schemeClr val="accent1"/>
-                </a:solidFill>
-              </a14:hiddenFill>
-            </a:ext>
-            <a:ext uri="{91240B29-F687-4F45-9708-019B960494DF}">
-              <a14:hiddenLine xmlns:a14="http://schemas.microsoft.com/office/drawing/2010/main" w="9525">
-                <a:solidFill>
-                  <a:schemeClr val="tx1"/>
-                </a:solidFill>
-                <a:miter lim="800000"/>
-                <a:headEnd/>
-                <a:tailEnd/>
-              </a14:hiddenLine>
-            </a:ext>
-          </a:extLst>
-        </p:spPr>
-      </p:pic>
-      <p:sp>
-        <p:nvSpPr>
-          <p:cNvPr id="6" name="Ellipse 5"/>
-          <p:cNvSpPr/>
-          <p:nvPr/>
-        </p:nvSpPr>
-        <p:spPr>
-          <a:xfrm>
-            <a:off x="938893" y="2411185"/>
-            <a:ext cx="1240971" cy="658586"/>
-          </a:xfrm>
-          <a:prstGeom prst="ellipse">
-            <a:avLst/>
-          </a:prstGeom>
-          <a:noFill/>
-          <a:ln w="28575">
-            <a:solidFill>
-              <a:srgbClr val="FF0000"/>
-            </a:solidFill>
-          </a:ln>
         </p:spPr>
         <p:style>
           <a:lnRef idx="1">
@@ -8197,28 +7955,299 @@
           <a:lstStyle/>
           <a:p>
             <a:pPr algn="ctr"/>
-            <a:endParaRPr lang="de-CH"/>
+            <a:r>
+              <a:rPr lang="de-CH" sz="1600" dirty="0" smtClean="0"/>
+              <a:t>Planung</a:t>
+            </a:r>
+            <a:endParaRPr lang="de-DE" sz="1600" dirty="0"/>
+          </a:p>
+        </p:txBody>
+      </p:sp>
+      <p:sp>
+        <p:nvSpPr>
+          <p:cNvPr id="8" name="Abgerundetes Rechteck 7"/>
+          <p:cNvSpPr/>
+          <p:nvPr/>
+        </p:nvSpPr>
+        <p:spPr>
+          <a:xfrm>
+            <a:off x="1057146" y="3106039"/>
+            <a:ext cx="1469253" cy="696014"/>
+          </a:xfrm>
+          <a:prstGeom prst="roundRect">
+            <a:avLst/>
+          </a:prstGeom>
+        </p:spPr>
+        <p:style>
+          <a:lnRef idx="1">
+            <a:schemeClr val="accent1"/>
+          </a:lnRef>
+          <a:fillRef idx="3">
+            <a:schemeClr val="accent1"/>
+          </a:fillRef>
+          <a:effectRef idx="2">
+            <a:schemeClr val="accent1"/>
+          </a:effectRef>
+          <a:fontRef idx="minor">
+            <a:schemeClr val="lt1"/>
+          </a:fontRef>
+        </p:style>
+        <p:txBody>
+          <a:bodyPr rtlCol="0" anchor="ctr"/>
+          <a:lstStyle/>
+          <a:p>
+            <a:pPr algn="ctr"/>
+            <a:r>
+              <a:rPr lang="de-CH" sz="1600" dirty="0" smtClean="0"/>
+              <a:t>Modul</a:t>
+            </a:r>
+          </a:p>
+          <a:p>
+            <a:pPr algn="ctr"/>
+            <a:r>
+              <a:rPr lang="de-CH" sz="1600" dirty="0" smtClean="0"/>
+              <a:t>Planung</a:t>
+            </a:r>
+            <a:endParaRPr lang="de-DE" sz="1600" dirty="0"/>
+          </a:p>
+        </p:txBody>
+      </p:sp>
+      <p:sp>
+        <p:nvSpPr>
+          <p:cNvPr id="12" name="Abgerundetes Rechteck 11"/>
+          <p:cNvSpPr/>
+          <p:nvPr/>
+        </p:nvSpPr>
+        <p:spPr>
+          <a:xfrm>
+            <a:off x="6606333" y="3106039"/>
+            <a:ext cx="1348815" cy="696014"/>
+          </a:xfrm>
+          <a:prstGeom prst="roundRect">
+            <a:avLst/>
+          </a:prstGeom>
+        </p:spPr>
+        <p:style>
+          <a:lnRef idx="1">
+            <a:schemeClr val="accent1"/>
+          </a:lnRef>
+          <a:fillRef idx="3">
+            <a:schemeClr val="accent1"/>
+          </a:fillRef>
+          <a:effectRef idx="2">
+            <a:schemeClr val="accent1"/>
+          </a:effectRef>
+          <a:fontRef idx="minor">
+            <a:schemeClr val="lt1"/>
+          </a:fontRef>
+        </p:style>
+        <p:txBody>
+          <a:bodyPr rtlCol="0" anchor="ctr"/>
+          <a:lstStyle/>
+          <a:p>
+            <a:pPr algn="ctr"/>
+            <a:r>
+              <a:rPr lang="de-CH" sz="1600" dirty="0" smtClean="0"/>
+              <a:t>Testen</a:t>
+            </a:r>
+            <a:endParaRPr lang="de-DE" sz="1600" dirty="0"/>
+          </a:p>
+        </p:txBody>
+      </p:sp>
+      <p:sp>
+        <p:nvSpPr>
+          <p:cNvPr id="13" name="Abgerundetes Rechteck 12"/>
+          <p:cNvSpPr/>
+          <p:nvPr/>
+        </p:nvSpPr>
+        <p:spPr>
+          <a:xfrm>
+            <a:off x="2387177" y="4637097"/>
+            <a:ext cx="1279258" cy="696013"/>
+          </a:xfrm>
+          <a:prstGeom prst="roundRect">
+            <a:avLst/>
+          </a:prstGeom>
+        </p:spPr>
+        <p:style>
+          <a:lnRef idx="1">
+            <a:schemeClr val="accent1"/>
+          </a:lnRef>
+          <a:fillRef idx="3">
+            <a:schemeClr val="accent1"/>
+          </a:fillRef>
+          <a:effectRef idx="2">
+            <a:schemeClr val="accent1"/>
+          </a:effectRef>
+          <a:fontRef idx="minor">
+            <a:schemeClr val="lt1"/>
+          </a:fontRef>
+        </p:style>
+        <p:txBody>
+          <a:bodyPr rtlCol="0" anchor="ctr"/>
+          <a:lstStyle/>
+          <a:p>
+            <a:pPr algn="ctr"/>
+            <a:r>
+              <a:rPr lang="de-CH" sz="1600" dirty="0" smtClean="0"/>
+              <a:t>Feedback</a:t>
+            </a:r>
+            <a:endParaRPr lang="de-DE" sz="1600" dirty="0"/>
+          </a:p>
+        </p:txBody>
+      </p:sp>
+      <p:sp>
+        <p:nvSpPr>
+          <p:cNvPr id="14" name="Abgerundetes Rechteck 13"/>
+          <p:cNvSpPr/>
+          <p:nvPr/>
+        </p:nvSpPr>
+        <p:spPr>
+          <a:xfrm>
+            <a:off x="3666435" y="2433760"/>
+            <a:ext cx="1669574" cy="696014"/>
+          </a:xfrm>
+          <a:prstGeom prst="roundRect">
+            <a:avLst/>
+          </a:prstGeom>
+        </p:spPr>
+        <p:style>
+          <a:lnRef idx="1">
+            <a:schemeClr val="accent1"/>
+          </a:lnRef>
+          <a:fillRef idx="3">
+            <a:schemeClr val="accent1"/>
+          </a:fillRef>
+          <a:effectRef idx="2">
+            <a:schemeClr val="accent1"/>
+          </a:effectRef>
+          <a:fontRef idx="minor">
+            <a:schemeClr val="lt1"/>
+          </a:fontRef>
+        </p:style>
+        <p:txBody>
+          <a:bodyPr rtlCol="0" anchor="ctr"/>
+          <a:lstStyle/>
+          <a:p>
+            <a:pPr algn="ctr"/>
+            <a:r>
+              <a:rPr lang="de-CH" sz="1600" dirty="0" smtClean="0"/>
+              <a:t>Development</a:t>
+            </a:r>
+            <a:endParaRPr lang="de-DE" sz="1600" dirty="0"/>
+          </a:p>
+        </p:txBody>
+      </p:sp>
+      <p:sp>
+        <p:nvSpPr>
+          <p:cNvPr id="15" name="Abgerundetes Rechteck 14"/>
+          <p:cNvSpPr/>
+          <p:nvPr/>
+        </p:nvSpPr>
+        <p:spPr>
+          <a:xfrm>
+            <a:off x="5967314" y="4637097"/>
+            <a:ext cx="1987834" cy="696014"/>
+          </a:xfrm>
+          <a:prstGeom prst="roundRect">
+            <a:avLst/>
+          </a:prstGeom>
+        </p:spPr>
+        <p:style>
+          <a:lnRef idx="1">
+            <a:schemeClr val="accent1"/>
+          </a:lnRef>
+          <a:fillRef idx="3">
+            <a:schemeClr val="accent1"/>
+          </a:fillRef>
+          <a:effectRef idx="2">
+            <a:schemeClr val="accent1"/>
+          </a:effectRef>
+          <a:fontRef idx="minor">
+            <a:schemeClr val="lt1"/>
+          </a:fontRef>
+        </p:style>
+        <p:txBody>
+          <a:bodyPr rtlCol="0" anchor="ctr"/>
+          <a:lstStyle/>
+          <a:p>
+            <a:pPr algn="ctr"/>
+            <a:r>
+              <a:rPr lang="de-CH" sz="1600" dirty="0" smtClean="0"/>
+              <a:t>Implementieren</a:t>
+            </a:r>
+            <a:endParaRPr lang="de-DE" sz="1600" dirty="0"/>
+          </a:p>
+        </p:txBody>
+      </p:sp>
+      <p:sp>
+        <p:nvSpPr>
+          <p:cNvPr id="17" name="Abgerundetes Rechteck 16"/>
+          <p:cNvSpPr/>
+          <p:nvPr/>
+        </p:nvSpPr>
+        <p:spPr>
+          <a:xfrm>
+            <a:off x="3985944" y="5545242"/>
+            <a:ext cx="1030556" cy="696014"/>
+          </a:xfrm>
+          <a:prstGeom prst="roundRect">
+            <a:avLst/>
+          </a:prstGeom>
+        </p:spPr>
+        <p:style>
+          <a:lnRef idx="1">
+            <a:schemeClr val="accent1"/>
+          </a:lnRef>
+          <a:fillRef idx="3">
+            <a:schemeClr val="accent1"/>
+          </a:fillRef>
+          <a:effectRef idx="2">
+            <a:schemeClr val="accent1"/>
+          </a:effectRef>
+          <a:fontRef idx="minor">
+            <a:schemeClr val="lt1"/>
+          </a:fontRef>
+        </p:style>
+        <p:txBody>
+          <a:bodyPr rtlCol="0" anchor="ctr"/>
+          <a:lstStyle/>
+          <a:p>
+            <a:pPr algn="ctr"/>
+            <a:r>
+              <a:rPr lang="de-CH" sz="1600" dirty="0" smtClean="0"/>
+              <a:t>Final</a:t>
+            </a:r>
+            <a:r>
+              <a:rPr lang="de-CH" dirty="0" smtClean="0"/>
+              <a:t> </a:t>
+            </a:r>
+            <a:r>
+              <a:rPr lang="de-CH" sz="1600" dirty="0" smtClean="0"/>
+              <a:t>Version</a:t>
+            </a:r>
+            <a:endParaRPr lang="de-DE" sz="1600" dirty="0"/>
           </a:p>
         </p:txBody>
       </p:sp>
       <p:cxnSp>
         <p:nvCxnSpPr>
-          <p:cNvPr id="9" name="Gerade Verbindung mit Pfeil 8"/>
-          <p:cNvCxnSpPr/>
+          <p:cNvPr id="11" name="Gerade Verbindung mit Pfeil 10"/>
+          <p:cNvCxnSpPr>
+            <a:stCxn id="7" idx="2"/>
+            <a:endCxn id="8" idx="0"/>
+          </p:cNvCxnSpPr>
           <p:nvPr/>
         </p:nvCxnSpPr>
         <p:spPr>
           <a:xfrm>
-            <a:off x="1071002" y="2971800"/>
-            <a:ext cx="0" cy="1551214"/>
+            <a:off x="1156302" y="2758031"/>
+            <a:ext cx="635471" cy="348008"/>
           </a:xfrm>
           <a:prstGeom prst="straightConnector1">
             <a:avLst/>
           </a:prstGeom>
           <a:ln>
-            <a:solidFill>
-              <a:srgbClr val="FF0000"/>
-            </a:solidFill>
             <a:tailEnd type="arrow"/>
           </a:ln>
         </p:spPr>
@@ -8237,50 +8266,222 @@
           </a:fontRef>
         </p:style>
       </p:cxnSp>
-      <p:sp>
-        <p:nvSpPr>
-          <p:cNvPr id="16" name="Abgerundetes Rechteck 15"/>
-          <p:cNvSpPr/>
+      <p:cxnSp>
+        <p:nvCxnSpPr>
+          <p:cNvPr id="19" name="Gerade Verbindung mit Pfeil 18"/>
+          <p:cNvCxnSpPr>
+            <a:stCxn id="8" idx="3"/>
+            <a:endCxn id="14" idx="1"/>
+          </p:cNvCxnSpPr>
           <p:nvPr/>
-        </p:nvSpPr>
+        </p:nvCxnSpPr>
+        <p:spPr>
+          <a:xfrm flipV="1">
+            <a:off x="2526399" y="2781767"/>
+            <a:ext cx="1140036" cy="672279"/>
+          </a:xfrm>
+          <a:prstGeom prst="straightConnector1">
+            <a:avLst/>
+          </a:prstGeom>
+          <a:ln>
+            <a:tailEnd type="arrow"/>
+          </a:ln>
+        </p:spPr>
+        <p:style>
+          <a:lnRef idx="2">
+            <a:schemeClr val="accent1"/>
+          </a:lnRef>
+          <a:fillRef idx="0">
+            <a:schemeClr val="accent1"/>
+          </a:fillRef>
+          <a:effectRef idx="1">
+            <a:schemeClr val="accent1"/>
+          </a:effectRef>
+          <a:fontRef idx="minor">
+            <a:schemeClr val="tx1"/>
+          </a:fontRef>
+        </p:style>
+      </p:cxnSp>
+      <p:cxnSp>
+        <p:nvCxnSpPr>
+          <p:cNvPr id="21" name="Gerade Verbindung mit Pfeil 20"/>
+          <p:cNvCxnSpPr>
+            <a:stCxn id="14" idx="3"/>
+            <a:endCxn id="12" idx="1"/>
+          </p:cNvCxnSpPr>
+          <p:nvPr/>
+        </p:nvCxnSpPr>
         <p:spPr>
           <a:xfrm>
-            <a:off x="1203112" y="4449536"/>
-            <a:ext cx="1213517" cy="661307"/>
-          </a:xfrm>
-          <a:prstGeom prst="roundRect">
+            <a:off x="5336009" y="2781767"/>
+            <a:ext cx="1270324" cy="672279"/>
+          </a:xfrm>
+          <a:prstGeom prst="straightConnector1">
             <a:avLst/>
           </a:prstGeom>
-          <a:noFill/>
-          <a:ln w="38100">
-            <a:solidFill>
-              <a:srgbClr val="FF0000"/>
-            </a:solidFill>
+          <a:ln>
+            <a:tailEnd type="arrow"/>
           </a:ln>
         </p:spPr>
         <p:style>
-          <a:lnRef idx="1">
+          <a:lnRef idx="2">
             <a:schemeClr val="accent1"/>
           </a:lnRef>
-          <a:fillRef idx="3">
+          <a:fillRef idx="0">
             <a:schemeClr val="accent1"/>
           </a:fillRef>
-          <a:effectRef idx="2">
+          <a:effectRef idx="1">
             <a:schemeClr val="accent1"/>
           </a:effectRef>
           <a:fontRef idx="minor">
-            <a:schemeClr val="lt1"/>
+            <a:schemeClr val="tx1"/>
           </a:fontRef>
         </p:style>
-        <p:txBody>
-          <a:bodyPr rtlCol="0" anchor="ctr"/>
-          <a:lstStyle/>
-          <a:p>
-            <a:pPr algn="ctr"/>
-            <a:endParaRPr lang="de-CH"/>
-          </a:p>
-        </p:txBody>
-      </p:sp>
+      </p:cxnSp>
+      <p:cxnSp>
+        <p:nvCxnSpPr>
+          <p:cNvPr id="23" name="Gerade Verbindung mit Pfeil 22"/>
+          <p:cNvCxnSpPr>
+            <a:stCxn id="12" idx="2"/>
+            <a:endCxn id="15" idx="0"/>
+          </p:cNvCxnSpPr>
+          <p:nvPr/>
+        </p:nvCxnSpPr>
+        <p:spPr>
+          <a:xfrm flipH="1">
+            <a:off x="6961231" y="3802053"/>
+            <a:ext cx="319510" cy="835044"/>
+          </a:xfrm>
+          <a:prstGeom prst="straightConnector1">
+            <a:avLst/>
+          </a:prstGeom>
+          <a:ln>
+            <a:tailEnd type="arrow"/>
+          </a:ln>
+        </p:spPr>
+        <p:style>
+          <a:lnRef idx="2">
+            <a:schemeClr val="accent1"/>
+          </a:lnRef>
+          <a:fillRef idx="0">
+            <a:schemeClr val="accent1"/>
+          </a:fillRef>
+          <a:effectRef idx="1">
+            <a:schemeClr val="accent1"/>
+          </a:effectRef>
+          <a:fontRef idx="minor">
+            <a:schemeClr val="tx1"/>
+          </a:fontRef>
+        </p:style>
+      </p:cxnSp>
+      <p:cxnSp>
+        <p:nvCxnSpPr>
+          <p:cNvPr id="25" name="Gerade Verbindung mit Pfeil 24"/>
+          <p:cNvCxnSpPr>
+            <a:stCxn id="15" idx="1"/>
+            <a:endCxn id="13" idx="3"/>
+          </p:cNvCxnSpPr>
+          <p:nvPr/>
+        </p:nvCxnSpPr>
+        <p:spPr>
+          <a:xfrm flipH="1">
+            <a:off x="3666435" y="4985104"/>
+            <a:ext cx="2300879" cy="0"/>
+          </a:xfrm>
+          <a:prstGeom prst="straightConnector1">
+            <a:avLst/>
+          </a:prstGeom>
+          <a:ln>
+            <a:tailEnd type="arrow"/>
+          </a:ln>
+        </p:spPr>
+        <p:style>
+          <a:lnRef idx="2">
+            <a:schemeClr val="accent1"/>
+          </a:lnRef>
+          <a:fillRef idx="0">
+            <a:schemeClr val="accent1"/>
+          </a:fillRef>
+          <a:effectRef idx="1">
+            <a:schemeClr val="accent1"/>
+          </a:effectRef>
+          <a:fontRef idx="minor">
+            <a:schemeClr val="tx1"/>
+          </a:fontRef>
+        </p:style>
+      </p:cxnSp>
+      <p:cxnSp>
+        <p:nvCxnSpPr>
+          <p:cNvPr id="27" name="Gerade Verbindung mit Pfeil 26"/>
+          <p:cNvCxnSpPr>
+            <a:stCxn id="13" idx="2"/>
+            <a:endCxn id="17" idx="1"/>
+          </p:cNvCxnSpPr>
+          <p:nvPr/>
+        </p:nvCxnSpPr>
+        <p:spPr>
+          <a:xfrm>
+            <a:off x="3026806" y="5333110"/>
+            <a:ext cx="959138" cy="560139"/>
+          </a:xfrm>
+          <a:prstGeom prst="straightConnector1">
+            <a:avLst/>
+          </a:prstGeom>
+          <a:ln>
+            <a:tailEnd type="arrow"/>
+          </a:ln>
+        </p:spPr>
+        <p:style>
+          <a:lnRef idx="2">
+            <a:schemeClr val="accent1"/>
+          </a:lnRef>
+          <a:fillRef idx="0">
+            <a:schemeClr val="accent1"/>
+          </a:fillRef>
+          <a:effectRef idx="1">
+            <a:schemeClr val="accent1"/>
+          </a:effectRef>
+          <a:fontRef idx="minor">
+            <a:schemeClr val="tx1"/>
+          </a:fontRef>
+        </p:style>
+      </p:cxnSp>
+      <p:cxnSp>
+        <p:nvCxnSpPr>
+          <p:cNvPr id="29" name="Gerade Verbindung mit Pfeil 28"/>
+          <p:cNvCxnSpPr>
+            <a:stCxn id="13" idx="1"/>
+            <a:endCxn id="8" idx="2"/>
+          </p:cNvCxnSpPr>
+          <p:nvPr/>
+        </p:nvCxnSpPr>
+        <p:spPr>
+          <a:xfrm flipH="1" flipV="1">
+            <a:off x="1791773" y="3802053"/>
+            <a:ext cx="595404" cy="1183051"/>
+          </a:xfrm>
+          <a:prstGeom prst="straightConnector1">
+            <a:avLst/>
+          </a:prstGeom>
+          <a:ln>
+            <a:tailEnd type="arrow"/>
+          </a:ln>
+        </p:spPr>
+        <p:style>
+          <a:lnRef idx="2">
+            <a:schemeClr val="accent1"/>
+          </a:lnRef>
+          <a:fillRef idx="0">
+            <a:schemeClr val="accent1"/>
+          </a:fillRef>
+          <a:effectRef idx="1">
+            <a:schemeClr val="accent1"/>
+          </a:effectRef>
+          <a:fontRef idx="minor">
+            <a:schemeClr val="tx1"/>
+          </a:fontRef>
+        </p:style>
+      </p:cxnSp>
     </p:spTree>
     <p:extLst>
       <p:ext uri="{BB962C8B-B14F-4D97-AF65-F5344CB8AC3E}">
@@ -8302,7 +8503,7 @@
 </file>
 
 <file path=ppt/slides/slide4.xml><?xml version="1.0" encoding="utf-8"?>
-<p:sld xmlns:a="http://schemas.openxmlformats.org/drawingml/2006/main" xmlns:r="http://schemas.openxmlformats.org/officeDocument/2006/relationships" xmlns:p="http://schemas.openxmlformats.org/presentationml/2006/main">
+<p:sld xmlns:a="http://schemas.openxmlformats.org/drawingml/2006/main" xmlns:r="http://schemas.openxmlformats.org/officeDocument/2006/relationships" xmlns:p="http://schemas.openxmlformats.org/presentationml/2006/main" show="0">
   <p:cSld>
     <p:spTree>
       <p:nvGrpSpPr>
@@ -8373,7 +8574,7 @@
         </p:nvSpPr>
         <p:spPr>
           <a:xfrm>
-            <a:off x="579664" y="546274"/>
+            <a:off x="579665" y="546274"/>
             <a:ext cx="8216945" cy="540000"/>
           </a:xfrm>
         </p:spPr>
@@ -8382,7 +8583,7 @@
           <a:lstStyle/>
           <a:p>
             <a:r>
-              <a:rPr lang="de-CH" dirty="0" err="1" smtClean="0"/>
+              <a:rPr lang="de-CH" dirty="0" smtClean="0"/>
               <a:t>Process</a:t>
             </a:r>
             <a:r>
@@ -8423,12 +8624,16 @@
             <a:graphicFrameLocks noGrp="1"/>
           </p:cNvGraphicFramePr>
           <p:nvPr>
-            <p:extLst/>
+            <p:extLst>
+              <p:ext uri="{D42A27DB-BD31-4B8C-83A1-F6EECF244321}">
+                <p14:modId xmlns:p14="http://schemas.microsoft.com/office/powerpoint/2010/main" val="3659896418"/>
+              </p:ext>
+            </p:extLst>
           </p:nvPr>
         </p:nvGraphicFramePr>
         <p:xfrm>
           <a:off x="579664" y="1086274"/>
-          <a:ext cx="6938052" cy="4645738"/>
+          <a:ext cx="6938052" cy="4664683"/>
         </p:xfrm>
         <a:graphic>
           <a:graphicData uri="http://schemas.openxmlformats.org/drawingml/2006/table">
@@ -8449,8 +8654,8 @@
                     <a:lstStyle/>
                     <a:p>
                       <a:r>
-                        <a:rPr lang="de-CH" sz="1200" dirty="0" err="1" smtClean="0"/>
-                        <a:t>Activity</a:t>
+                        <a:rPr lang="de-CH" sz="1200" dirty="0" smtClean="0"/>
+                        <a:t>Aktivität</a:t>
                       </a:r>
                       <a:endParaRPr lang="de-CH" sz="1200" dirty="0"/>
                     </a:p>
@@ -8464,7 +8669,7 @@
                     <a:p>
                       <a:r>
                         <a:rPr lang="de-CH" sz="1200" dirty="0" smtClean="0"/>
-                        <a:t>Goal</a:t>
+                        <a:t>Ziel</a:t>
                       </a:r>
                       <a:endParaRPr lang="de-CH" sz="1200" dirty="0"/>
                     </a:p>
@@ -8478,7 +8683,7 @@
                     <a:p>
                       <a:r>
                         <a:rPr lang="de-CH" sz="1200" dirty="0" smtClean="0"/>
-                        <a:t>Tasks</a:t>
+                        <a:t>Aufgabe</a:t>
                       </a:r>
                       <a:endParaRPr lang="de-CH" sz="1200" dirty="0"/>
                     </a:p>
@@ -8492,11 +8697,7 @@
                     <a:p>
                       <a:r>
                         <a:rPr lang="de-CH" sz="1200" dirty="0" smtClean="0"/>
-                        <a:t>Potential</a:t>
-                      </a:r>
-                      <a:r>
-                        <a:rPr lang="de-CH" sz="1200" baseline="0" dirty="0" smtClean="0"/>
-                        <a:t> Output</a:t>
+                        <a:t>Output</a:t>
                       </a:r>
                       <a:endParaRPr lang="de-CH" sz="1200" dirty="0"/>
                     </a:p>
@@ -8504,15 +8705,15 @@
                   <a:tcPr marL="94380" marR="94380" marT="47190" marB="47190"/>
                 </a:tc>
               </a:tr>
-              <a:tr h="1226940">
+              <a:tr h="755648">
                 <a:tc>
                   <a:txBody>
                     <a:bodyPr/>
                     <a:lstStyle/>
                     <a:p>
                       <a:r>
-                        <a:rPr lang="de-CH" sz="1200" dirty="0" err="1" smtClean="0"/>
-                        <a:t>Specification</a:t>
+                        <a:rPr lang="de-CH" sz="1200" dirty="0" smtClean="0"/>
+                        <a:t>Planung</a:t>
                       </a:r>
                       <a:endParaRPr lang="de-CH" sz="1200" dirty="0"/>
                     </a:p>
@@ -8525,118 +8726,14 @@
                     <a:lstStyle/>
                     <a:p>
                       <a:r>
-                        <a:rPr lang="de-CH" sz="1200" dirty="0" smtClean="0"/>
-                        <a:t>Description </a:t>
+                        <a:rPr lang="de-CH" sz="1400" dirty="0" smtClean="0"/>
+                        <a:t>Zeitliches</a:t>
                       </a:r>
                       <a:r>
-                        <a:rPr lang="de-CH" sz="1200" dirty="0" err="1" smtClean="0"/>
-                        <a:t>of</a:t>
+                        <a:rPr lang="de-CH" sz="1400" baseline="0" dirty="0" smtClean="0"/>
+                        <a:t> Grundgerüst des Auftrages erstellen</a:t>
                       </a:r>
-                      <a:r>
-                        <a:rPr lang="de-CH" sz="1200" dirty="0" smtClean="0"/>
-                        <a:t> </a:t>
-                      </a:r>
-                      <a:r>
-                        <a:rPr lang="de-CH" sz="1200" dirty="0" err="1" smtClean="0"/>
-                        <a:t>the</a:t>
-                      </a:r>
-                      <a:r>
-                        <a:rPr lang="de-CH" sz="1200" dirty="0" smtClean="0"/>
-                        <a:t> </a:t>
-                      </a:r>
-                      <a:r>
-                        <a:rPr lang="de-CH" sz="1200" dirty="0" err="1" smtClean="0"/>
-                        <a:t>product</a:t>
-                      </a:r>
-                      <a:r>
-                        <a:rPr lang="de-CH" sz="1200" dirty="0" smtClean="0"/>
-                        <a:t> in </a:t>
-                      </a:r>
-                      <a:r>
-                        <a:rPr lang="de-CH" sz="1200" dirty="0" err="1" smtClean="0"/>
-                        <a:t>general</a:t>
-                      </a:r>
-                      <a:r>
-                        <a:rPr lang="de-CH" sz="1200" dirty="0" smtClean="0"/>
-                        <a:t> </a:t>
-                      </a:r>
-                      <a:r>
-                        <a:rPr lang="de-CH" sz="1200" dirty="0" err="1" smtClean="0"/>
-                        <a:t>and</a:t>
-                      </a:r>
-                      <a:r>
-                        <a:rPr lang="de-CH" sz="1200" dirty="0" smtClean="0"/>
-                        <a:t> </a:t>
-                      </a:r>
-                      <a:r>
-                        <a:rPr lang="de-CH" sz="1200" dirty="0" err="1" smtClean="0"/>
-                        <a:t>we</a:t>
-                      </a:r>
-                      <a:r>
-                        <a:rPr lang="de-CH" sz="1200" baseline="0" dirty="0" smtClean="0"/>
-                        <a:t> </a:t>
-                      </a:r>
-                      <a:r>
-                        <a:rPr lang="de-CH" sz="1200" baseline="0" dirty="0" err="1" smtClean="0"/>
-                        <a:t>choose</a:t>
-                      </a:r>
-                      <a:r>
-                        <a:rPr lang="de-CH" sz="1200" baseline="0" dirty="0" smtClean="0"/>
-                        <a:t> </a:t>
-                      </a:r>
-                      <a:r>
-                        <a:rPr lang="de-CH" sz="1200" baseline="0" dirty="0" err="1" smtClean="0"/>
-                        <a:t>the</a:t>
-                      </a:r>
-                      <a:r>
-                        <a:rPr lang="de-CH" sz="1200" baseline="0" dirty="0" smtClean="0"/>
-                        <a:t> </a:t>
-                      </a:r>
-                      <a:r>
-                        <a:rPr lang="de-CH" sz="1200" baseline="0" dirty="0" err="1" smtClean="0"/>
-                        <a:t>most</a:t>
-                      </a:r>
-                      <a:r>
-                        <a:rPr lang="de-CH" sz="1200" baseline="0" dirty="0" smtClean="0"/>
-                        <a:t> </a:t>
-                      </a:r>
-                      <a:r>
-                        <a:rPr lang="de-CH" sz="1200" baseline="0" dirty="0" err="1" smtClean="0"/>
-                        <a:t>important</a:t>
-                      </a:r>
-                      <a:r>
-                        <a:rPr lang="de-CH" sz="1200" baseline="0" dirty="0" smtClean="0"/>
-                        <a:t> </a:t>
-                      </a:r>
-                      <a:r>
-                        <a:rPr lang="de-CH" sz="1200" baseline="0" dirty="0" err="1" smtClean="0"/>
-                        <a:t>use</a:t>
-                      </a:r>
-                      <a:r>
-                        <a:rPr lang="de-CH" sz="1200" baseline="0" dirty="0" smtClean="0"/>
-                        <a:t> </a:t>
-                      </a:r>
-                      <a:r>
-                        <a:rPr lang="de-CH" sz="1200" baseline="0" dirty="0" err="1" smtClean="0"/>
-                        <a:t>cases</a:t>
-                      </a:r>
-                      <a:r>
-                        <a:rPr lang="de-CH" sz="1200" baseline="0" dirty="0" smtClean="0"/>
-                        <a:t> </a:t>
-                      </a:r>
-                      <a:r>
-                        <a:rPr lang="de-CH" sz="1200" baseline="0" dirty="0" err="1" smtClean="0"/>
-                        <a:t>to</a:t>
-                      </a:r>
-                      <a:r>
-                        <a:rPr lang="de-CH" sz="1200" baseline="0" dirty="0" smtClean="0"/>
-                        <a:t> </a:t>
-                      </a:r>
-                      <a:r>
-                        <a:rPr lang="de-CH" sz="1200" baseline="0" dirty="0" err="1" smtClean="0"/>
-                        <a:t>implement</a:t>
-                      </a:r>
-                      <a:endParaRPr lang="de-CH" sz="1200" dirty="0"/>
+                      <a:endParaRPr lang="de-DE" sz="1400" dirty="0"/>
                     </a:p>
                   </a:txBody>
                   <a:tcPr marL="94380" marR="94380" marT="47190" marB="47190"/>
@@ -8647,158 +8744,10 @@
                     <a:lstStyle/>
                     <a:p>
                       <a:r>
-                        <a:rPr lang="de-CH" sz="1200" dirty="0" err="1" smtClean="0"/>
-                        <a:t>Describe</a:t>
+                        <a:rPr lang="de-CH" sz="1400" dirty="0" smtClean="0"/>
+                        <a:t>Mit dem Kunden die </a:t>
                       </a:r>
-                      <a:r>
-                        <a:rPr lang="de-CH" sz="1200" dirty="0" smtClean="0"/>
-                        <a:t> </a:t>
-                      </a:r>
-                      <a:r>
-                        <a:rPr lang="de-CH" sz="1200" dirty="0" err="1" smtClean="0"/>
-                        <a:t>what</a:t>
-                      </a:r>
-                      <a:r>
-                        <a:rPr lang="de-CH" sz="1200" dirty="0" smtClean="0"/>
-                        <a:t> </a:t>
-                      </a:r>
-                      <a:r>
-                        <a:rPr lang="de-CH" sz="1200" dirty="0" err="1" smtClean="0"/>
-                        <a:t>is</a:t>
-                      </a:r>
-                      <a:r>
-                        <a:rPr lang="de-CH" sz="1200" dirty="0" smtClean="0"/>
-                        <a:t> </a:t>
-                      </a:r>
-                      <a:r>
-                        <a:rPr lang="de-CH" sz="1200" dirty="0" err="1" smtClean="0"/>
-                        <a:t>the</a:t>
-                      </a:r>
-                      <a:r>
-                        <a:rPr lang="de-CH" sz="1200" dirty="0" smtClean="0"/>
-                        <a:t> </a:t>
-                      </a:r>
-                      <a:r>
-                        <a:rPr lang="de-CH" sz="1200" dirty="0" err="1" smtClean="0"/>
-                        <a:t>vision</a:t>
-                      </a:r>
-                      <a:r>
-                        <a:rPr lang="de-CH" sz="1200" dirty="0" smtClean="0"/>
-                        <a:t> </a:t>
-                      </a:r>
-                      <a:r>
-                        <a:rPr lang="de-CH" sz="1200" dirty="0" err="1" smtClean="0"/>
-                        <a:t>of</a:t>
-                      </a:r>
-                      <a:r>
-                        <a:rPr lang="de-CH" sz="1200" baseline="0" dirty="0" smtClean="0"/>
-                        <a:t> </a:t>
-                      </a:r>
-                      <a:r>
-                        <a:rPr lang="de-CH" sz="1200" baseline="0" dirty="0" err="1" smtClean="0"/>
-                        <a:t>the</a:t>
-                      </a:r>
-                      <a:r>
-                        <a:rPr lang="de-CH" sz="1200" baseline="0" dirty="0" smtClean="0"/>
-                        <a:t> </a:t>
-                      </a:r>
-                      <a:r>
-                        <a:rPr lang="de-CH" sz="1200" baseline="0" dirty="0" err="1" smtClean="0"/>
-                        <a:t>project</a:t>
-                      </a:r>
-                      <a:r>
-                        <a:rPr lang="de-CH" sz="1200" baseline="0" dirty="0" smtClean="0"/>
-                        <a:t> </a:t>
-                      </a:r>
-                      <a:r>
-                        <a:rPr lang="de-CH" sz="1200" baseline="0" dirty="0" err="1" smtClean="0"/>
-                        <a:t>and</a:t>
-                      </a:r>
-                      <a:r>
-                        <a:rPr lang="de-CH" sz="1200" baseline="0" dirty="0" smtClean="0"/>
-                        <a:t> </a:t>
-                      </a:r>
-                      <a:r>
-                        <a:rPr lang="de-CH" sz="1200" baseline="0" dirty="0" err="1" smtClean="0"/>
-                        <a:t>which</a:t>
-                      </a:r>
-                      <a:r>
-                        <a:rPr lang="de-CH" sz="1200" baseline="0" dirty="0" smtClean="0"/>
-                        <a:t> </a:t>
-                      </a:r>
-                      <a:r>
-                        <a:rPr lang="de-CH" sz="1200" baseline="0" dirty="0" err="1" smtClean="0"/>
-                        <a:t>are</a:t>
-                      </a:r>
-                      <a:r>
-                        <a:rPr lang="de-CH" sz="1200" baseline="0" dirty="0" smtClean="0"/>
-                        <a:t> </a:t>
-                      </a:r>
-                      <a:r>
-                        <a:rPr lang="de-CH" sz="1200" baseline="0" dirty="0" err="1" smtClean="0"/>
-                        <a:t>the</a:t>
-                      </a:r>
-                      <a:r>
-                        <a:rPr lang="de-CH" sz="1200" baseline="0" dirty="0" smtClean="0"/>
-                        <a:t> </a:t>
-                      </a:r>
-                      <a:r>
-                        <a:rPr lang="de-CH" sz="1200" baseline="0" dirty="0" err="1" smtClean="0"/>
-                        <a:t>most</a:t>
-                      </a:r>
-                      <a:r>
-                        <a:rPr lang="de-CH" sz="1200" baseline="0" dirty="0" smtClean="0"/>
-                        <a:t> </a:t>
-                      </a:r>
-                      <a:r>
-                        <a:rPr lang="de-CH" sz="1200" baseline="0" dirty="0" err="1" smtClean="0"/>
-                        <a:t>important</a:t>
-                      </a:r>
-                      <a:r>
-                        <a:rPr lang="de-CH" sz="1200" baseline="0" dirty="0" smtClean="0"/>
-                        <a:t> </a:t>
-                      </a:r>
-                      <a:r>
-                        <a:rPr lang="de-CH" sz="1200" baseline="0" dirty="0" err="1" smtClean="0"/>
-                        <a:t>use</a:t>
-                      </a:r>
-                      <a:r>
-                        <a:rPr lang="de-CH" sz="1200" baseline="0" dirty="0" smtClean="0"/>
-                        <a:t> </a:t>
-                      </a:r>
-                      <a:r>
-                        <a:rPr lang="de-CH" sz="1200" baseline="0" dirty="0" err="1" smtClean="0"/>
-                        <a:t>cases</a:t>
-                      </a:r>
-                      <a:r>
-                        <a:rPr lang="de-CH" sz="1200" baseline="0" dirty="0" smtClean="0"/>
-                        <a:t> </a:t>
-                      </a:r>
-                      <a:r>
-                        <a:rPr lang="de-CH" sz="1200" baseline="0" dirty="0" err="1" smtClean="0"/>
-                        <a:t>for</a:t>
-                      </a:r>
-                      <a:r>
-                        <a:rPr lang="de-CH" sz="1200" baseline="0" dirty="0" smtClean="0"/>
-                        <a:t> </a:t>
-                      </a:r>
-                      <a:r>
-                        <a:rPr lang="de-CH" sz="1200" baseline="0" dirty="0" err="1" smtClean="0"/>
-                        <a:t>the</a:t>
-                      </a:r>
-                      <a:r>
-                        <a:rPr lang="de-CH" sz="1200" baseline="0" dirty="0" smtClean="0"/>
-                        <a:t> </a:t>
-                      </a:r>
-                      <a:r>
-                        <a:rPr lang="de-CH" sz="1200" baseline="0" dirty="0" err="1" smtClean="0"/>
-                        <a:t>beginning</a:t>
-                      </a:r>
-                      <a:r>
-                        <a:rPr lang="de-CH" sz="1200" baseline="0" dirty="0" smtClean="0"/>
-                        <a:t> </a:t>
-                      </a:r>
-                      <a:endParaRPr lang="de-CH" sz="1200" dirty="0"/>
+                      <a:endParaRPr lang="de-DE" sz="1400" dirty="0"/>
                     </a:p>
                   </a:txBody>
                   <a:tcPr marL="94380" marR="94380" marT="47190" marB="47190"/>
@@ -8808,39 +8757,7 @@
                     <a:bodyPr/>
                     <a:lstStyle/>
                     <a:p>
-                      <a:r>
-                        <a:rPr lang="de-CH" sz="1200" dirty="0" smtClean="0"/>
-                        <a:t>A </a:t>
-                      </a:r>
-                      <a:r>
-                        <a:rPr lang="de-CH" sz="1200" dirty="0" err="1" smtClean="0"/>
-                        <a:t>part</a:t>
-                      </a:r>
-                      <a:r>
-                        <a:rPr lang="de-CH" sz="1200" baseline="0" dirty="0" smtClean="0"/>
-                        <a:t> </a:t>
-                      </a:r>
-                      <a:r>
-                        <a:rPr lang="de-CH" sz="1200" baseline="0" dirty="0" err="1" smtClean="0"/>
-                        <a:t>of</a:t>
-                      </a:r>
-                      <a:r>
-                        <a:rPr lang="de-CH" sz="1200" baseline="0" dirty="0" smtClean="0"/>
-                        <a:t> </a:t>
-                      </a:r>
-                      <a:r>
-                        <a:rPr lang="de-CH" sz="1200" baseline="0" dirty="0" err="1" smtClean="0"/>
-                        <a:t>the</a:t>
-                      </a:r>
-                      <a:r>
-                        <a:rPr lang="de-CH" sz="1200" baseline="0" dirty="0" smtClean="0"/>
-                        <a:t> </a:t>
-                      </a:r>
-                      <a:r>
-                        <a:rPr lang="de-CH" sz="1200" baseline="0" dirty="0" err="1" smtClean="0"/>
-                        <a:t>specification</a:t>
-                      </a:r>
-                      <a:endParaRPr lang="de-CH" sz="1200" dirty="0"/>
+                      <a:endParaRPr lang="de-DE" sz="1400" dirty="0"/>
                     </a:p>
                   </a:txBody>
                   <a:tcPr marL="94380" marR="94380" marT="47190" marB="47190"/>
@@ -8853,28 +8770,8 @@
                     <a:lstStyle/>
                     <a:p>
                       <a:r>
-                        <a:rPr lang="de-CH" sz="1200" dirty="0" err="1" smtClean="0"/>
-                        <a:t>Developement</a:t>
-                      </a:r>
-                      <a:r>
                         <a:rPr lang="de-CH" sz="1200" dirty="0" smtClean="0"/>
-                        <a:t> (</a:t>
-                      </a:r>
-                      <a:r>
-                        <a:rPr lang="de-CH" sz="1200" dirty="0" err="1" smtClean="0"/>
-                        <a:t>with</a:t>
-                      </a:r>
-                      <a:r>
-                        <a:rPr lang="de-CH" sz="1200" dirty="0" smtClean="0"/>
-                        <a:t> minimal </a:t>
-                      </a:r>
-                      <a:r>
-                        <a:rPr lang="de-CH" sz="1200" dirty="0" err="1" smtClean="0"/>
-                        <a:t>testing</a:t>
-                      </a:r>
-                      <a:r>
-                        <a:rPr lang="de-CH" sz="1200" dirty="0" smtClean="0"/>
-                        <a:t>) </a:t>
+                        <a:t>Modul Planung</a:t>
                       </a:r>
                       <a:endParaRPr lang="de-CH" sz="1200" dirty="0"/>
                     </a:p>
@@ -8886,43 +8783,7 @@
                     <a:bodyPr/>
                     <a:lstStyle/>
                     <a:p>
-                      <a:r>
-                        <a:rPr lang="de-CH" sz="1200" dirty="0" err="1" smtClean="0"/>
-                        <a:t>Implement</a:t>
-                      </a:r>
-                      <a:r>
-                        <a:rPr lang="de-CH" sz="1200" dirty="0" smtClean="0"/>
-                        <a:t> </a:t>
-                      </a:r>
-                      <a:r>
-                        <a:rPr lang="de-CH" sz="1200" dirty="0" err="1" smtClean="0"/>
-                        <a:t>the</a:t>
-                      </a:r>
-                      <a:r>
-                        <a:rPr lang="de-CH" sz="1200" dirty="0" smtClean="0"/>
-                        <a:t> </a:t>
-                      </a:r>
-                      <a:r>
-                        <a:rPr lang="de-CH" sz="1200" dirty="0" err="1" smtClean="0"/>
-                        <a:t>defined</a:t>
-                      </a:r>
-                      <a:r>
-                        <a:rPr lang="de-CH" sz="1200" baseline="0" dirty="0" smtClean="0"/>
-                        <a:t> </a:t>
-                      </a:r>
-                      <a:r>
-                        <a:rPr lang="de-CH" sz="1200" baseline="0" dirty="0" err="1" smtClean="0"/>
-                        <a:t>use</a:t>
-                      </a:r>
-                      <a:r>
-                        <a:rPr lang="de-CH" sz="1200" baseline="0" dirty="0" smtClean="0"/>
-                        <a:t> </a:t>
-                      </a:r>
-                      <a:r>
-                        <a:rPr lang="de-CH" sz="1200" baseline="0" dirty="0" err="1" smtClean="0"/>
-                        <a:t>cases</a:t>
-                      </a:r>
-                      <a:endParaRPr lang="de-CH" sz="1200" dirty="0"/>
+                      <a:endParaRPr lang="de-DE" sz="1400" dirty="0"/>
                     </a:p>
                   </a:txBody>
                   <a:tcPr marL="94380" marR="94380" marT="47190" marB="47190"/>
@@ -8932,63 +8793,7 @@
                     <a:bodyPr/>
                     <a:lstStyle/>
                     <a:p>
-                      <a:pPr marL="0" marR="0" indent="0" algn="l" defTabSz="457200" rtl="0" eaLnBrk="1" fontAlgn="auto" latinLnBrk="0" hangingPunct="1">
-                        <a:lnSpc>
-                          <a:spcPct val="100000"/>
-                        </a:lnSpc>
-                        <a:spcBef>
-                          <a:spcPts val="0"/>
-                        </a:spcBef>
-                        <a:spcAft>
-                          <a:spcPts val="0"/>
-                        </a:spcAft>
-                        <a:buClrTx/>
-                        <a:buSzTx/>
-                        <a:buFontTx/>
-                        <a:buNone/>
-                        <a:tabLst/>
-                        <a:defRPr/>
-                      </a:pPr>
-                      <a:r>
-                        <a:rPr lang="de-CH" sz="1200" dirty="0" err="1" smtClean="0"/>
-                        <a:t>Implement</a:t>
-                      </a:r>
-                      <a:r>
-                        <a:rPr lang="de-CH" sz="1200" dirty="0" smtClean="0"/>
-                        <a:t> </a:t>
-                      </a:r>
-                      <a:r>
-                        <a:rPr lang="de-CH" sz="1200" dirty="0" err="1" smtClean="0"/>
-                        <a:t>the</a:t>
-                      </a:r>
-                      <a:r>
-                        <a:rPr lang="de-CH" sz="1200" dirty="0" smtClean="0"/>
-                        <a:t> </a:t>
-                      </a:r>
-                      <a:r>
-                        <a:rPr lang="de-CH" sz="1200" dirty="0" err="1" smtClean="0"/>
-                        <a:t>defined</a:t>
-                      </a:r>
-                      <a:r>
-                        <a:rPr lang="de-CH" sz="1200" baseline="0" dirty="0" smtClean="0"/>
-                        <a:t> </a:t>
-                      </a:r>
-                      <a:r>
-                        <a:rPr lang="de-CH" sz="1200" baseline="0" dirty="0" err="1" smtClean="0"/>
-                        <a:t>use</a:t>
-                      </a:r>
-                      <a:r>
-                        <a:rPr lang="de-CH" sz="1200" baseline="0" dirty="0" smtClean="0"/>
-                        <a:t> </a:t>
-                      </a:r>
-                      <a:r>
-                        <a:rPr lang="de-CH" sz="1200" baseline="0" dirty="0" err="1" smtClean="0"/>
-                        <a:t>cases</a:t>
-                      </a:r>
-                      <a:endParaRPr lang="de-CH" sz="1200" dirty="0" smtClean="0"/>
-                    </a:p>
-                    <a:p>
-                      <a:endParaRPr lang="de-CH" sz="1200" dirty="0"/>
+                      <a:endParaRPr lang="de-DE" sz="1400" dirty="0"/>
                     </a:p>
                   </a:txBody>
                   <a:tcPr marL="94380" marR="94380" marT="47190" marB="47190"/>
@@ -8998,39 +8803,7 @@
                     <a:bodyPr/>
                     <a:lstStyle/>
                     <a:p>
-                      <a:r>
-                        <a:rPr lang="de-CH" sz="1200" dirty="0" smtClean="0"/>
-                        <a:t>First </a:t>
-                      </a:r>
-                      <a:r>
-                        <a:rPr lang="de-CH" sz="1200" dirty="0" err="1" smtClean="0"/>
-                        <a:t>version</a:t>
-                      </a:r>
-                      <a:r>
-                        <a:rPr lang="de-CH" sz="1200" baseline="0" dirty="0" smtClean="0"/>
-                        <a:t> </a:t>
-                      </a:r>
-                      <a:r>
-                        <a:rPr lang="de-CH" sz="1200" baseline="0" dirty="0" err="1" smtClean="0"/>
-                        <a:t>of</a:t>
-                      </a:r>
-                      <a:r>
-                        <a:rPr lang="de-CH" sz="1200" baseline="0" dirty="0" smtClean="0"/>
-                        <a:t> </a:t>
-                      </a:r>
-                      <a:r>
-                        <a:rPr lang="de-CH" sz="1200" baseline="0" dirty="0" err="1" smtClean="0"/>
-                        <a:t>the</a:t>
-                      </a:r>
-                      <a:r>
-                        <a:rPr lang="de-CH" sz="1200" baseline="0" dirty="0" smtClean="0"/>
-                        <a:t> </a:t>
-                      </a:r>
-                      <a:r>
-                        <a:rPr lang="de-CH" sz="1200" baseline="0" dirty="0" err="1" smtClean="0"/>
-                        <a:t>product</a:t>
-                      </a:r>
-                      <a:endParaRPr lang="de-CH" sz="1200" dirty="0"/>
+                      <a:endParaRPr lang="de-DE" sz="1400" dirty="0"/>
                     </a:p>
                   </a:txBody>
                   <a:tcPr marL="94380" marR="94380" marT="47190" marB="47190"/>
@@ -9044,7 +8817,7 @@
                     <a:p>
                       <a:r>
                         <a:rPr lang="de-CH" sz="1200" dirty="0" smtClean="0"/>
-                        <a:t>Feedback/Validation</a:t>
+                        <a:t>Development</a:t>
                       </a:r>
                       <a:endParaRPr lang="de-CH" sz="1200" dirty="0"/>
                     </a:p>
@@ -9056,27 +8829,7 @@
                     <a:bodyPr/>
                     <a:lstStyle/>
                     <a:p>
-                      <a:r>
-                        <a:rPr lang="de-CH" sz="1200" dirty="0" smtClean="0"/>
-                        <a:t>Check</a:t>
-                      </a:r>
-                      <a:r>
-                        <a:rPr lang="de-CH" sz="1200" baseline="0" dirty="0" smtClean="0"/>
-                        <a:t> </a:t>
-                      </a:r>
-                      <a:r>
-                        <a:rPr lang="de-CH" sz="1200" baseline="0" dirty="0" err="1" smtClean="0"/>
-                        <a:t>the</a:t>
-                      </a:r>
-                      <a:r>
-                        <a:rPr lang="de-CH" sz="1200" baseline="0" dirty="0" smtClean="0"/>
-                        <a:t> </a:t>
-                      </a:r>
-                      <a:r>
-                        <a:rPr lang="de-CH" sz="1200" baseline="0" dirty="0" err="1" smtClean="0"/>
-                        <a:t>implementation</a:t>
-                      </a:r>
-                      <a:endParaRPr lang="de-CH" sz="1200" dirty="0"/>
+                      <a:endParaRPr lang="de-DE" sz="1400" dirty="0"/>
                     </a:p>
                   </a:txBody>
                   <a:tcPr marL="94380" marR="94380" marT="47190" marB="47190"/>
@@ -9086,31 +8839,7 @@
                     <a:bodyPr/>
                     <a:lstStyle/>
                     <a:p>
-                      <a:r>
-                        <a:rPr lang="de-CH" sz="1200" dirty="0" smtClean="0"/>
-                        <a:t>Talk </a:t>
-                      </a:r>
-                      <a:r>
-                        <a:rPr lang="de-CH" sz="1200" dirty="0" err="1" smtClean="0"/>
-                        <a:t>with</a:t>
-                      </a:r>
-                      <a:r>
-                        <a:rPr lang="de-CH" sz="1200" dirty="0" smtClean="0"/>
-                        <a:t> </a:t>
-                      </a:r>
-                      <a:r>
-                        <a:rPr lang="de-CH" sz="1200" dirty="0" err="1" smtClean="0"/>
-                        <a:t>the</a:t>
-                      </a:r>
-                      <a:r>
-                        <a:rPr lang="de-CH" sz="1200" baseline="0" dirty="0" smtClean="0"/>
-                        <a:t> </a:t>
-                      </a:r>
-                      <a:r>
-                        <a:rPr lang="de-CH" sz="1200" baseline="0" dirty="0" err="1" smtClean="0"/>
-                        <a:t>customer</a:t>
-                      </a:r>
-                      <a:endParaRPr lang="de-CH" sz="1200" dirty="0"/>
+                      <a:endParaRPr lang="de-DE" sz="1400" dirty="0"/>
                     </a:p>
                   </a:txBody>
                   <a:tcPr marL="94380" marR="94380" marT="47190" marB="47190"/>
@@ -9120,11 +8849,7 @@
                     <a:bodyPr/>
                     <a:lstStyle/>
                     <a:p>
-                      <a:r>
-                        <a:rPr lang="de-CH" sz="1200" dirty="0" err="1" smtClean="0"/>
-                        <a:t>Feedack</a:t>
-                      </a:r>
-                      <a:endParaRPr lang="de-CH" sz="1200" dirty="0"/>
+                      <a:endParaRPr lang="de-DE" sz="1400" dirty="0"/>
                     </a:p>
                   </a:txBody>
                   <a:tcPr marL="94380" marR="94380" marT="47190" marB="47190"/>
@@ -9150,51 +8875,7 @@
                     <a:bodyPr/>
                     <a:lstStyle/>
                     <a:p>
-                      <a:r>
-                        <a:rPr lang="de-CH" sz="1200" dirty="0" smtClean="0"/>
-                        <a:t>First</a:t>
-                      </a:r>
-                      <a:r>
-                        <a:rPr lang="de-CH" sz="1200" baseline="0" dirty="0" smtClean="0"/>
-                        <a:t> </a:t>
-                      </a:r>
-                      <a:r>
-                        <a:rPr lang="de-CH" sz="1200" baseline="0" dirty="0" err="1" smtClean="0"/>
-                        <a:t>implementation</a:t>
-                      </a:r>
-                      <a:r>
-                        <a:rPr lang="de-CH" sz="1200" baseline="0" dirty="0" smtClean="0"/>
-                        <a:t> </a:t>
-                      </a:r>
-                      <a:r>
-                        <a:rPr lang="de-CH" sz="1200" baseline="0" dirty="0" err="1" smtClean="0"/>
-                        <a:t>is</a:t>
-                      </a:r>
-                      <a:r>
-                        <a:rPr lang="de-CH" sz="1200" baseline="0" dirty="0" smtClean="0"/>
-                        <a:t> </a:t>
-                      </a:r>
-                      <a:r>
-                        <a:rPr lang="de-CH" sz="1200" baseline="0" dirty="0" err="1" smtClean="0"/>
-                        <a:t>working</a:t>
-                      </a:r>
-                      <a:r>
-                        <a:rPr lang="de-CH" sz="1200" baseline="0" dirty="0" smtClean="0"/>
-                        <a:t> </a:t>
-                      </a:r>
-                      <a:r>
-                        <a:rPr lang="de-CH" sz="1200" baseline="0" dirty="0" err="1" smtClean="0"/>
-                        <a:t>without</a:t>
-                      </a:r>
-                      <a:r>
-                        <a:rPr lang="de-CH" sz="1200" baseline="0" dirty="0" smtClean="0"/>
-                        <a:t> </a:t>
-                      </a:r>
-                      <a:r>
-                        <a:rPr lang="de-CH" sz="1200" baseline="0" dirty="0" err="1" smtClean="0"/>
-                        <a:t>errors</a:t>
-                      </a:r>
-                      <a:endParaRPr lang="de-CH" sz="1200" dirty="0"/>
+                      <a:endParaRPr lang="de-DE" sz="1400" dirty="0"/>
                     </a:p>
                   </a:txBody>
                   <a:tcPr marL="94380" marR="94380" marT="47190" marB="47190"/>
@@ -9204,51 +8885,7 @@
                     <a:bodyPr/>
                     <a:lstStyle/>
                     <a:p>
-                      <a:r>
-                        <a:rPr lang="de-CH" sz="1200" dirty="0" err="1" smtClean="0"/>
-                        <a:t>Make</a:t>
-                      </a:r>
-                      <a:r>
-                        <a:rPr lang="de-CH" sz="1200" dirty="0" smtClean="0"/>
-                        <a:t> </a:t>
-                      </a:r>
-                      <a:r>
-                        <a:rPr lang="de-CH" sz="1200" dirty="0" err="1" smtClean="0"/>
-                        <a:t>testcases</a:t>
-                      </a:r>
-                      <a:r>
-                        <a:rPr lang="de-CH" sz="1200" dirty="0" smtClean="0"/>
-                        <a:t> </a:t>
-                      </a:r>
-                      <a:r>
-                        <a:rPr lang="de-CH" sz="1200" dirty="0" err="1" smtClean="0"/>
-                        <a:t>and</a:t>
-                      </a:r>
-                      <a:r>
-                        <a:rPr lang="de-CH" sz="1200" baseline="0" dirty="0" smtClean="0"/>
-                        <a:t> </a:t>
-                      </a:r>
-                      <a:r>
-                        <a:rPr lang="de-CH" sz="1200" baseline="0" dirty="0" err="1" smtClean="0"/>
-                        <a:t>test</a:t>
-                      </a:r>
-                      <a:r>
-                        <a:rPr lang="de-CH" sz="1200" baseline="0" dirty="0" smtClean="0"/>
-                        <a:t> </a:t>
-                      </a:r>
-                      <a:r>
-                        <a:rPr lang="de-CH" sz="1200" baseline="0" dirty="0" err="1" smtClean="0"/>
-                        <a:t>the</a:t>
-                      </a:r>
-                      <a:r>
-                        <a:rPr lang="de-CH" sz="1200" baseline="0" dirty="0" smtClean="0"/>
-                        <a:t> </a:t>
-                      </a:r>
-                      <a:r>
-                        <a:rPr lang="de-CH" sz="1200" baseline="0" dirty="0" err="1" smtClean="0"/>
-                        <a:t>product</a:t>
-                      </a:r>
-                      <a:endParaRPr lang="de-CH" sz="1200" dirty="0"/>
+                      <a:endParaRPr lang="de-DE" sz="1400" dirty="0"/>
                     </a:p>
                   </a:txBody>
                   <a:tcPr marL="94380" marR="94380" marT="47190" marB="47190"/>
@@ -9258,87 +8895,7 @@
                     <a:bodyPr/>
                     <a:lstStyle/>
                     <a:p>
-                      <a:r>
-                        <a:rPr lang="de-CH" sz="1200" dirty="0" smtClean="0"/>
-                        <a:t>First</a:t>
-                      </a:r>
-                      <a:r>
-                        <a:rPr lang="de-CH" sz="1200" baseline="0" dirty="0" smtClean="0"/>
-                        <a:t> (</a:t>
-                      </a:r>
-                      <a:r>
-                        <a:rPr lang="de-CH" sz="1200" baseline="0" dirty="0" err="1" smtClean="0"/>
-                        <a:t>next</a:t>
-                      </a:r>
-                      <a:r>
-                        <a:rPr lang="de-CH" sz="1200" baseline="0" dirty="0" smtClean="0"/>
-                        <a:t>) </a:t>
-                      </a:r>
-                      <a:r>
-                        <a:rPr lang="de-CH" sz="1200" baseline="0" dirty="0" err="1" smtClean="0"/>
-                        <a:t>version</a:t>
-                      </a:r>
-                      <a:r>
-                        <a:rPr lang="de-CH" sz="1200" baseline="0" dirty="0" smtClean="0"/>
-                        <a:t> </a:t>
-                      </a:r>
-                      <a:r>
-                        <a:rPr lang="de-CH" sz="1200" baseline="0" dirty="0" err="1" smtClean="0"/>
-                        <a:t>of</a:t>
-                      </a:r>
-                      <a:r>
-                        <a:rPr lang="de-CH" sz="1200" baseline="0" dirty="0" smtClean="0"/>
-                        <a:t> </a:t>
-                      </a:r>
-                      <a:r>
-                        <a:rPr lang="de-CH" sz="1200" baseline="0" dirty="0" err="1" smtClean="0"/>
-                        <a:t>the</a:t>
-                      </a:r>
-                      <a:r>
-                        <a:rPr lang="de-CH" sz="1200" baseline="0" dirty="0" smtClean="0"/>
-                        <a:t> </a:t>
-                      </a:r>
-                      <a:r>
-                        <a:rPr lang="de-CH" sz="1200" baseline="0" dirty="0" err="1" smtClean="0"/>
-                        <a:t>product</a:t>
-                      </a:r>
-                      <a:r>
-                        <a:rPr lang="de-CH" sz="1200" baseline="0" dirty="0" smtClean="0"/>
-                        <a:t> </a:t>
-                      </a:r>
-                      <a:r>
-                        <a:rPr lang="de-CH" sz="1200" baseline="0" dirty="0" err="1" smtClean="0"/>
-                        <a:t>which</a:t>
-                      </a:r>
-                      <a:r>
-                        <a:rPr lang="de-CH" sz="1200" baseline="0" dirty="0" smtClean="0"/>
-                        <a:t> </a:t>
-                      </a:r>
-                      <a:r>
-                        <a:rPr lang="de-CH" sz="1200" baseline="0" dirty="0" err="1" smtClean="0"/>
-                        <a:t>is</a:t>
-                      </a:r>
-                      <a:r>
-                        <a:rPr lang="de-CH" sz="1200" baseline="0" dirty="0" smtClean="0"/>
-                        <a:t> </a:t>
-                      </a:r>
-                      <a:r>
-                        <a:rPr lang="de-CH" sz="1200" baseline="0" dirty="0" err="1" smtClean="0"/>
-                        <a:t>working</a:t>
-                      </a:r>
-                      <a:r>
-                        <a:rPr lang="de-CH" sz="1200" baseline="0" dirty="0" smtClean="0"/>
-                        <a:t> ( Fixed </a:t>
-                      </a:r>
-                      <a:r>
-                        <a:rPr lang="de-CH" sz="1200" baseline="0" dirty="0" err="1" smtClean="0"/>
-                        <a:t>errors</a:t>
-                      </a:r>
-                      <a:r>
-                        <a:rPr lang="de-CH" sz="1200" baseline="0" dirty="0" smtClean="0"/>
-                        <a:t>) </a:t>
-                      </a:r>
-                      <a:endParaRPr lang="de-CH" sz="1200" dirty="0"/>
+                      <a:endParaRPr lang="de-DE" sz="1400" dirty="0"/>
                     </a:p>
                   </a:txBody>
                   <a:tcPr marL="94380" marR="94380" marT="47190" marB="47190"/>
@@ -9352,15 +8909,7 @@
                     <a:p>
                       <a:r>
                         <a:rPr lang="de-CH" sz="1200" dirty="0" smtClean="0"/>
-                        <a:t>Final</a:t>
-                      </a:r>
-                      <a:r>
-                        <a:rPr lang="de-CH" sz="1200" baseline="0" dirty="0" smtClean="0"/>
-                        <a:t> </a:t>
-                      </a:r>
-                      <a:r>
-                        <a:rPr lang="de-CH" sz="1200" baseline="0" dirty="0" err="1" smtClean="0"/>
-                        <a:t>version</a:t>
+                        <a:t>Implementieren</a:t>
                       </a:r>
                       <a:endParaRPr lang="de-CH" sz="1200" dirty="0"/>
                     </a:p>
@@ -9372,65 +8921,41 @@
                     <a:bodyPr/>
                     <a:lstStyle/>
                     <a:p>
+                      <a:endParaRPr lang="de-DE" sz="1400" dirty="0"/>
+                    </a:p>
+                  </a:txBody>
+                  <a:tcPr marL="94380" marR="94380" marT="47190" marB="47190"/>
+                </a:tc>
+                <a:tc>
+                  <a:txBody>
+                    <a:bodyPr/>
+                    <a:lstStyle/>
+                    <a:p>
+                      <a:endParaRPr lang="de-DE" sz="1400" dirty="0"/>
+                    </a:p>
+                  </a:txBody>
+                  <a:tcPr marL="94380" marR="94380" marT="47190" marB="47190"/>
+                </a:tc>
+                <a:tc>
+                  <a:txBody>
+                    <a:bodyPr/>
+                    <a:lstStyle/>
+                    <a:p>
+                      <a:endParaRPr lang="de-DE" sz="1400" dirty="0"/>
+                    </a:p>
+                  </a:txBody>
+                  <a:tcPr marL="94380" marR="94380" marT="47190" marB="47190"/>
+                </a:tc>
+              </a:tr>
+              <a:tr h="660660">
+                <a:tc>
+                  <a:txBody>
+                    <a:bodyPr/>
+                    <a:lstStyle/>
+                    <a:p>
                       <a:r>
                         <a:rPr lang="de-CH" sz="1200" dirty="0" smtClean="0"/>
-                        <a:t>A</a:t>
-                      </a:r>
-                      <a:r>
-                        <a:rPr lang="de-CH" sz="1200" baseline="0" dirty="0" smtClean="0"/>
-                        <a:t> </a:t>
-                      </a:r>
-                      <a:r>
-                        <a:rPr lang="de-CH" sz="1200" baseline="0" dirty="0" err="1" smtClean="0"/>
-                        <a:t>good</a:t>
-                      </a:r>
-                      <a:r>
-                        <a:rPr lang="de-CH" sz="1200" baseline="0" dirty="0" smtClean="0"/>
-                        <a:t> </a:t>
-                      </a:r>
-                      <a:r>
-                        <a:rPr lang="de-CH" sz="1200" baseline="0" dirty="0" err="1" smtClean="0"/>
-                        <a:t>product</a:t>
-                      </a:r>
-                      <a:r>
-                        <a:rPr lang="de-CH" sz="1200" baseline="0" dirty="0" smtClean="0"/>
-                        <a:t> </a:t>
-                      </a:r>
-                      <a:r>
-                        <a:rPr lang="de-CH" sz="1200" baseline="0" dirty="0" err="1" smtClean="0"/>
-                        <a:t>which</a:t>
-                      </a:r>
-                      <a:r>
-                        <a:rPr lang="de-CH" sz="1200" baseline="0" dirty="0" smtClean="0"/>
-                        <a:t> </a:t>
-                      </a:r>
-                      <a:r>
-                        <a:rPr lang="de-CH" sz="1200" baseline="0" dirty="0" err="1" smtClean="0"/>
-                        <a:t>is</a:t>
-                      </a:r>
-                      <a:r>
-                        <a:rPr lang="de-CH" sz="1200" baseline="0" dirty="0" smtClean="0"/>
-                        <a:t> </a:t>
-                      </a:r>
-                      <a:r>
-                        <a:rPr lang="de-CH" sz="1200" baseline="0" dirty="0" err="1" smtClean="0"/>
-                        <a:t>working</a:t>
-                      </a:r>
-                      <a:r>
-                        <a:rPr lang="de-CH" sz="1200" baseline="0" dirty="0" smtClean="0"/>
-                        <a:t> </a:t>
-                      </a:r>
-                      <a:r>
-                        <a:rPr lang="de-CH" sz="1200" baseline="0" dirty="0" err="1" smtClean="0"/>
-                        <a:t>without</a:t>
-                      </a:r>
-                      <a:r>
-                        <a:rPr lang="de-CH" sz="1200" baseline="0" dirty="0" smtClean="0"/>
-                        <a:t> </a:t>
-                      </a:r>
-                      <a:r>
-                        <a:rPr lang="de-CH" sz="1200" baseline="0" dirty="0" err="1" smtClean="0"/>
-                        <a:t>errors</a:t>
+                        <a:t>Feedback</a:t>
                       </a:r>
                       <a:endParaRPr lang="de-CH" sz="1200" dirty="0"/>
                     </a:p>
@@ -9442,15 +8967,7 @@
                     <a:bodyPr/>
                     <a:lstStyle/>
                     <a:p>
-                      <a:r>
-                        <a:rPr lang="de-CH" sz="1200" dirty="0" smtClean="0"/>
-                        <a:t>Go on </a:t>
-                      </a:r>
-                      <a:r>
-                        <a:rPr lang="de-CH" sz="1200" dirty="0" err="1" smtClean="0"/>
-                        <a:t>production</a:t>
-                      </a:r>
-                      <a:endParaRPr lang="de-CH" sz="1200" dirty="0"/>
+                      <a:endParaRPr lang="de-CH" sz="1400" dirty="0"/>
                     </a:p>
                   </a:txBody>
                   <a:tcPr marL="94380" marR="94380" marT="47190" marB="47190"/>
@@ -9460,27 +8977,17 @@
                     <a:bodyPr/>
                     <a:lstStyle/>
                     <a:p>
-                      <a:r>
-                        <a:rPr lang="de-CH" sz="1200" dirty="0" smtClean="0"/>
-                        <a:t>Release:</a:t>
-                      </a:r>
-                      <a:r>
-                        <a:rPr lang="de-CH" sz="1200" baseline="0" dirty="0" smtClean="0"/>
-                        <a:t> </a:t>
-                      </a:r>
-                      <a:r>
-                        <a:rPr lang="de-CH" sz="1200" dirty="0" smtClean="0"/>
-                        <a:t>Final </a:t>
-                      </a:r>
-                      <a:r>
-                        <a:rPr lang="de-CH" sz="1200" dirty="0" err="1" smtClean="0"/>
-                        <a:t>product</a:t>
-                      </a:r>
-                      <a:r>
-                        <a:rPr lang="de-CH" sz="1200" baseline="0" dirty="0" smtClean="0"/>
-                        <a:t> </a:t>
-                      </a:r>
-                      <a:endParaRPr lang="de-CH" sz="1200" dirty="0"/>
+                      <a:endParaRPr lang="de-CH" sz="1400" dirty="0"/>
+                    </a:p>
+                  </a:txBody>
+                  <a:tcPr marL="94380" marR="94380" marT="47190" marB="47190"/>
+                </a:tc>
+                <a:tc>
+                  <a:txBody>
+                    <a:bodyPr/>
+                    <a:lstStyle/>
+                    <a:p>
+                      <a:endParaRPr lang="de-CH" sz="1400" dirty="0"/>
                     </a:p>
                   </a:txBody>
                   <a:tcPr marL="94380" marR="94380" marT="47190" marB="47190"/>
@@ -9492,44 +8999,14 @@
       </p:graphicFrame>
       <p:cxnSp>
         <p:nvCxnSpPr>
-          <p:cNvPr id="8" name="Gerade Verbindung 7"/>
-          <p:cNvCxnSpPr/>
-          <p:nvPr/>
-        </p:nvCxnSpPr>
-        <p:spPr>
-          <a:xfrm flipH="1">
-            <a:off x="298677" y="5298621"/>
-            <a:ext cx="280988" cy="0"/>
-          </a:xfrm>
-          <a:prstGeom prst="line">
-            <a:avLst/>
-          </a:prstGeom>
-        </p:spPr>
-        <p:style>
-          <a:lnRef idx="2">
-            <a:schemeClr val="accent1"/>
-          </a:lnRef>
-          <a:fillRef idx="0">
-            <a:schemeClr val="accent1"/>
-          </a:fillRef>
-          <a:effectRef idx="1">
-            <a:schemeClr val="accent1"/>
-          </a:effectRef>
-          <a:fontRef idx="minor">
-            <a:schemeClr val="tx1"/>
-          </a:fontRef>
-        </p:style>
-      </p:cxnSp>
-      <p:cxnSp>
-        <p:nvCxnSpPr>
           <p:cNvPr id="11" name="Gerade Verbindung 10"/>
           <p:cNvCxnSpPr/>
           <p:nvPr/>
         </p:nvCxnSpPr>
         <p:spPr>
-          <a:xfrm flipH="1">
-            <a:off x="298677" y="2441121"/>
-            <a:ext cx="11566" cy="2857500"/>
+          <a:xfrm>
+            <a:off x="310243" y="2441121"/>
+            <a:ext cx="1" cy="3561742"/>
           </a:xfrm>
           <a:prstGeom prst="line">
             <a:avLst/>
@@ -9558,7 +9035,7 @@
         </p:nvCxnSpPr>
         <p:spPr>
           <a:xfrm flipH="1">
-            <a:off x="310243" y="5298621"/>
+            <a:off x="310244" y="5980184"/>
             <a:ext cx="269421" cy="0"/>
           </a:xfrm>
           <a:prstGeom prst="line">
@@ -9623,6 +9100,14 @@
   <p:clrMapOvr>
     <a:masterClrMapping/>
   </p:clrMapOvr>
+  <mc:AlternateContent xmlns:mc="http://schemas.openxmlformats.org/markup-compatibility/2006" xmlns:p14="http://schemas.microsoft.com/office/powerpoint/2010/main">
+    <mc:Choice Requires="p14">
+      <p:transition spd="slow" p14:dur="2000"/>
+    </mc:Choice>
+    <mc:Fallback xmlns="">
+      <p:transition spd="slow"/>
+    </mc:Fallback>
+  </mc:AlternateContent>
   <p:timing>
     <p:tnLst>
       <p:par>
@@ -9634,7 +9119,7 @@
 </file>
 
 <file path=ppt/slides/slide5.xml><?xml version="1.0" encoding="utf-8"?>
-<p:sld xmlns:a="http://schemas.openxmlformats.org/drawingml/2006/main" xmlns:r="http://schemas.openxmlformats.org/officeDocument/2006/relationships" xmlns:p="http://schemas.openxmlformats.org/presentationml/2006/main">
+<p:sld xmlns:a="http://schemas.openxmlformats.org/drawingml/2006/main" xmlns:r="http://schemas.openxmlformats.org/officeDocument/2006/relationships" xmlns:p="http://schemas.openxmlformats.org/presentationml/2006/main" show="0">
   <p:cSld>
     <p:spTree>
       <p:nvGrpSpPr>
@@ -9675,7 +9160,7 @@
               <a:t>Relation </a:t>
             </a:r>
             <a:r>
-              <a:rPr lang="de-CH" dirty="0" err="1" smtClean="0"/>
+              <a:rPr lang="de-CH" dirty="0" smtClean="0"/>
               <a:t>among</a:t>
             </a:r>
             <a:r>
@@ -9683,7 +9168,7 @@
               <a:t> </a:t>
             </a:r>
             <a:r>
-              <a:rPr lang="de-CH" dirty="0" err="1" smtClean="0"/>
+              <a:rPr lang="de-CH" dirty="0" smtClean="0"/>
               <a:t>outputs</a:t>
             </a:r>
             <a:r>
@@ -9691,7 +9176,7 @@
               <a:t> </a:t>
             </a:r>
             <a:r>
-              <a:rPr lang="de-CH" dirty="0" err="1" smtClean="0"/>
+              <a:rPr lang="de-CH" dirty="0" smtClean="0"/>
               <a:t>of</a:t>
             </a:r>
             <a:r>
@@ -9699,7 +9184,7 @@
               <a:t> different </a:t>
             </a:r>
             <a:r>
-              <a:rPr lang="de-CH" dirty="0" err="1" smtClean="0"/>
+              <a:rPr lang="de-CH" dirty="0" smtClean="0"/>
               <a:t>activities</a:t>
             </a:r>
             <a:endParaRPr lang="de-CH" dirty="0"/>
@@ -10888,6 +10373,14 @@
   <p:clrMapOvr>
     <a:masterClrMapping/>
   </p:clrMapOvr>
+  <mc:AlternateContent xmlns:mc="http://schemas.openxmlformats.org/markup-compatibility/2006" xmlns:p14="http://schemas.microsoft.com/office/powerpoint/2010/main">
+    <mc:Choice Requires="p14">
+      <p:transition spd="slow" p14:dur="2000"/>
+    </mc:Choice>
+    <mc:Fallback xmlns="">
+      <p:transition spd="slow"/>
+    </mc:Fallback>
+  </mc:AlternateContent>
   <p:timing>
     <p:tnLst>
       <p:par>
@@ -10937,270 +10430,33 @@
           <a:p>
             <a:r>
               <a:rPr lang="de-CH" dirty="0" smtClean="0"/>
-              <a:t>The </a:t>
-            </a:r>
-            <a:r>
-              <a:rPr lang="de-CH" dirty="0" err="1" smtClean="0"/>
-              <a:t>customer</a:t>
-            </a:r>
+              <a:t>Grobplanung mit Management</a:t>
+            </a:r>
+          </a:p>
+          <a:p>
             <a:r>
               <a:rPr lang="de-CH" dirty="0" smtClean="0"/>
-              <a:t> </a:t>
-            </a:r>
-            <a:r>
-              <a:rPr lang="de-CH" dirty="0" err="1" smtClean="0"/>
-              <a:t>gets</a:t>
+              <a:t>Planung der Module mit </a:t>
+            </a:r>
+            <a:r>
+              <a:rPr lang="de-CH" dirty="0"/>
+              <a:t>Benutzern &amp; </a:t>
             </a:r>
             <a:r>
               <a:rPr lang="de-CH" dirty="0" smtClean="0"/>
-              <a:t> </a:t>
-            </a:r>
-            <a:r>
-              <a:rPr lang="de-CH" dirty="0" err="1" smtClean="0"/>
-              <a:t>involved</a:t>
-            </a:r>
+              <a:t>Management</a:t>
+            </a:r>
+            <a:endParaRPr lang="de-CH" dirty="0"/>
+          </a:p>
+          <a:p>
             <a:r>
               <a:rPr lang="de-CH" dirty="0" smtClean="0"/>
-              <a:t> </a:t>
-            </a:r>
-            <a:r>
-              <a:rPr lang="de-CH" dirty="0" err="1" smtClean="0"/>
-              <a:t>with</a:t>
-            </a:r>
-            <a:r>
-              <a:rPr lang="de-CH" dirty="0" smtClean="0"/>
-              <a:t> </a:t>
-            </a:r>
-            <a:r>
-              <a:rPr lang="de-CH" dirty="0" err="1" smtClean="0"/>
-              <a:t>the</a:t>
-            </a:r>
-            <a:r>
-              <a:rPr lang="de-CH" dirty="0" smtClean="0"/>
-              <a:t> </a:t>
-            </a:r>
-            <a:r>
-              <a:rPr lang="de-CH" dirty="0" err="1" smtClean="0"/>
-              <a:t>development</a:t>
-            </a:r>
-            <a:r>
-              <a:rPr lang="de-CH" dirty="0" smtClean="0"/>
-              <a:t> </a:t>
-            </a:r>
-            <a:r>
-              <a:rPr lang="de-CH" dirty="0" err="1" smtClean="0"/>
-              <a:t>team</a:t>
-            </a:r>
-            <a:r>
-              <a:rPr lang="de-CH" dirty="0" smtClean="0"/>
-              <a:t> </a:t>
-            </a:r>
-            <a:r>
-              <a:rPr lang="de-CH" dirty="0" err="1" smtClean="0"/>
-              <a:t>to</a:t>
-            </a:r>
-            <a:r>
-              <a:rPr lang="de-CH" dirty="0" smtClean="0"/>
-              <a:t> </a:t>
-            </a:r>
-            <a:r>
-              <a:rPr lang="de-CH" dirty="0" err="1" smtClean="0"/>
-              <a:t>give</a:t>
-            </a:r>
-            <a:r>
-              <a:rPr lang="de-CH" dirty="0" smtClean="0"/>
-              <a:t> </a:t>
-            </a:r>
-            <a:r>
-              <a:rPr lang="de-CH" dirty="0" err="1" smtClean="0"/>
-              <a:t>the</a:t>
-            </a:r>
-            <a:r>
-              <a:rPr lang="de-CH" dirty="0" smtClean="0"/>
-              <a:t> </a:t>
-            </a:r>
-            <a:r>
-              <a:rPr lang="de-CH" dirty="0" err="1" smtClean="0"/>
-              <a:t>required</a:t>
-            </a:r>
-            <a:r>
-              <a:rPr lang="de-CH" dirty="0" smtClean="0"/>
-              <a:t> </a:t>
-            </a:r>
-            <a:r>
-              <a:rPr lang="de-CH" dirty="0" err="1" smtClean="0"/>
-              <a:t>information</a:t>
-            </a:r>
-            <a:endParaRPr lang="de-CH" dirty="0" smtClean="0"/>
-          </a:p>
-          <a:p>
-            <a:r>
-              <a:rPr lang="de-CH" dirty="0" smtClean="0"/>
-              <a:t>Users </a:t>
-            </a:r>
-            <a:r>
-              <a:rPr lang="de-CH" dirty="0" err="1" smtClean="0"/>
-              <a:t>and</a:t>
-            </a:r>
-            <a:r>
-              <a:rPr lang="de-CH" dirty="0" smtClean="0"/>
-              <a:t> </a:t>
-            </a:r>
-            <a:r>
-              <a:rPr lang="de-CH" dirty="0" err="1" smtClean="0"/>
-              <a:t>management</a:t>
-            </a:r>
-            <a:r>
-              <a:rPr lang="de-CH" dirty="0" smtClean="0"/>
-              <a:t> </a:t>
-            </a:r>
-            <a:r>
-              <a:rPr lang="de-CH" dirty="0" err="1" smtClean="0"/>
-              <a:t>are</a:t>
-            </a:r>
-            <a:r>
-              <a:rPr lang="de-CH" dirty="0" smtClean="0"/>
-              <a:t> a </a:t>
-            </a:r>
-            <a:r>
-              <a:rPr lang="de-CH" dirty="0" err="1" smtClean="0"/>
-              <a:t>part</a:t>
-            </a:r>
-            <a:r>
-              <a:rPr lang="de-CH" dirty="0" smtClean="0"/>
-              <a:t> </a:t>
-            </a:r>
-            <a:r>
-              <a:rPr lang="de-CH" dirty="0" err="1" smtClean="0"/>
-              <a:t>of</a:t>
-            </a:r>
-            <a:r>
-              <a:rPr lang="de-CH" dirty="0" smtClean="0"/>
-              <a:t> </a:t>
-            </a:r>
-            <a:r>
-              <a:rPr lang="de-CH" dirty="0" err="1" smtClean="0"/>
-              <a:t>the</a:t>
-            </a:r>
-            <a:r>
-              <a:rPr lang="de-CH" dirty="0" smtClean="0"/>
-              <a:t> </a:t>
-            </a:r>
-            <a:r>
-              <a:rPr lang="de-CH" dirty="0" err="1" smtClean="0"/>
-              <a:t>customer</a:t>
-            </a:r>
-            <a:r>
-              <a:rPr lang="de-CH" dirty="0" smtClean="0"/>
-              <a:t> ( </a:t>
-            </a:r>
-            <a:r>
-              <a:rPr lang="de-CH" dirty="0" err="1" smtClean="0"/>
-              <a:t>they</a:t>
-            </a:r>
-            <a:r>
-              <a:rPr lang="de-CH" dirty="0" smtClean="0"/>
-              <a:t> </a:t>
-            </a:r>
-            <a:r>
-              <a:rPr lang="de-CH" dirty="0" err="1" smtClean="0"/>
-              <a:t>interact</a:t>
-            </a:r>
-            <a:r>
-              <a:rPr lang="de-CH" dirty="0" smtClean="0"/>
-              <a:t> </a:t>
-            </a:r>
-            <a:r>
-              <a:rPr lang="de-CH" dirty="0" err="1" smtClean="0"/>
-              <a:t>with</a:t>
-            </a:r>
-            <a:r>
-              <a:rPr lang="de-CH" dirty="0" smtClean="0"/>
-              <a:t> </a:t>
-            </a:r>
-            <a:r>
-              <a:rPr lang="de-CH" dirty="0" err="1" smtClean="0"/>
-              <a:t>each</a:t>
-            </a:r>
-            <a:r>
-              <a:rPr lang="de-CH" dirty="0" smtClean="0"/>
-              <a:t> </a:t>
-            </a:r>
-            <a:r>
-              <a:rPr lang="de-CH" dirty="0" err="1" smtClean="0"/>
-              <a:t>other</a:t>
-            </a:r>
-            <a:r>
-              <a:rPr lang="de-CH" dirty="0" smtClean="0"/>
-              <a:t>) </a:t>
-            </a:r>
-          </a:p>
-          <a:p>
-            <a:r>
-              <a:rPr lang="de-CH" dirty="0" smtClean="0"/>
-              <a:t>The </a:t>
-            </a:r>
-            <a:r>
-              <a:rPr lang="de-CH" dirty="0" err="1" smtClean="0"/>
-              <a:t>development</a:t>
-            </a:r>
-            <a:r>
-              <a:rPr lang="de-CH" dirty="0" smtClean="0"/>
-              <a:t> </a:t>
-            </a:r>
-            <a:r>
-              <a:rPr lang="de-CH" dirty="0" err="1" smtClean="0"/>
-              <a:t>team</a:t>
-            </a:r>
-            <a:r>
-              <a:rPr lang="de-CH" dirty="0" smtClean="0"/>
-              <a:t> </a:t>
-            </a:r>
-            <a:r>
-              <a:rPr lang="de-CH" dirty="0" err="1" smtClean="0"/>
-              <a:t>is</a:t>
-            </a:r>
-            <a:r>
-              <a:rPr lang="de-CH" dirty="0" smtClean="0"/>
-              <a:t> </a:t>
-            </a:r>
-            <a:r>
-              <a:rPr lang="de-CH" dirty="0" err="1" smtClean="0"/>
-              <a:t>responsible</a:t>
-            </a:r>
-            <a:r>
-              <a:rPr lang="de-CH" dirty="0" smtClean="0"/>
-              <a:t> </a:t>
-            </a:r>
-            <a:r>
-              <a:rPr lang="de-CH" dirty="0" err="1" smtClean="0"/>
-              <a:t>to</a:t>
-            </a:r>
-            <a:r>
-              <a:rPr lang="de-CH" dirty="0" smtClean="0"/>
-              <a:t> </a:t>
-            </a:r>
-            <a:r>
-              <a:rPr lang="de-CH" dirty="0" err="1" smtClean="0"/>
-              <a:t>arrange</a:t>
-            </a:r>
-            <a:r>
-              <a:rPr lang="de-CH" dirty="0" smtClean="0"/>
-              <a:t> </a:t>
-            </a:r>
-            <a:r>
-              <a:rPr lang="de-CH" dirty="0" err="1" smtClean="0"/>
-              <a:t>new</a:t>
-            </a:r>
-            <a:r>
-              <a:rPr lang="de-CH" dirty="0" smtClean="0"/>
-              <a:t> </a:t>
-            </a:r>
-            <a:r>
-              <a:rPr lang="de-CH" dirty="0" err="1" smtClean="0"/>
-              <a:t>meetings</a:t>
-            </a:r>
-            <a:endParaRPr lang="de-CH" dirty="0" smtClean="0"/>
+              <a:t>Feedback mit Benutzern &amp; </a:t>
+            </a:r>
+            <a:r>
+              <a:rPr lang="de-CH" dirty="0"/>
+              <a:t>Management</a:t>
+            </a:r>
           </a:p>
           <a:p>
             <a:endParaRPr lang="de-CH" dirty="0" smtClean="0"/>
@@ -11247,19 +10503,7 @@
           <a:p>
             <a:r>
               <a:rPr lang="de-CH" dirty="0" smtClean="0"/>
-              <a:t>Involvement </a:t>
-            </a:r>
-            <a:r>
-              <a:rPr lang="de-CH" dirty="0" err="1" smtClean="0"/>
-              <a:t>of</a:t>
-            </a:r>
-            <a:r>
-              <a:rPr lang="de-CH" dirty="0" smtClean="0"/>
-              <a:t> </a:t>
-            </a:r>
-            <a:r>
-              <a:rPr lang="de-CH" dirty="0" err="1" smtClean="0"/>
-              <a:t>stakeholders</a:t>
+              <a:t>Interaktion mit Kunden</a:t>
             </a:r>
             <a:endParaRPr lang="de-CH" dirty="0"/>
           </a:p>
@@ -11309,13 +10553,15 @@
           </a:prstGeom>
         </p:spPr>
         <p:style>
-          <a:lnRef idx="1">
-            <a:schemeClr val="accent2"/>
+          <a:lnRef idx="2">
+            <a:schemeClr val="accent2">
+              <a:shade val="50000"/>
+            </a:schemeClr>
           </a:lnRef>
-          <a:fillRef idx="3">
+          <a:fillRef idx="1">
             <a:schemeClr val="accent2"/>
           </a:fillRef>
-          <a:effectRef idx="2">
+          <a:effectRef idx="0">
             <a:schemeClr val="accent2"/>
           </a:effectRef>
           <a:fontRef idx="minor">
@@ -11328,8 +10574,8 @@
           <a:p>
             <a:pPr algn="ctr"/>
             <a:r>
-              <a:rPr lang="de-CH" sz="1600" dirty="0" err="1" smtClean="0"/>
-              <a:t>customer</a:t>
+              <a:rPr lang="de-CH" sz="1600" dirty="0" smtClean="0"/>
+              <a:t>Kunden</a:t>
             </a:r>
             <a:endParaRPr lang="de-CH" sz="1600" dirty="0"/>
           </a:p>
@@ -11343,21 +10589,23 @@
         </p:nvSpPr>
         <p:spPr>
           <a:xfrm>
-            <a:off x="3712706" y="2521013"/>
-            <a:ext cx="906236" cy="517849"/>
+            <a:off x="3712705" y="2521013"/>
+            <a:ext cx="1205283" cy="517849"/>
           </a:xfrm>
           <a:prstGeom prst="rect">
             <a:avLst/>
           </a:prstGeom>
         </p:spPr>
         <p:style>
-          <a:lnRef idx="1">
-            <a:schemeClr val="accent2"/>
+          <a:lnRef idx="2">
+            <a:schemeClr val="accent2">
+              <a:shade val="50000"/>
+            </a:schemeClr>
           </a:lnRef>
-          <a:fillRef idx="3">
+          <a:fillRef idx="1">
             <a:schemeClr val="accent2"/>
           </a:fillRef>
-          <a:effectRef idx="2">
+          <a:effectRef idx="0">
             <a:schemeClr val="accent2"/>
           </a:effectRef>
           <a:fontRef idx="minor">
@@ -11370,8 +10618,8 @@
           <a:p>
             <a:pPr algn="ctr"/>
             <a:r>
-              <a:rPr lang="de-CH" sz="1600" dirty="0" err="1" smtClean="0"/>
-              <a:t>users</a:t>
+              <a:rPr lang="de-CH" sz="1600" dirty="0" smtClean="0"/>
+              <a:t>Benutzer</a:t>
             </a:r>
             <a:endParaRPr lang="de-CH" sz="1600" dirty="0"/>
           </a:p>
@@ -11386,20 +10634,22 @@
         <p:spPr>
           <a:xfrm>
             <a:off x="6276288" y="2521014"/>
-            <a:ext cx="1624698" cy="400160"/>
+            <a:ext cx="1643068" cy="517848"/>
           </a:xfrm>
           <a:prstGeom prst="rect">
             <a:avLst/>
           </a:prstGeom>
         </p:spPr>
         <p:style>
-          <a:lnRef idx="1">
-            <a:schemeClr val="accent2"/>
+          <a:lnRef idx="2">
+            <a:schemeClr val="accent2">
+              <a:shade val="50000"/>
+            </a:schemeClr>
           </a:lnRef>
-          <a:fillRef idx="3">
+          <a:fillRef idx="1">
             <a:schemeClr val="accent2"/>
           </a:fillRef>
-          <a:effectRef idx="2">
+          <a:effectRef idx="0">
             <a:schemeClr val="accent2"/>
           </a:effectRef>
           <a:fontRef idx="minor">
@@ -11412,8 +10662,8 @@
           <a:p>
             <a:pPr algn="ctr"/>
             <a:r>
-              <a:rPr lang="de-CH" sz="1600" dirty="0" err="1" smtClean="0"/>
-              <a:t>management</a:t>
+              <a:rPr lang="de-CH" sz="1600" dirty="0" smtClean="0"/>
+              <a:t>Management</a:t>
             </a:r>
             <a:endParaRPr lang="de-CH" sz="1600" dirty="0"/>
           </a:p>
@@ -11427,8 +10677,8 @@
         </p:nvSpPr>
         <p:spPr>
           <a:xfrm>
-            <a:off x="5765638" y="5369692"/>
-            <a:ext cx="1560996" cy="640459"/>
+            <a:off x="5399903" y="5369692"/>
+            <a:ext cx="1926731" cy="640459"/>
           </a:xfrm>
           <a:prstGeom prst="rect">
             <a:avLst/>
@@ -11436,13 +10686,13 @@
         </p:spPr>
         <p:style>
           <a:lnRef idx="1">
-            <a:schemeClr val="accent4"/>
+            <a:schemeClr val="accent3"/>
           </a:lnRef>
           <a:fillRef idx="3">
-            <a:schemeClr val="accent4"/>
+            <a:schemeClr val="accent3"/>
           </a:fillRef>
           <a:effectRef idx="2">
-            <a:schemeClr val="accent4"/>
+            <a:schemeClr val="accent3"/>
           </a:effectRef>
           <a:fontRef idx="minor">
             <a:schemeClr val="lt1"/>
@@ -11454,24 +10704,8 @@
           <a:p>
             <a:pPr algn="ctr"/>
             <a:r>
-              <a:rPr lang="de-CH" sz="1600" dirty="0" err="1"/>
-              <a:t>d</a:t>
-            </a:r>
-            <a:r>
-              <a:rPr lang="de-CH" sz="1600" dirty="0" err="1" smtClean="0"/>
-              <a:t>evelopment</a:t>
-            </a:r>
-            <a:r>
               <a:rPr lang="de-CH" sz="1600" dirty="0" smtClean="0"/>
-              <a:t> </a:t>
-            </a:r>
-            <a:r>
-              <a:rPr lang="de-CH" sz="1600" dirty="0" err="1" smtClean="0"/>
-              <a:t>team</a:t>
-            </a:r>
-            <a:r>
-              <a:rPr lang="de-CH" sz="1600" dirty="0" smtClean="0"/>
-              <a:t> </a:t>
+              <a:t>Entwicklerteam</a:t>
             </a:r>
             <a:endParaRPr lang="de-CH" sz="1600" dirty="0"/>
           </a:p>
@@ -11528,8 +10762,8 @@
         </p:nvCxnSpPr>
         <p:spPr>
           <a:xfrm>
-            <a:off x="4165824" y="3038862"/>
-            <a:ext cx="1808388" cy="1230475"/>
+            <a:off x="4315347" y="3038862"/>
+            <a:ext cx="1658865" cy="1230475"/>
           </a:xfrm>
           <a:prstGeom prst="line">
             <a:avLst/>
@@ -11554,14 +10788,15 @@
         <p:nvCxnSpPr>
           <p:cNvPr id="14" name="Gerade Verbindung 13"/>
           <p:cNvCxnSpPr>
+            <a:stCxn id="7" idx="2"/>
             <a:endCxn id="5" idx="0"/>
           </p:cNvCxnSpPr>
           <p:nvPr/>
         </p:nvCxnSpPr>
         <p:spPr>
           <a:xfrm flipH="1">
-            <a:off x="5974212" y="2921174"/>
-            <a:ext cx="1028702" cy="1348163"/>
+            <a:off x="5974212" y="3038862"/>
+            <a:ext cx="1123610" cy="1230475"/>
           </a:xfrm>
           <a:prstGeom prst="line">
             <a:avLst/>
@@ -11594,7 +10829,7 @@
         <p:spPr>
           <a:xfrm>
             <a:off x="5974212" y="4817802"/>
-            <a:ext cx="571924" cy="551890"/>
+            <a:ext cx="389057" cy="551890"/>
           </a:xfrm>
           <a:prstGeom prst="straightConnector1">
             <a:avLst/>
@@ -11709,6 +10944,13 @@
   <p:clrMapOvr>
     <a:masterClrMapping/>
   </p:clrMapOvr>
+  <p:timing>
+    <p:tnLst>
+      <p:par>
+        <p:cTn id="1" dur="indefinite" restart="never" nodeType="tmRoot"/>
+      </p:par>
+    </p:tnLst>
+  </p:timing>
 </p:sld>
 </file>
 

--- a/doc/Task02/Task02.pptx
+++ b/doc/Task02/Task02.pptx
@@ -5,19 +5,17 @@
     <p:sldMasterId id="2147483669" r:id="rId4"/>
   </p:sldMasterIdLst>
   <p:notesMasterIdLst>
-    <p:notesMasterId r:id="rId12"/>
+    <p:notesMasterId r:id="rId10"/>
   </p:notesMasterIdLst>
   <p:handoutMasterIdLst>
-    <p:handoutMasterId r:id="rId13"/>
+    <p:handoutMasterId r:id="rId11"/>
   </p:handoutMasterIdLst>
   <p:sldIdLst>
     <p:sldId id="259" r:id="rId5"/>
     <p:sldId id="300" r:id="rId6"/>
     <p:sldId id="301" r:id="rId7"/>
-    <p:sldId id="302" r:id="rId8"/>
-    <p:sldId id="303" r:id="rId9"/>
-    <p:sldId id="304" r:id="rId10"/>
-    <p:sldId id="299" r:id="rId11"/>
+    <p:sldId id="304" r:id="rId8"/>
+    <p:sldId id="299" r:id="rId9"/>
   </p:sldIdLst>
   <p:sldSz cx="9144000" cy="6858000" type="screen4x3"/>
   <p:notesSz cx="6669088" cy="9926638"/>
@@ -835,6 +833,90 @@
     <p:extLst>
       <p:ext uri="{BB962C8B-B14F-4D97-AF65-F5344CB8AC3E}">
         <p14:creationId xmlns:p14="http://schemas.microsoft.com/office/powerpoint/2010/main" val="416763147"/>
+      </p:ext>
+    </p:extLst>
+  </p:cSld>
+  <p:clrMapOvr>
+    <a:masterClrMapping/>
+  </p:clrMapOvr>
+</p:notes>
+</file>
+
+<file path=ppt/notesSlides/notesSlide2.xml><?xml version="1.0" encoding="utf-8"?>
+<p:notes xmlns:a="http://schemas.openxmlformats.org/drawingml/2006/main" xmlns:r="http://schemas.openxmlformats.org/officeDocument/2006/relationships" xmlns:p="http://schemas.openxmlformats.org/presentationml/2006/main">
+  <p:cSld>
+    <p:spTree>
+      <p:nvGrpSpPr>
+        <p:cNvPr id="1" name=""/>
+        <p:cNvGrpSpPr/>
+        <p:nvPr/>
+      </p:nvGrpSpPr>
+      <p:grpSpPr>
+        <a:xfrm>
+          <a:off x="0" y="0"/>
+          <a:ext cx="0" cy="0"/>
+          <a:chOff x="0" y="0"/>
+          <a:chExt cx="0" cy="0"/>
+        </a:xfrm>
+      </p:grpSpPr>
+      <p:sp>
+        <p:nvSpPr>
+          <p:cNvPr id="2" name="Folienbildplatzhalter 1"/>
+          <p:cNvSpPr>
+            <a:spLocks noGrp="1" noRot="1" noChangeAspect="1"/>
+          </p:cNvSpPr>
+          <p:nvPr>
+            <p:ph type="sldImg"/>
+          </p:nvPr>
+        </p:nvSpPr>
+        <p:spPr/>
+      </p:sp>
+      <p:sp>
+        <p:nvSpPr>
+          <p:cNvPr id="3" name="Notizenplatzhalter 2"/>
+          <p:cNvSpPr>
+            <a:spLocks noGrp="1"/>
+          </p:cNvSpPr>
+          <p:nvPr>
+            <p:ph type="body" idx="1"/>
+          </p:nvPr>
+        </p:nvSpPr>
+        <p:spPr/>
+        <p:txBody>
+          <a:bodyPr/>
+          <a:lstStyle/>
+          <a:p>
+            <a:endParaRPr lang="de-DE" dirty="0"/>
+          </a:p>
+        </p:txBody>
+      </p:sp>
+      <p:sp>
+        <p:nvSpPr>
+          <p:cNvPr id="4" name="Foliennummernplatzhalter 3"/>
+          <p:cNvSpPr>
+            <a:spLocks noGrp="1"/>
+          </p:cNvSpPr>
+          <p:nvPr>
+            <p:ph type="sldNum" sz="quarter" idx="10"/>
+          </p:nvPr>
+        </p:nvSpPr>
+        <p:spPr/>
+        <p:txBody>
+          <a:bodyPr/>
+          <a:lstStyle/>
+          <a:p>
+            <a:fld id="{37E44704-8E6D-4CF2-8CFA-A0F7BC751896}" type="slidenum">
+              <a:rPr lang="de-CH" smtClean="0"/>
+              <a:t>4</a:t>
+            </a:fld>
+            <a:endParaRPr lang="de-CH"/>
+          </a:p>
+        </p:txBody>
+      </p:sp>
+    </p:spTree>
+    <p:extLst>
+      <p:ext uri="{BB962C8B-B14F-4D97-AF65-F5344CB8AC3E}">
+        <p14:creationId xmlns:p14="http://schemas.microsoft.com/office/powerpoint/2010/main" val="2542120479"/>
       </p:ext>
     </p:extLst>
   </p:cSld>
@@ -7888,11 +7970,7 @@
           <a:p>
             <a:r>
               <a:rPr lang="de-CH" dirty="0" smtClean="0"/>
-              <a:t>SE </a:t>
-            </a:r>
-            <a:r>
-              <a:rPr lang="de-CH" dirty="0" smtClean="0"/>
-              <a:t>Process</a:t>
+              <a:t>SE Process</a:t>
             </a:r>
             <a:endParaRPr lang="de-CH" dirty="0"/>
           </a:p>
@@ -8503,1895 +8581,6 @@
 </file>
 
 <file path=ppt/slides/slide4.xml><?xml version="1.0" encoding="utf-8"?>
-<p:sld xmlns:a="http://schemas.openxmlformats.org/drawingml/2006/main" xmlns:r="http://schemas.openxmlformats.org/officeDocument/2006/relationships" xmlns:p="http://schemas.openxmlformats.org/presentationml/2006/main" show="0">
-  <p:cSld>
-    <p:spTree>
-      <p:nvGrpSpPr>
-        <p:cNvPr id="1" name=""/>
-        <p:cNvGrpSpPr/>
-        <p:nvPr/>
-      </p:nvGrpSpPr>
-      <p:grpSpPr>
-        <a:xfrm>
-          <a:off x="0" y="0"/>
-          <a:ext cx="0" cy="0"/>
-          <a:chOff x="0" y="0"/>
-          <a:chExt cx="0" cy="0"/>
-        </a:xfrm>
-      </p:grpSpPr>
-      <p:sp>
-        <p:nvSpPr>
-          <p:cNvPr id="2" name="Inhaltsplatzhalter 1"/>
-          <p:cNvSpPr>
-            <a:spLocks noGrp="1"/>
-          </p:cNvSpPr>
-          <p:nvPr>
-            <p:ph sz="half" idx="1"/>
-          </p:nvPr>
-        </p:nvSpPr>
-        <p:spPr/>
-        <p:txBody>
-          <a:bodyPr/>
-          <a:lstStyle/>
-          <a:p>
-            <a:pPr marL="0" indent="0">
-              <a:buNone/>
-            </a:pPr>
-            <a:endParaRPr lang="de-CH" dirty="0" smtClean="0"/>
-          </a:p>
-          <a:p>
-            <a:endParaRPr lang="de-CH" dirty="0"/>
-          </a:p>
-          <a:p>
-            <a:pPr marL="0" indent="0">
-              <a:buNone/>
-            </a:pPr>
-            <a:endParaRPr lang="de-CH" dirty="0" smtClean="0"/>
-          </a:p>
-          <a:p>
-            <a:endParaRPr lang="de-CH" dirty="0" smtClean="0"/>
-          </a:p>
-          <a:p>
-            <a:pPr marL="0" indent="0">
-              <a:buNone/>
-            </a:pPr>
-            <a:endParaRPr lang="de-CH" dirty="0" smtClean="0"/>
-          </a:p>
-          <a:p>
-            <a:endParaRPr lang="de-CH" dirty="0" smtClean="0"/>
-          </a:p>
-        </p:txBody>
-      </p:sp>
-      <p:sp>
-        <p:nvSpPr>
-          <p:cNvPr id="3" name="Titel 2"/>
-          <p:cNvSpPr>
-            <a:spLocks noGrp="1"/>
-          </p:cNvSpPr>
-          <p:nvPr>
-            <p:ph type="ctrTitle"/>
-          </p:nvPr>
-        </p:nvSpPr>
-        <p:spPr>
-          <a:xfrm>
-            <a:off x="579665" y="546274"/>
-            <a:ext cx="8216945" cy="540000"/>
-          </a:xfrm>
-        </p:spPr>
-        <p:txBody>
-          <a:bodyPr/>
-          <a:lstStyle/>
-          <a:p>
-            <a:r>
-              <a:rPr lang="de-CH" dirty="0" smtClean="0"/>
-              <a:t>Process</a:t>
-            </a:r>
-            <a:r>
-              <a:rPr lang="de-CH" dirty="0" smtClean="0"/>
-              <a:t> Model </a:t>
-            </a:r>
-            <a:endParaRPr lang="de-CH" dirty="0"/>
-          </a:p>
-        </p:txBody>
-      </p:sp>
-      <p:sp>
-        <p:nvSpPr>
-          <p:cNvPr id="4" name="Foliennummernplatzhalter 3"/>
-          <p:cNvSpPr>
-            <a:spLocks noGrp="1"/>
-          </p:cNvSpPr>
-          <p:nvPr>
-            <p:ph type="sldNum" sz="quarter" idx="10"/>
-          </p:nvPr>
-        </p:nvSpPr>
-        <p:spPr/>
-        <p:txBody>
-          <a:bodyPr/>
-          <a:lstStyle/>
-          <a:p>
-            <a:fld id="{F19AE9A8-34D4-4E8C-BE9C-13C550F1BED0}" type="slidenum">
-              <a:rPr lang="de-CH" smtClean="0"/>
-              <a:t>4</a:t>
-            </a:fld>
-            <a:endParaRPr lang="de-CH" dirty="0"/>
-          </a:p>
-        </p:txBody>
-      </p:sp>
-      <p:graphicFrame>
-        <p:nvGraphicFramePr>
-          <p:cNvPr id="6" name="Tabelle 5"/>
-          <p:cNvGraphicFramePr>
-            <a:graphicFrameLocks noGrp="1"/>
-          </p:cNvGraphicFramePr>
-          <p:nvPr>
-            <p:extLst>
-              <p:ext uri="{D42A27DB-BD31-4B8C-83A1-F6EECF244321}">
-                <p14:modId xmlns:p14="http://schemas.microsoft.com/office/powerpoint/2010/main" val="3659896418"/>
-              </p:ext>
-            </p:extLst>
-          </p:nvPr>
-        </p:nvGraphicFramePr>
-        <p:xfrm>
-          <a:off x="579664" y="1086274"/>
-          <a:ext cx="6938052" cy="4664683"/>
-        </p:xfrm>
-        <a:graphic>
-          <a:graphicData uri="http://schemas.openxmlformats.org/drawingml/2006/table">
-            <a:tbl>
-              <a:tblPr firstRow="1" bandRow="1">
-                <a:tableStyleId>{5C22544A-7EE6-4342-B048-85BDC9FD1C3A}</a:tableStyleId>
-              </a:tblPr>
-              <a:tblGrid>
-                <a:gridCol w="1734513"/>
-                <a:gridCol w="1734513"/>
-                <a:gridCol w="1734513"/>
-                <a:gridCol w="1734513"/>
-              </a:tblGrid>
-              <a:tr h="799678">
-                <a:tc>
-                  <a:txBody>
-                    <a:bodyPr/>
-                    <a:lstStyle/>
-                    <a:p>
-                      <a:r>
-                        <a:rPr lang="de-CH" sz="1200" dirty="0" smtClean="0"/>
-                        <a:t>Aktivität</a:t>
-                      </a:r>
-                      <a:endParaRPr lang="de-CH" sz="1200" dirty="0"/>
-                    </a:p>
-                  </a:txBody>
-                  <a:tcPr marL="94380" marR="94380" marT="47190" marB="47190"/>
-                </a:tc>
-                <a:tc>
-                  <a:txBody>
-                    <a:bodyPr/>
-                    <a:lstStyle/>
-                    <a:p>
-                      <a:r>
-                        <a:rPr lang="de-CH" sz="1200" dirty="0" smtClean="0"/>
-                        <a:t>Ziel</a:t>
-                      </a:r>
-                      <a:endParaRPr lang="de-CH" sz="1200" dirty="0"/>
-                    </a:p>
-                  </a:txBody>
-                  <a:tcPr marL="94380" marR="94380" marT="47190" marB="47190"/>
-                </a:tc>
-                <a:tc>
-                  <a:txBody>
-                    <a:bodyPr/>
-                    <a:lstStyle/>
-                    <a:p>
-                      <a:r>
-                        <a:rPr lang="de-CH" sz="1200" dirty="0" smtClean="0"/>
-                        <a:t>Aufgabe</a:t>
-                      </a:r>
-                      <a:endParaRPr lang="de-CH" sz="1200" dirty="0"/>
-                    </a:p>
-                  </a:txBody>
-                  <a:tcPr marL="94380" marR="94380" marT="47190" marB="47190"/>
-                </a:tc>
-                <a:tc>
-                  <a:txBody>
-                    <a:bodyPr/>
-                    <a:lstStyle/>
-                    <a:p>
-                      <a:r>
-                        <a:rPr lang="de-CH" sz="1200" dirty="0" smtClean="0"/>
-                        <a:t>Output</a:t>
-                      </a:r>
-                      <a:endParaRPr lang="de-CH" sz="1200" dirty="0"/>
-                    </a:p>
-                  </a:txBody>
-                  <a:tcPr marL="94380" marR="94380" marT="47190" marB="47190"/>
-                </a:tc>
-              </a:tr>
-              <a:tr h="755648">
-                <a:tc>
-                  <a:txBody>
-                    <a:bodyPr/>
-                    <a:lstStyle/>
-                    <a:p>
-                      <a:r>
-                        <a:rPr lang="de-CH" sz="1200" dirty="0" smtClean="0"/>
-                        <a:t>Planung</a:t>
-                      </a:r>
-                      <a:endParaRPr lang="de-CH" sz="1200" dirty="0"/>
-                    </a:p>
-                  </a:txBody>
-                  <a:tcPr marL="94380" marR="94380" marT="47190" marB="47190"/>
-                </a:tc>
-                <a:tc>
-                  <a:txBody>
-                    <a:bodyPr/>
-                    <a:lstStyle/>
-                    <a:p>
-                      <a:r>
-                        <a:rPr lang="de-CH" sz="1400" dirty="0" smtClean="0"/>
-                        <a:t>Zeitliches</a:t>
-                      </a:r>
-                      <a:r>
-                        <a:rPr lang="de-CH" sz="1400" baseline="0" dirty="0" smtClean="0"/>
-                        <a:t> Grundgerüst des Auftrages erstellen</a:t>
-                      </a:r>
-                      <a:endParaRPr lang="de-DE" sz="1400" dirty="0"/>
-                    </a:p>
-                  </a:txBody>
-                  <a:tcPr marL="94380" marR="94380" marT="47190" marB="47190"/>
-                </a:tc>
-                <a:tc>
-                  <a:txBody>
-                    <a:bodyPr/>
-                    <a:lstStyle/>
-                    <a:p>
-                      <a:r>
-                        <a:rPr lang="de-CH" sz="1400" dirty="0" smtClean="0"/>
-                        <a:t>Mit dem Kunden die </a:t>
-                      </a:r>
-                      <a:endParaRPr lang="de-DE" sz="1400" dirty="0"/>
-                    </a:p>
-                  </a:txBody>
-                  <a:tcPr marL="94380" marR="94380" marT="47190" marB="47190"/>
-                </a:tc>
-                <a:tc>
-                  <a:txBody>
-                    <a:bodyPr/>
-                    <a:lstStyle/>
-                    <a:p>
-                      <a:endParaRPr lang="de-DE" sz="1400" dirty="0"/>
-                    </a:p>
-                  </a:txBody>
-                  <a:tcPr marL="94380" marR="94380" marT="47190" marB="47190"/>
-                </a:tc>
-              </a:tr>
-              <a:tr h="660660">
-                <a:tc>
-                  <a:txBody>
-                    <a:bodyPr/>
-                    <a:lstStyle/>
-                    <a:p>
-                      <a:r>
-                        <a:rPr lang="de-CH" sz="1200" dirty="0" smtClean="0"/>
-                        <a:t>Modul Planung</a:t>
-                      </a:r>
-                      <a:endParaRPr lang="de-CH" sz="1200" dirty="0"/>
-                    </a:p>
-                  </a:txBody>
-                  <a:tcPr marL="94380" marR="94380" marT="47190" marB="47190"/>
-                </a:tc>
-                <a:tc>
-                  <a:txBody>
-                    <a:bodyPr/>
-                    <a:lstStyle/>
-                    <a:p>
-                      <a:endParaRPr lang="de-DE" sz="1400" dirty="0"/>
-                    </a:p>
-                  </a:txBody>
-                  <a:tcPr marL="94380" marR="94380" marT="47190" marB="47190"/>
-                </a:tc>
-                <a:tc>
-                  <a:txBody>
-                    <a:bodyPr/>
-                    <a:lstStyle/>
-                    <a:p>
-                      <a:endParaRPr lang="de-DE" sz="1400" dirty="0"/>
-                    </a:p>
-                  </a:txBody>
-                  <a:tcPr marL="94380" marR="94380" marT="47190" marB="47190"/>
-                </a:tc>
-                <a:tc>
-                  <a:txBody>
-                    <a:bodyPr/>
-                    <a:lstStyle/>
-                    <a:p>
-                      <a:endParaRPr lang="de-DE" sz="1400" dirty="0"/>
-                    </a:p>
-                  </a:txBody>
-                  <a:tcPr marL="94380" marR="94380" marT="47190" marB="47190"/>
-                </a:tc>
-              </a:tr>
-              <a:tr h="471900">
-                <a:tc>
-                  <a:txBody>
-                    <a:bodyPr/>
-                    <a:lstStyle/>
-                    <a:p>
-                      <a:r>
-                        <a:rPr lang="de-CH" sz="1200" dirty="0" smtClean="0"/>
-                        <a:t>Development</a:t>
-                      </a:r>
-                      <a:endParaRPr lang="de-CH" sz="1200" dirty="0"/>
-                    </a:p>
-                  </a:txBody>
-                  <a:tcPr marL="94380" marR="94380" marT="47190" marB="47190"/>
-                </a:tc>
-                <a:tc>
-                  <a:txBody>
-                    <a:bodyPr/>
-                    <a:lstStyle/>
-                    <a:p>
-                      <a:endParaRPr lang="de-DE" sz="1400" dirty="0"/>
-                    </a:p>
-                  </a:txBody>
-                  <a:tcPr marL="94380" marR="94380" marT="47190" marB="47190"/>
-                </a:tc>
-                <a:tc>
-                  <a:txBody>
-                    <a:bodyPr/>
-                    <a:lstStyle/>
-                    <a:p>
-                      <a:endParaRPr lang="de-DE" sz="1400" dirty="0"/>
-                    </a:p>
-                  </a:txBody>
-                  <a:tcPr marL="94380" marR="94380" marT="47190" marB="47190"/>
-                </a:tc>
-                <a:tc>
-                  <a:txBody>
-                    <a:bodyPr/>
-                    <a:lstStyle/>
-                    <a:p>
-                      <a:endParaRPr lang="de-DE" sz="1400" dirty="0"/>
-                    </a:p>
-                  </a:txBody>
-                  <a:tcPr marL="94380" marR="94380" marT="47190" marB="47190"/>
-                </a:tc>
-              </a:tr>
-              <a:tr h="463305">
-                <a:tc>
-                  <a:txBody>
-                    <a:bodyPr/>
-                    <a:lstStyle/>
-                    <a:p>
-                      <a:r>
-                        <a:rPr lang="de-CH" sz="1200" dirty="0" smtClean="0"/>
-                        <a:t>Test</a:t>
-                      </a:r>
-                      <a:endParaRPr lang="de-CH" sz="1200" dirty="0"/>
-                    </a:p>
-                  </a:txBody>
-                  <a:tcPr marL="94380" marR="94380" marT="47190" marB="47190"/>
-                </a:tc>
-                <a:tc>
-                  <a:txBody>
-                    <a:bodyPr/>
-                    <a:lstStyle/>
-                    <a:p>
-                      <a:endParaRPr lang="de-DE" sz="1400" dirty="0"/>
-                    </a:p>
-                  </a:txBody>
-                  <a:tcPr marL="94380" marR="94380" marT="47190" marB="47190"/>
-                </a:tc>
-                <a:tc>
-                  <a:txBody>
-                    <a:bodyPr/>
-                    <a:lstStyle/>
-                    <a:p>
-                      <a:endParaRPr lang="de-DE" sz="1400" dirty="0"/>
-                    </a:p>
-                  </a:txBody>
-                  <a:tcPr marL="94380" marR="94380" marT="47190" marB="47190"/>
-                </a:tc>
-                <a:tc>
-                  <a:txBody>
-                    <a:bodyPr/>
-                    <a:lstStyle/>
-                    <a:p>
-                      <a:endParaRPr lang="de-DE" sz="1400" dirty="0"/>
-                    </a:p>
-                  </a:txBody>
-                  <a:tcPr marL="94380" marR="94380" marT="47190" marB="47190"/>
-                </a:tc>
-              </a:tr>
-              <a:tr h="660660">
-                <a:tc>
-                  <a:txBody>
-                    <a:bodyPr/>
-                    <a:lstStyle/>
-                    <a:p>
-                      <a:r>
-                        <a:rPr lang="de-CH" sz="1200" dirty="0" smtClean="0"/>
-                        <a:t>Implementieren</a:t>
-                      </a:r>
-                      <a:endParaRPr lang="de-CH" sz="1200" dirty="0"/>
-                    </a:p>
-                  </a:txBody>
-                  <a:tcPr marL="94380" marR="94380" marT="47190" marB="47190"/>
-                </a:tc>
-                <a:tc>
-                  <a:txBody>
-                    <a:bodyPr/>
-                    <a:lstStyle/>
-                    <a:p>
-                      <a:endParaRPr lang="de-DE" sz="1400" dirty="0"/>
-                    </a:p>
-                  </a:txBody>
-                  <a:tcPr marL="94380" marR="94380" marT="47190" marB="47190"/>
-                </a:tc>
-                <a:tc>
-                  <a:txBody>
-                    <a:bodyPr/>
-                    <a:lstStyle/>
-                    <a:p>
-                      <a:endParaRPr lang="de-DE" sz="1400" dirty="0"/>
-                    </a:p>
-                  </a:txBody>
-                  <a:tcPr marL="94380" marR="94380" marT="47190" marB="47190"/>
-                </a:tc>
-                <a:tc>
-                  <a:txBody>
-                    <a:bodyPr/>
-                    <a:lstStyle/>
-                    <a:p>
-                      <a:endParaRPr lang="de-DE" sz="1400" dirty="0"/>
-                    </a:p>
-                  </a:txBody>
-                  <a:tcPr marL="94380" marR="94380" marT="47190" marB="47190"/>
-                </a:tc>
-              </a:tr>
-              <a:tr h="660660">
-                <a:tc>
-                  <a:txBody>
-                    <a:bodyPr/>
-                    <a:lstStyle/>
-                    <a:p>
-                      <a:r>
-                        <a:rPr lang="de-CH" sz="1200" dirty="0" smtClean="0"/>
-                        <a:t>Feedback</a:t>
-                      </a:r>
-                      <a:endParaRPr lang="de-CH" sz="1200" dirty="0"/>
-                    </a:p>
-                  </a:txBody>
-                  <a:tcPr marL="94380" marR="94380" marT="47190" marB="47190"/>
-                </a:tc>
-                <a:tc>
-                  <a:txBody>
-                    <a:bodyPr/>
-                    <a:lstStyle/>
-                    <a:p>
-                      <a:endParaRPr lang="de-CH" sz="1400" dirty="0"/>
-                    </a:p>
-                  </a:txBody>
-                  <a:tcPr marL="94380" marR="94380" marT="47190" marB="47190"/>
-                </a:tc>
-                <a:tc>
-                  <a:txBody>
-                    <a:bodyPr/>
-                    <a:lstStyle/>
-                    <a:p>
-                      <a:endParaRPr lang="de-CH" sz="1400" dirty="0"/>
-                    </a:p>
-                  </a:txBody>
-                  <a:tcPr marL="94380" marR="94380" marT="47190" marB="47190"/>
-                </a:tc>
-                <a:tc>
-                  <a:txBody>
-                    <a:bodyPr/>
-                    <a:lstStyle/>
-                    <a:p>
-                      <a:endParaRPr lang="de-CH" sz="1400" dirty="0"/>
-                    </a:p>
-                  </a:txBody>
-                  <a:tcPr marL="94380" marR="94380" marT="47190" marB="47190"/>
-                </a:tc>
-              </a:tr>
-            </a:tbl>
-          </a:graphicData>
-        </a:graphic>
-      </p:graphicFrame>
-      <p:cxnSp>
-        <p:nvCxnSpPr>
-          <p:cNvPr id="11" name="Gerade Verbindung 10"/>
-          <p:cNvCxnSpPr/>
-          <p:nvPr/>
-        </p:nvCxnSpPr>
-        <p:spPr>
-          <a:xfrm>
-            <a:off x="310243" y="2441121"/>
-            <a:ext cx="1" cy="3561742"/>
-          </a:xfrm>
-          <a:prstGeom prst="line">
-            <a:avLst/>
-          </a:prstGeom>
-        </p:spPr>
-        <p:style>
-          <a:lnRef idx="2">
-            <a:schemeClr val="accent1"/>
-          </a:lnRef>
-          <a:fillRef idx="0">
-            <a:schemeClr val="accent1"/>
-          </a:fillRef>
-          <a:effectRef idx="1">
-            <a:schemeClr val="accent1"/>
-          </a:effectRef>
-          <a:fontRef idx="minor">
-            <a:schemeClr val="tx1"/>
-          </a:fontRef>
-        </p:style>
-      </p:cxnSp>
-      <p:cxnSp>
-        <p:nvCxnSpPr>
-          <p:cNvPr id="14" name="Gerade Verbindung 13"/>
-          <p:cNvCxnSpPr/>
-          <p:nvPr/>
-        </p:nvCxnSpPr>
-        <p:spPr>
-          <a:xfrm flipH="1">
-            <a:off x="310244" y="5980184"/>
-            <a:ext cx="269421" cy="0"/>
-          </a:xfrm>
-          <a:prstGeom prst="line">
-            <a:avLst/>
-          </a:prstGeom>
-        </p:spPr>
-        <p:style>
-          <a:lnRef idx="2">
-            <a:schemeClr val="accent1"/>
-          </a:lnRef>
-          <a:fillRef idx="0">
-            <a:schemeClr val="accent1"/>
-          </a:fillRef>
-          <a:effectRef idx="1">
-            <a:schemeClr val="accent1"/>
-          </a:effectRef>
-          <a:fontRef idx="minor">
-            <a:schemeClr val="tx1"/>
-          </a:fontRef>
-        </p:style>
-      </p:cxnSp>
-      <p:cxnSp>
-        <p:nvCxnSpPr>
-          <p:cNvPr id="18" name="Gerade Verbindung mit Pfeil 17"/>
-          <p:cNvCxnSpPr/>
-          <p:nvPr/>
-        </p:nvCxnSpPr>
-        <p:spPr>
-          <a:xfrm>
-            <a:off x="304460" y="2441121"/>
-            <a:ext cx="275204" cy="0"/>
-          </a:xfrm>
-          <a:prstGeom prst="straightConnector1">
-            <a:avLst/>
-          </a:prstGeom>
-          <a:ln>
-            <a:tailEnd type="arrow"/>
-          </a:ln>
-        </p:spPr>
-        <p:style>
-          <a:lnRef idx="2">
-            <a:schemeClr val="accent1"/>
-          </a:lnRef>
-          <a:fillRef idx="0">
-            <a:schemeClr val="accent1"/>
-          </a:fillRef>
-          <a:effectRef idx="1">
-            <a:schemeClr val="accent1"/>
-          </a:effectRef>
-          <a:fontRef idx="minor">
-            <a:schemeClr val="tx1"/>
-          </a:fontRef>
-        </p:style>
-      </p:cxnSp>
-    </p:spTree>
-    <p:extLst>
-      <p:ext uri="{BB962C8B-B14F-4D97-AF65-F5344CB8AC3E}">
-        <p14:creationId xmlns:p14="http://schemas.microsoft.com/office/powerpoint/2010/main" val="392689970"/>
-      </p:ext>
-    </p:extLst>
-  </p:cSld>
-  <p:clrMapOvr>
-    <a:masterClrMapping/>
-  </p:clrMapOvr>
-  <mc:AlternateContent xmlns:mc="http://schemas.openxmlformats.org/markup-compatibility/2006" xmlns:p14="http://schemas.microsoft.com/office/powerpoint/2010/main">
-    <mc:Choice Requires="p14">
-      <p:transition spd="slow" p14:dur="2000"/>
-    </mc:Choice>
-    <mc:Fallback xmlns="">
-      <p:transition spd="slow"/>
-    </mc:Fallback>
-  </mc:AlternateContent>
-  <p:timing>
-    <p:tnLst>
-      <p:par>
-        <p:cTn id="1" dur="indefinite" restart="never" nodeType="tmRoot"/>
-      </p:par>
-    </p:tnLst>
-  </p:timing>
-</p:sld>
-</file>
-
-<file path=ppt/slides/slide5.xml><?xml version="1.0" encoding="utf-8"?>
-<p:sld xmlns:a="http://schemas.openxmlformats.org/drawingml/2006/main" xmlns:r="http://schemas.openxmlformats.org/officeDocument/2006/relationships" xmlns:p="http://schemas.openxmlformats.org/presentationml/2006/main" show="0">
-  <p:cSld>
-    <p:spTree>
-      <p:nvGrpSpPr>
-        <p:cNvPr id="1" name=""/>
-        <p:cNvGrpSpPr/>
-        <p:nvPr/>
-      </p:nvGrpSpPr>
-      <p:grpSpPr>
-        <a:xfrm>
-          <a:off x="0" y="0"/>
-          <a:ext cx="0" cy="0"/>
-          <a:chOff x="0" y="0"/>
-          <a:chExt cx="0" cy="0"/>
-        </a:xfrm>
-      </p:grpSpPr>
-      <p:sp>
-        <p:nvSpPr>
-          <p:cNvPr id="3" name="Titel 2"/>
-          <p:cNvSpPr>
-            <a:spLocks noGrp="1"/>
-          </p:cNvSpPr>
-          <p:nvPr>
-            <p:ph type="ctrTitle"/>
-          </p:nvPr>
-        </p:nvSpPr>
-        <p:spPr>
-          <a:xfrm>
-            <a:off x="937832" y="546274"/>
-            <a:ext cx="7620952" cy="540000"/>
-          </a:xfrm>
-        </p:spPr>
-        <p:txBody>
-          <a:bodyPr/>
-          <a:lstStyle/>
-          <a:p>
-            <a:r>
-              <a:rPr lang="de-CH" dirty="0" smtClean="0"/>
-              <a:t>Relation </a:t>
-            </a:r>
-            <a:r>
-              <a:rPr lang="de-CH" dirty="0" smtClean="0"/>
-              <a:t>among</a:t>
-            </a:r>
-            <a:r>
-              <a:rPr lang="de-CH" dirty="0" smtClean="0"/>
-              <a:t> </a:t>
-            </a:r>
-            <a:r>
-              <a:rPr lang="de-CH" dirty="0" smtClean="0"/>
-              <a:t>outputs</a:t>
-            </a:r>
-            <a:r>
-              <a:rPr lang="de-CH" dirty="0" smtClean="0"/>
-              <a:t> </a:t>
-            </a:r>
-            <a:r>
-              <a:rPr lang="de-CH" dirty="0" smtClean="0"/>
-              <a:t>of</a:t>
-            </a:r>
-            <a:r>
-              <a:rPr lang="de-CH" dirty="0" smtClean="0"/>
-              <a:t> different </a:t>
-            </a:r>
-            <a:r>
-              <a:rPr lang="de-CH" dirty="0" smtClean="0"/>
-              <a:t>activities</a:t>
-            </a:r>
-            <a:endParaRPr lang="de-CH" dirty="0"/>
-          </a:p>
-        </p:txBody>
-      </p:sp>
-      <p:sp>
-        <p:nvSpPr>
-          <p:cNvPr id="4" name="Foliennummernplatzhalter 3"/>
-          <p:cNvSpPr>
-            <a:spLocks noGrp="1"/>
-          </p:cNvSpPr>
-          <p:nvPr>
-            <p:ph type="sldNum" sz="quarter" idx="10"/>
-          </p:nvPr>
-        </p:nvSpPr>
-        <p:spPr/>
-        <p:txBody>
-          <a:bodyPr/>
-          <a:lstStyle/>
-          <a:p>
-            <a:fld id="{F19AE9A8-34D4-4E8C-BE9C-13C550F1BED0}" type="slidenum">
-              <a:rPr lang="de-CH" smtClean="0"/>
-              <a:t>5</a:t>
-            </a:fld>
-            <a:endParaRPr lang="de-CH" dirty="0"/>
-          </a:p>
-        </p:txBody>
-      </p:sp>
-      <p:sp>
-        <p:nvSpPr>
-          <p:cNvPr id="5" name="Abgerundetes Rechteck 4"/>
-          <p:cNvSpPr/>
-          <p:nvPr/>
-        </p:nvSpPr>
-        <p:spPr>
-          <a:xfrm>
-            <a:off x="620487" y="1372469"/>
-            <a:ext cx="1687090" cy="718457"/>
-          </a:xfrm>
-          <a:prstGeom prst="roundRect">
-            <a:avLst/>
-          </a:prstGeom>
-        </p:spPr>
-        <p:style>
-          <a:lnRef idx="2">
-            <a:schemeClr val="accent4">
-              <a:shade val="50000"/>
-            </a:schemeClr>
-          </a:lnRef>
-          <a:fillRef idx="1">
-            <a:schemeClr val="accent4"/>
-          </a:fillRef>
-          <a:effectRef idx="0">
-            <a:schemeClr val="accent4"/>
-          </a:effectRef>
-          <a:fontRef idx="minor">
-            <a:schemeClr val="lt1"/>
-          </a:fontRef>
-        </p:style>
-        <p:txBody>
-          <a:bodyPr rtlCol="0" anchor="ctr"/>
-          <a:lstStyle/>
-          <a:p>
-            <a:r>
-              <a:rPr lang="de-CH" sz="1200" dirty="0"/>
-              <a:t>A </a:t>
-            </a:r>
-            <a:r>
-              <a:rPr lang="de-CH" sz="1200" dirty="0" err="1"/>
-              <a:t>part</a:t>
-            </a:r>
-            <a:r>
-              <a:rPr lang="de-CH" sz="1200" dirty="0"/>
-              <a:t> </a:t>
-            </a:r>
-            <a:r>
-              <a:rPr lang="de-CH" sz="1200" dirty="0" err="1"/>
-              <a:t>of</a:t>
-            </a:r>
-            <a:r>
-              <a:rPr lang="de-CH" sz="1200" dirty="0"/>
-              <a:t> </a:t>
-            </a:r>
-            <a:r>
-              <a:rPr lang="de-CH" sz="1200" dirty="0" err="1"/>
-              <a:t>the</a:t>
-            </a:r>
-            <a:r>
-              <a:rPr lang="de-CH" sz="1200" dirty="0"/>
-              <a:t> </a:t>
-            </a:r>
-            <a:r>
-              <a:rPr lang="de-CH" sz="1200" dirty="0" err="1"/>
-              <a:t>specification</a:t>
-            </a:r>
-            <a:endParaRPr lang="de-CH" sz="1200" dirty="0"/>
-          </a:p>
-        </p:txBody>
-      </p:sp>
-      <p:sp>
-        <p:nvSpPr>
-          <p:cNvPr id="6" name="Abgerundetes Rechteck 5"/>
-          <p:cNvSpPr/>
-          <p:nvPr/>
-        </p:nvSpPr>
-        <p:spPr>
-          <a:xfrm>
-            <a:off x="620485" y="2326821"/>
-            <a:ext cx="1687091" cy="589143"/>
-          </a:xfrm>
-          <a:prstGeom prst="roundRect">
-            <a:avLst/>
-          </a:prstGeom>
-        </p:spPr>
-        <p:style>
-          <a:lnRef idx="2">
-            <a:schemeClr val="accent4">
-              <a:shade val="50000"/>
-            </a:schemeClr>
-          </a:lnRef>
-          <a:fillRef idx="1">
-            <a:schemeClr val="accent4"/>
-          </a:fillRef>
-          <a:effectRef idx="0">
-            <a:schemeClr val="accent4"/>
-          </a:effectRef>
-          <a:fontRef idx="minor">
-            <a:schemeClr val="lt1"/>
-          </a:fontRef>
-        </p:style>
-        <p:txBody>
-          <a:bodyPr rtlCol="0" anchor="ctr"/>
-          <a:lstStyle/>
-          <a:p>
-            <a:r>
-              <a:rPr lang="de-CH" sz="1200" dirty="0"/>
-              <a:t>First </a:t>
-            </a:r>
-            <a:r>
-              <a:rPr lang="de-CH" sz="1200" dirty="0" err="1"/>
-              <a:t>version</a:t>
-            </a:r>
-            <a:r>
-              <a:rPr lang="de-CH" sz="1200" dirty="0"/>
-              <a:t> </a:t>
-            </a:r>
-            <a:r>
-              <a:rPr lang="de-CH" sz="1200" dirty="0" err="1"/>
-              <a:t>of</a:t>
-            </a:r>
-            <a:r>
-              <a:rPr lang="de-CH" sz="1200" dirty="0"/>
-              <a:t> </a:t>
-            </a:r>
-            <a:r>
-              <a:rPr lang="de-CH" sz="1200" dirty="0" err="1"/>
-              <a:t>the</a:t>
-            </a:r>
-            <a:r>
-              <a:rPr lang="de-CH" sz="1200" dirty="0"/>
-              <a:t> </a:t>
-            </a:r>
-            <a:r>
-              <a:rPr lang="de-CH" sz="1200" dirty="0" err="1"/>
-              <a:t>product</a:t>
-            </a:r>
-            <a:endParaRPr lang="de-CH" sz="1200" dirty="0"/>
-          </a:p>
-        </p:txBody>
-      </p:sp>
-      <p:sp>
-        <p:nvSpPr>
-          <p:cNvPr id="8" name="Abgerundetes Rechteck 7"/>
-          <p:cNvSpPr/>
-          <p:nvPr/>
-        </p:nvSpPr>
-        <p:spPr>
-          <a:xfrm>
-            <a:off x="620487" y="3080658"/>
-            <a:ext cx="1687091" cy="589143"/>
-          </a:xfrm>
-          <a:prstGeom prst="roundRect">
-            <a:avLst/>
-          </a:prstGeom>
-        </p:spPr>
-        <p:style>
-          <a:lnRef idx="2">
-            <a:schemeClr val="accent4">
-              <a:shade val="50000"/>
-            </a:schemeClr>
-          </a:lnRef>
-          <a:fillRef idx="1">
-            <a:schemeClr val="accent4"/>
-          </a:fillRef>
-          <a:effectRef idx="0">
-            <a:schemeClr val="accent4"/>
-          </a:effectRef>
-          <a:fontRef idx="minor">
-            <a:schemeClr val="lt1"/>
-          </a:fontRef>
-        </p:style>
-        <p:txBody>
-          <a:bodyPr rtlCol="0" anchor="ctr"/>
-          <a:lstStyle/>
-          <a:p>
-            <a:r>
-              <a:rPr lang="de-CH" sz="1200" dirty="0" smtClean="0"/>
-              <a:t>Feedback</a:t>
-            </a:r>
-            <a:endParaRPr lang="de-CH" sz="1200" dirty="0"/>
-          </a:p>
-        </p:txBody>
-      </p:sp>
-      <p:sp>
-        <p:nvSpPr>
-          <p:cNvPr id="9" name="Abgerundetes Rechteck 8"/>
-          <p:cNvSpPr/>
-          <p:nvPr/>
-        </p:nvSpPr>
-        <p:spPr>
-          <a:xfrm>
-            <a:off x="620487" y="3820198"/>
-            <a:ext cx="1808550" cy="874267"/>
-          </a:xfrm>
-          <a:prstGeom prst="roundRect">
-            <a:avLst/>
-          </a:prstGeom>
-        </p:spPr>
-        <p:style>
-          <a:lnRef idx="2">
-            <a:schemeClr val="accent4">
-              <a:shade val="50000"/>
-            </a:schemeClr>
-          </a:lnRef>
-          <a:fillRef idx="1">
-            <a:schemeClr val="accent4"/>
-          </a:fillRef>
-          <a:effectRef idx="0">
-            <a:schemeClr val="accent4"/>
-          </a:effectRef>
-          <a:fontRef idx="minor">
-            <a:schemeClr val="lt1"/>
-          </a:fontRef>
-        </p:style>
-        <p:txBody>
-          <a:bodyPr rtlCol="0" anchor="ctr"/>
-          <a:lstStyle/>
-          <a:p>
-            <a:r>
-              <a:rPr lang="de-CH" sz="1200" dirty="0" smtClean="0"/>
-              <a:t>Release: First </a:t>
-            </a:r>
-            <a:r>
-              <a:rPr lang="de-CH" sz="1200" dirty="0"/>
-              <a:t>(</a:t>
-            </a:r>
-            <a:r>
-              <a:rPr lang="de-CH" sz="1200" dirty="0" err="1"/>
-              <a:t>next</a:t>
-            </a:r>
-            <a:r>
-              <a:rPr lang="de-CH" sz="1200" dirty="0"/>
-              <a:t>) </a:t>
-            </a:r>
-            <a:r>
-              <a:rPr lang="de-CH" sz="1200" dirty="0" err="1"/>
-              <a:t>version</a:t>
-            </a:r>
-            <a:r>
-              <a:rPr lang="de-CH" sz="1200" dirty="0"/>
-              <a:t> </a:t>
-            </a:r>
-            <a:r>
-              <a:rPr lang="de-CH" sz="1200" dirty="0" err="1"/>
-              <a:t>of</a:t>
-            </a:r>
-            <a:r>
-              <a:rPr lang="de-CH" sz="1200" dirty="0"/>
-              <a:t> </a:t>
-            </a:r>
-            <a:r>
-              <a:rPr lang="de-CH" sz="1200" dirty="0" err="1"/>
-              <a:t>the</a:t>
-            </a:r>
-            <a:r>
-              <a:rPr lang="de-CH" sz="1200" dirty="0"/>
-              <a:t> </a:t>
-            </a:r>
-            <a:r>
-              <a:rPr lang="de-CH" sz="1200" dirty="0" err="1"/>
-              <a:t>product</a:t>
-            </a:r>
-            <a:r>
-              <a:rPr lang="de-CH" sz="1200" dirty="0"/>
-              <a:t> </a:t>
-            </a:r>
-            <a:r>
-              <a:rPr lang="de-CH" sz="1200" dirty="0" err="1"/>
-              <a:t>which</a:t>
-            </a:r>
-            <a:r>
-              <a:rPr lang="de-CH" sz="1200" dirty="0"/>
-              <a:t> </a:t>
-            </a:r>
-            <a:r>
-              <a:rPr lang="de-CH" sz="1200" dirty="0" err="1"/>
-              <a:t>is</a:t>
-            </a:r>
-            <a:r>
-              <a:rPr lang="de-CH" sz="1200" dirty="0"/>
-              <a:t> </a:t>
-            </a:r>
-            <a:r>
-              <a:rPr lang="de-CH" sz="1200" dirty="0" err="1"/>
-              <a:t>working</a:t>
-            </a:r>
-            <a:r>
-              <a:rPr lang="de-CH" sz="1200" dirty="0"/>
-              <a:t> ( Fixed </a:t>
-            </a:r>
-            <a:r>
-              <a:rPr lang="de-CH" sz="1200" dirty="0" err="1"/>
-              <a:t>errors</a:t>
-            </a:r>
-            <a:r>
-              <a:rPr lang="de-CH" sz="1200" dirty="0"/>
-              <a:t>) </a:t>
-            </a:r>
-          </a:p>
-        </p:txBody>
-      </p:sp>
-      <p:sp>
-        <p:nvSpPr>
-          <p:cNvPr id="11" name="Abgerundetes Rechteck 10"/>
-          <p:cNvSpPr/>
-          <p:nvPr/>
-        </p:nvSpPr>
-        <p:spPr>
-          <a:xfrm>
-            <a:off x="888448" y="4906383"/>
-            <a:ext cx="1151163" cy="401994"/>
-          </a:xfrm>
-          <a:prstGeom prst="roundRect">
-            <a:avLst/>
-          </a:prstGeom>
-        </p:spPr>
-        <p:style>
-          <a:lnRef idx="2">
-            <a:schemeClr val="accent4">
-              <a:shade val="50000"/>
-            </a:schemeClr>
-          </a:lnRef>
-          <a:fillRef idx="1">
-            <a:schemeClr val="accent4"/>
-          </a:fillRef>
-          <a:effectRef idx="0">
-            <a:schemeClr val="accent4"/>
-          </a:effectRef>
-          <a:fontRef idx="minor">
-            <a:schemeClr val="lt1"/>
-          </a:fontRef>
-        </p:style>
-        <p:txBody>
-          <a:bodyPr rtlCol="0" anchor="ctr"/>
-          <a:lstStyle/>
-          <a:p>
-            <a:r>
-              <a:rPr lang="de-CH" sz="1200" dirty="0" smtClean="0"/>
-              <a:t>……</a:t>
-            </a:r>
-            <a:endParaRPr lang="de-CH" sz="1200" dirty="0"/>
-          </a:p>
-        </p:txBody>
-      </p:sp>
-      <p:sp>
-        <p:nvSpPr>
-          <p:cNvPr id="12" name="Abgerundetes Rechteck 11"/>
-          <p:cNvSpPr/>
-          <p:nvPr/>
-        </p:nvSpPr>
-        <p:spPr>
-          <a:xfrm>
-            <a:off x="620487" y="5461907"/>
-            <a:ext cx="1687091" cy="589143"/>
-          </a:xfrm>
-          <a:prstGeom prst="roundRect">
-            <a:avLst/>
-          </a:prstGeom>
-        </p:spPr>
-        <p:style>
-          <a:lnRef idx="2">
-            <a:schemeClr val="accent4">
-              <a:shade val="50000"/>
-            </a:schemeClr>
-          </a:lnRef>
-          <a:fillRef idx="1">
-            <a:schemeClr val="accent4"/>
-          </a:fillRef>
-          <a:effectRef idx="0">
-            <a:schemeClr val="accent4"/>
-          </a:effectRef>
-          <a:fontRef idx="minor">
-            <a:schemeClr val="lt1"/>
-          </a:fontRef>
-        </p:style>
-        <p:txBody>
-          <a:bodyPr rtlCol="0" anchor="ctr"/>
-          <a:lstStyle/>
-          <a:p>
-            <a:r>
-              <a:rPr lang="de-CH" sz="1200" dirty="0" smtClean="0"/>
-              <a:t>Final </a:t>
-            </a:r>
-            <a:r>
-              <a:rPr lang="de-CH" sz="1200" dirty="0" err="1" smtClean="0"/>
-              <a:t>Product</a:t>
-            </a:r>
-            <a:r>
-              <a:rPr lang="de-CH" sz="1200" dirty="0" smtClean="0"/>
-              <a:t> </a:t>
-            </a:r>
-            <a:endParaRPr lang="de-CH" sz="1200" dirty="0"/>
-          </a:p>
-        </p:txBody>
-      </p:sp>
-      <p:sp>
-        <p:nvSpPr>
-          <p:cNvPr id="13" name="Geschweifte Klammer rechts 12"/>
-          <p:cNvSpPr/>
-          <p:nvPr/>
-        </p:nvSpPr>
-        <p:spPr>
-          <a:xfrm>
-            <a:off x="2686701" y="2588734"/>
-            <a:ext cx="155448" cy="914400"/>
-          </a:xfrm>
-          <a:prstGeom prst="rightBrace">
-            <a:avLst/>
-          </a:prstGeom>
-          <a:ln>
-            <a:solidFill>
-              <a:schemeClr val="tx2">
-                <a:lumMod val="60000"/>
-                <a:lumOff val="40000"/>
-              </a:schemeClr>
-            </a:solidFill>
-          </a:ln>
-        </p:spPr>
-        <p:style>
-          <a:lnRef idx="2">
-            <a:schemeClr val="accent1"/>
-          </a:lnRef>
-          <a:fillRef idx="0">
-            <a:schemeClr val="accent1"/>
-          </a:fillRef>
-          <a:effectRef idx="1">
-            <a:schemeClr val="accent1"/>
-          </a:effectRef>
-          <a:fontRef idx="minor">
-            <a:schemeClr val="tx1"/>
-          </a:fontRef>
-        </p:style>
-        <p:txBody>
-          <a:bodyPr rtlCol="0" anchor="ctr"/>
-          <a:lstStyle/>
-          <a:p>
-            <a:pPr algn="ctr"/>
-            <a:endParaRPr lang="de-CH"/>
-          </a:p>
-        </p:txBody>
-      </p:sp>
-      <p:sp>
-        <p:nvSpPr>
-          <p:cNvPr id="14" name="Geschweifte Klammer rechts 13"/>
-          <p:cNvSpPr/>
-          <p:nvPr/>
-        </p:nvSpPr>
-        <p:spPr>
-          <a:xfrm>
-            <a:off x="3009680" y="3282241"/>
-            <a:ext cx="244928" cy="1440753"/>
-          </a:xfrm>
-          <a:prstGeom prst="rightBrace">
-            <a:avLst/>
-          </a:prstGeom>
-          <a:ln>
-            <a:solidFill>
-              <a:schemeClr val="tx2">
-                <a:lumMod val="60000"/>
-                <a:lumOff val="40000"/>
-              </a:schemeClr>
-            </a:solidFill>
-          </a:ln>
-        </p:spPr>
-        <p:style>
-          <a:lnRef idx="2">
-            <a:schemeClr val="accent1"/>
-          </a:lnRef>
-          <a:fillRef idx="0">
-            <a:schemeClr val="accent1"/>
-          </a:fillRef>
-          <a:effectRef idx="1">
-            <a:schemeClr val="accent1"/>
-          </a:effectRef>
-          <a:fontRef idx="minor">
-            <a:schemeClr val="tx1"/>
-          </a:fontRef>
-        </p:style>
-        <p:txBody>
-          <a:bodyPr rtlCol="0" anchor="ctr"/>
-          <a:lstStyle/>
-          <a:p>
-            <a:pPr algn="ctr"/>
-            <a:endParaRPr lang="de-CH"/>
-          </a:p>
-        </p:txBody>
-      </p:sp>
-      <p:sp>
-        <p:nvSpPr>
-          <p:cNvPr id="15" name="Geschweifte Klammer rechts 14"/>
-          <p:cNvSpPr/>
-          <p:nvPr/>
-        </p:nvSpPr>
-        <p:spPr>
-          <a:xfrm>
-            <a:off x="2429037" y="1731697"/>
-            <a:ext cx="155448" cy="914400"/>
-          </a:xfrm>
-          <a:prstGeom prst="rightBrace">
-            <a:avLst/>
-          </a:prstGeom>
-          <a:ln>
-            <a:solidFill>
-              <a:schemeClr val="tx2">
-                <a:lumMod val="60000"/>
-                <a:lumOff val="40000"/>
-              </a:schemeClr>
-            </a:solidFill>
-          </a:ln>
-        </p:spPr>
-        <p:style>
-          <a:lnRef idx="2">
-            <a:schemeClr val="accent1"/>
-          </a:lnRef>
-          <a:fillRef idx="0">
-            <a:schemeClr val="accent1"/>
-          </a:fillRef>
-          <a:effectRef idx="1">
-            <a:schemeClr val="accent1"/>
-          </a:effectRef>
-          <a:fontRef idx="minor">
-            <a:schemeClr val="tx1"/>
-          </a:fontRef>
-        </p:style>
-        <p:txBody>
-          <a:bodyPr rtlCol="0" anchor="ctr"/>
-          <a:lstStyle/>
-          <a:p>
-            <a:pPr algn="ctr"/>
-            <a:endParaRPr lang="de-CH"/>
-          </a:p>
-        </p:txBody>
-      </p:sp>
-      <p:sp>
-        <p:nvSpPr>
-          <p:cNvPr id="16" name="Geschweifte Klammer rechts 15"/>
-          <p:cNvSpPr/>
-          <p:nvPr/>
-        </p:nvSpPr>
-        <p:spPr>
-          <a:xfrm>
-            <a:off x="3388179" y="4281137"/>
-            <a:ext cx="281284" cy="1769914"/>
-          </a:xfrm>
-          <a:prstGeom prst="rightBrace">
-            <a:avLst/>
-          </a:prstGeom>
-          <a:ln>
-            <a:solidFill>
-              <a:schemeClr val="tx2">
-                <a:lumMod val="60000"/>
-                <a:lumOff val="40000"/>
-              </a:schemeClr>
-            </a:solidFill>
-          </a:ln>
-        </p:spPr>
-        <p:style>
-          <a:lnRef idx="2">
-            <a:schemeClr val="accent1"/>
-          </a:lnRef>
-          <a:fillRef idx="0">
-            <a:schemeClr val="accent1"/>
-          </a:fillRef>
-          <a:effectRef idx="1">
-            <a:schemeClr val="accent1"/>
-          </a:effectRef>
-          <a:fontRef idx="minor">
-            <a:schemeClr val="tx1"/>
-          </a:fontRef>
-        </p:style>
-        <p:txBody>
-          <a:bodyPr rtlCol="0" anchor="ctr"/>
-          <a:lstStyle/>
-          <a:p>
-            <a:pPr algn="ctr"/>
-            <a:endParaRPr lang="de-CH"/>
-          </a:p>
-        </p:txBody>
-      </p:sp>
-      <p:sp>
-        <p:nvSpPr>
-          <p:cNvPr id="17" name="Textfeld 16"/>
-          <p:cNvSpPr txBox="1"/>
-          <p:nvPr/>
-        </p:nvSpPr>
-        <p:spPr>
-          <a:xfrm>
-            <a:off x="2842149" y="2035008"/>
-            <a:ext cx="4489706" cy="307777"/>
-          </a:xfrm>
-          <a:prstGeom prst="rect">
-            <a:avLst/>
-          </a:prstGeom>
-          <a:noFill/>
-        </p:spPr>
-        <p:txBody>
-          <a:bodyPr wrap="square" rtlCol="0">
-            <a:spAutoFit/>
-          </a:bodyPr>
-          <a:lstStyle/>
-          <a:p>
-            <a:r>
-              <a:rPr lang="de-CH" sz="1400" dirty="0" err="1" smtClean="0"/>
-              <a:t>We</a:t>
-            </a:r>
-            <a:r>
-              <a:rPr lang="de-CH" sz="1400" dirty="0" smtClean="0"/>
-              <a:t> </a:t>
-            </a:r>
-            <a:r>
-              <a:rPr lang="de-CH" sz="1400" dirty="0" err="1" smtClean="0"/>
-              <a:t>need</a:t>
-            </a:r>
-            <a:r>
-              <a:rPr lang="de-CH" sz="1400" dirty="0" smtClean="0"/>
-              <a:t> </a:t>
-            </a:r>
-            <a:r>
-              <a:rPr lang="de-CH" sz="1400" dirty="0" err="1" smtClean="0"/>
-              <a:t>the</a:t>
-            </a:r>
-            <a:r>
-              <a:rPr lang="de-CH" sz="1400" dirty="0" smtClean="0"/>
-              <a:t> </a:t>
-            </a:r>
-            <a:r>
-              <a:rPr lang="de-CH" sz="1400" dirty="0" err="1" smtClean="0"/>
-              <a:t>specification</a:t>
-            </a:r>
-            <a:r>
-              <a:rPr lang="de-CH" sz="1400" dirty="0" smtClean="0"/>
-              <a:t> </a:t>
-            </a:r>
-            <a:r>
-              <a:rPr lang="de-CH" sz="1400" dirty="0" err="1" smtClean="0"/>
-              <a:t>to</a:t>
-            </a:r>
-            <a:r>
-              <a:rPr lang="de-CH" sz="1400" dirty="0"/>
-              <a:t> </a:t>
-            </a:r>
-            <a:r>
-              <a:rPr lang="de-CH" sz="1400" dirty="0" err="1" smtClean="0"/>
-              <a:t>produce</a:t>
-            </a:r>
-            <a:r>
-              <a:rPr lang="de-CH" sz="1400" dirty="0" smtClean="0"/>
-              <a:t> </a:t>
-            </a:r>
-            <a:r>
-              <a:rPr lang="de-CH" sz="1400" dirty="0" err="1" smtClean="0"/>
-              <a:t>the</a:t>
-            </a:r>
-            <a:r>
-              <a:rPr lang="de-CH" sz="1400" dirty="0" smtClean="0"/>
-              <a:t> </a:t>
-            </a:r>
-            <a:r>
-              <a:rPr lang="de-CH" sz="1400" dirty="0" err="1" smtClean="0"/>
-              <a:t>first</a:t>
-            </a:r>
-            <a:r>
-              <a:rPr lang="de-CH" sz="1400" dirty="0" smtClean="0"/>
-              <a:t> </a:t>
-            </a:r>
-            <a:r>
-              <a:rPr lang="de-CH" sz="1400" dirty="0" err="1" smtClean="0"/>
-              <a:t>version</a:t>
-            </a:r>
-            <a:r>
-              <a:rPr lang="de-CH" sz="1400" dirty="0" smtClean="0"/>
-              <a:t> </a:t>
-            </a:r>
-            <a:endParaRPr lang="de-CH" sz="1400" dirty="0"/>
-          </a:p>
-        </p:txBody>
-      </p:sp>
-      <p:sp>
-        <p:nvSpPr>
-          <p:cNvPr id="20" name="Textfeld 19"/>
-          <p:cNvSpPr txBox="1"/>
-          <p:nvPr/>
-        </p:nvSpPr>
-        <p:spPr>
-          <a:xfrm>
-            <a:off x="3071947" y="2892045"/>
-            <a:ext cx="4489706" cy="307777"/>
-          </a:xfrm>
-          <a:prstGeom prst="rect">
-            <a:avLst/>
-          </a:prstGeom>
-          <a:noFill/>
-        </p:spPr>
-        <p:txBody>
-          <a:bodyPr wrap="square" rtlCol="0">
-            <a:spAutoFit/>
-          </a:bodyPr>
-          <a:lstStyle/>
-          <a:p>
-            <a:r>
-              <a:rPr lang="de-CH" sz="1400" dirty="0" err="1" smtClean="0"/>
-              <a:t>We</a:t>
-            </a:r>
-            <a:r>
-              <a:rPr lang="de-CH" sz="1400" dirty="0" smtClean="0"/>
-              <a:t> </a:t>
-            </a:r>
-            <a:r>
-              <a:rPr lang="de-CH" sz="1400" dirty="0" err="1" smtClean="0"/>
-              <a:t>need</a:t>
-            </a:r>
-            <a:r>
-              <a:rPr lang="de-CH" sz="1400" dirty="0" smtClean="0"/>
-              <a:t> </a:t>
-            </a:r>
-            <a:r>
-              <a:rPr lang="de-CH" sz="1400" dirty="0" err="1" smtClean="0"/>
-              <a:t>to</a:t>
-            </a:r>
-            <a:r>
-              <a:rPr lang="de-CH" sz="1400" dirty="0" smtClean="0"/>
-              <a:t> </a:t>
-            </a:r>
-            <a:r>
-              <a:rPr lang="de-CH" sz="1400" dirty="0" err="1" smtClean="0"/>
-              <a:t>present</a:t>
-            </a:r>
-            <a:r>
-              <a:rPr lang="de-CH" sz="1400" dirty="0" smtClean="0"/>
-              <a:t> </a:t>
-            </a:r>
-            <a:r>
-              <a:rPr lang="de-CH" sz="1400" dirty="0" err="1" smtClean="0"/>
-              <a:t>the</a:t>
-            </a:r>
-            <a:r>
-              <a:rPr lang="de-CH" sz="1400" dirty="0" smtClean="0"/>
-              <a:t> </a:t>
-            </a:r>
-            <a:r>
-              <a:rPr lang="de-CH" sz="1400" dirty="0" err="1" smtClean="0"/>
-              <a:t>first</a:t>
-            </a:r>
-            <a:r>
-              <a:rPr lang="de-CH" sz="1400" dirty="0" smtClean="0"/>
-              <a:t> </a:t>
-            </a:r>
-            <a:r>
-              <a:rPr lang="de-CH" sz="1400" dirty="0" err="1" smtClean="0"/>
-              <a:t>version</a:t>
-            </a:r>
-            <a:r>
-              <a:rPr lang="de-CH" sz="1400" dirty="0" smtClean="0"/>
-              <a:t> </a:t>
-            </a:r>
-            <a:r>
-              <a:rPr lang="de-CH" sz="1400" dirty="0" err="1" smtClean="0"/>
-              <a:t>to</a:t>
-            </a:r>
-            <a:r>
-              <a:rPr lang="de-CH" sz="1400" dirty="0" smtClean="0"/>
-              <a:t> </a:t>
-            </a:r>
-            <a:r>
-              <a:rPr lang="de-CH" sz="1400" dirty="0" err="1" smtClean="0"/>
-              <a:t>get</a:t>
-            </a:r>
-            <a:r>
-              <a:rPr lang="de-CH" sz="1400" dirty="0" smtClean="0"/>
-              <a:t> a </a:t>
-            </a:r>
-            <a:r>
-              <a:rPr lang="de-CH" sz="1400" dirty="0" err="1" smtClean="0"/>
-              <a:t>feedback</a:t>
-            </a:r>
-            <a:r>
-              <a:rPr lang="de-CH" sz="1400" dirty="0" smtClean="0"/>
-              <a:t> </a:t>
-            </a:r>
-            <a:endParaRPr lang="de-CH" sz="1400" dirty="0"/>
-          </a:p>
-        </p:txBody>
-      </p:sp>
-      <p:sp>
-        <p:nvSpPr>
-          <p:cNvPr id="22" name="Textfeld 21"/>
-          <p:cNvSpPr txBox="1"/>
-          <p:nvPr/>
-        </p:nvSpPr>
-        <p:spPr>
-          <a:xfrm>
-            <a:off x="3528821" y="3757916"/>
-            <a:ext cx="4489706" cy="523220"/>
-          </a:xfrm>
-          <a:prstGeom prst="rect">
-            <a:avLst/>
-          </a:prstGeom>
-          <a:noFill/>
-        </p:spPr>
-        <p:txBody>
-          <a:bodyPr wrap="square" rtlCol="0">
-            <a:spAutoFit/>
-          </a:bodyPr>
-          <a:lstStyle/>
-          <a:p>
-            <a:r>
-              <a:rPr lang="de-CH" sz="1400" dirty="0" err="1" smtClean="0"/>
-              <a:t>We</a:t>
-            </a:r>
-            <a:r>
-              <a:rPr lang="de-CH" sz="1400" dirty="0" smtClean="0"/>
-              <a:t> </a:t>
-            </a:r>
-            <a:r>
-              <a:rPr lang="de-CH" sz="1400" dirty="0" err="1" smtClean="0"/>
-              <a:t>need</a:t>
-            </a:r>
-            <a:r>
-              <a:rPr lang="de-CH" sz="1400" dirty="0" smtClean="0"/>
-              <a:t> </a:t>
-            </a:r>
-            <a:r>
-              <a:rPr lang="de-CH" sz="1400" dirty="0" err="1" smtClean="0"/>
-              <a:t>the</a:t>
-            </a:r>
-            <a:r>
-              <a:rPr lang="de-CH" sz="1400" dirty="0" smtClean="0"/>
-              <a:t> </a:t>
-            </a:r>
-            <a:r>
-              <a:rPr lang="de-CH" sz="1400" dirty="0" err="1" smtClean="0"/>
-              <a:t>feedback</a:t>
-            </a:r>
-            <a:r>
-              <a:rPr lang="de-CH" sz="1400" dirty="0" smtClean="0"/>
-              <a:t> </a:t>
-            </a:r>
-            <a:r>
-              <a:rPr lang="de-CH" sz="1400" dirty="0" err="1" smtClean="0"/>
-              <a:t>to</a:t>
-            </a:r>
-            <a:r>
-              <a:rPr lang="de-CH" sz="1400" dirty="0" smtClean="0"/>
-              <a:t> fix </a:t>
-            </a:r>
-            <a:r>
-              <a:rPr lang="de-CH" sz="1400" dirty="0" err="1" smtClean="0"/>
-              <a:t>the</a:t>
-            </a:r>
-            <a:r>
-              <a:rPr lang="de-CH" sz="1400" dirty="0" smtClean="0"/>
-              <a:t> </a:t>
-            </a:r>
-            <a:r>
-              <a:rPr lang="de-CH" sz="1400" dirty="0" err="1" smtClean="0"/>
-              <a:t>errors</a:t>
-            </a:r>
-            <a:r>
-              <a:rPr lang="de-CH" sz="1400" dirty="0" smtClean="0"/>
-              <a:t> </a:t>
-            </a:r>
-            <a:r>
-              <a:rPr lang="de-CH" sz="1400" dirty="0" err="1" smtClean="0"/>
-              <a:t>and</a:t>
-            </a:r>
-            <a:r>
-              <a:rPr lang="de-CH" sz="1400" dirty="0" smtClean="0"/>
-              <a:t> </a:t>
-            </a:r>
-            <a:r>
-              <a:rPr lang="de-CH" sz="1400" dirty="0" err="1" smtClean="0"/>
-              <a:t>to</a:t>
-            </a:r>
-            <a:r>
-              <a:rPr lang="de-CH" sz="1400" dirty="0" smtClean="0"/>
-              <a:t> </a:t>
-            </a:r>
-            <a:r>
-              <a:rPr lang="de-CH" sz="1400" dirty="0" err="1" smtClean="0"/>
-              <a:t>add</a:t>
-            </a:r>
-            <a:r>
-              <a:rPr lang="de-CH" sz="1400" dirty="0" smtClean="0"/>
-              <a:t> </a:t>
-            </a:r>
-            <a:r>
-              <a:rPr lang="de-CH" sz="1400" dirty="0" err="1" smtClean="0"/>
-              <a:t>missing</a:t>
-            </a:r>
-            <a:r>
-              <a:rPr lang="de-CH" sz="1400" dirty="0" smtClean="0"/>
-              <a:t> </a:t>
-            </a:r>
-            <a:r>
-              <a:rPr lang="de-CH" sz="1400" dirty="0" err="1" smtClean="0"/>
-              <a:t>demands</a:t>
-            </a:r>
-            <a:r>
-              <a:rPr lang="de-CH" sz="1400" dirty="0" smtClean="0"/>
-              <a:t> </a:t>
-            </a:r>
-            <a:r>
-              <a:rPr lang="de-CH" sz="1400" dirty="0" err="1" smtClean="0"/>
-              <a:t>or</a:t>
-            </a:r>
-            <a:r>
-              <a:rPr lang="de-CH" sz="1400" dirty="0" smtClean="0"/>
-              <a:t> </a:t>
-            </a:r>
-            <a:r>
-              <a:rPr lang="de-CH" sz="1400" dirty="0" err="1" smtClean="0"/>
-              <a:t>delete</a:t>
-            </a:r>
-            <a:r>
-              <a:rPr lang="de-CH" sz="1400" dirty="0" smtClean="0"/>
-              <a:t> not </a:t>
-            </a:r>
-            <a:r>
-              <a:rPr lang="de-CH" sz="1400" dirty="0" err="1" smtClean="0"/>
-              <a:t>needed</a:t>
-            </a:r>
-            <a:r>
-              <a:rPr lang="de-CH" sz="1400" dirty="0" smtClean="0"/>
-              <a:t> </a:t>
-            </a:r>
-            <a:r>
-              <a:rPr lang="de-CH" sz="1400" dirty="0" err="1" smtClean="0"/>
-              <a:t>demands</a:t>
-            </a:r>
-            <a:endParaRPr lang="de-CH" sz="1400" dirty="0"/>
-          </a:p>
-        </p:txBody>
-      </p:sp>
-      <p:sp>
-        <p:nvSpPr>
-          <p:cNvPr id="23" name="Textfeld 22"/>
-          <p:cNvSpPr txBox="1"/>
-          <p:nvPr/>
-        </p:nvSpPr>
-        <p:spPr>
-          <a:xfrm>
-            <a:off x="3911214" y="4906383"/>
-            <a:ext cx="4489706" cy="523220"/>
-          </a:xfrm>
-          <a:prstGeom prst="rect">
-            <a:avLst/>
-          </a:prstGeom>
-          <a:noFill/>
-        </p:spPr>
-        <p:txBody>
-          <a:bodyPr wrap="square" rtlCol="0">
-            <a:spAutoFit/>
-          </a:bodyPr>
-          <a:lstStyle/>
-          <a:p>
-            <a:r>
-              <a:rPr lang="de-CH" sz="1400" dirty="0" err="1" smtClean="0"/>
-              <a:t>We</a:t>
-            </a:r>
-            <a:r>
-              <a:rPr lang="de-CH" sz="1400" dirty="0" smtClean="0"/>
-              <a:t> </a:t>
-            </a:r>
-            <a:r>
-              <a:rPr lang="de-CH" sz="1400" dirty="0" err="1" smtClean="0"/>
-              <a:t>need</a:t>
-            </a:r>
-            <a:r>
-              <a:rPr lang="de-CH" sz="1400" dirty="0" smtClean="0"/>
-              <a:t> </a:t>
-            </a:r>
-            <a:r>
-              <a:rPr lang="de-CH" sz="1400" dirty="0" err="1" smtClean="0"/>
-              <a:t>to</a:t>
-            </a:r>
-            <a:r>
-              <a:rPr lang="de-CH" sz="1400" dirty="0" smtClean="0"/>
-              <a:t> </a:t>
-            </a:r>
-            <a:r>
-              <a:rPr lang="de-CH" sz="1400" dirty="0" err="1" smtClean="0"/>
-              <a:t>repeat</a:t>
-            </a:r>
-            <a:r>
-              <a:rPr lang="de-CH" sz="1400" dirty="0" smtClean="0"/>
-              <a:t> </a:t>
-            </a:r>
-            <a:r>
-              <a:rPr lang="de-CH" sz="1400" dirty="0" err="1" smtClean="0"/>
-              <a:t>the</a:t>
-            </a:r>
-            <a:r>
-              <a:rPr lang="de-CH" sz="1400" dirty="0" smtClean="0"/>
-              <a:t> </a:t>
-            </a:r>
-            <a:r>
-              <a:rPr lang="de-CH" sz="1400" dirty="0" err="1" smtClean="0"/>
-              <a:t>whole</a:t>
-            </a:r>
-            <a:r>
-              <a:rPr lang="de-CH" sz="1400" dirty="0" smtClean="0"/>
-              <a:t> </a:t>
-            </a:r>
-            <a:r>
-              <a:rPr lang="de-CH" sz="1400" dirty="0" err="1" smtClean="0"/>
-              <a:t>process</a:t>
-            </a:r>
-            <a:r>
-              <a:rPr lang="de-CH" sz="1400" dirty="0"/>
-              <a:t> </a:t>
-            </a:r>
-            <a:r>
-              <a:rPr lang="de-CH" sz="1400" dirty="0" err="1" smtClean="0"/>
-              <a:t>until</a:t>
-            </a:r>
-            <a:r>
-              <a:rPr lang="de-CH" sz="1400" dirty="0" smtClean="0"/>
-              <a:t> </a:t>
-            </a:r>
-            <a:r>
-              <a:rPr lang="de-CH" sz="1400" dirty="0" err="1" smtClean="0"/>
-              <a:t>we</a:t>
-            </a:r>
-            <a:r>
-              <a:rPr lang="de-CH" sz="1400" dirty="0" smtClean="0"/>
-              <a:t> </a:t>
-            </a:r>
-            <a:r>
-              <a:rPr lang="de-CH" sz="1400" dirty="0" err="1" smtClean="0"/>
-              <a:t>get</a:t>
-            </a:r>
-            <a:r>
-              <a:rPr lang="de-CH" sz="1400" dirty="0" smtClean="0"/>
-              <a:t> </a:t>
-            </a:r>
-            <a:r>
-              <a:rPr lang="de-CH" sz="1400" dirty="0" err="1" smtClean="0"/>
-              <a:t>our</a:t>
-            </a:r>
-            <a:r>
-              <a:rPr lang="de-CH" sz="1400" dirty="0" smtClean="0"/>
-              <a:t> final </a:t>
-            </a:r>
-            <a:r>
-              <a:rPr lang="de-CH" sz="1400" dirty="0" err="1" smtClean="0"/>
-              <a:t>working</a:t>
-            </a:r>
-            <a:r>
-              <a:rPr lang="de-CH" sz="1400" dirty="0" smtClean="0"/>
-              <a:t>  </a:t>
-            </a:r>
-            <a:r>
-              <a:rPr lang="de-CH" sz="1400" dirty="0" err="1" smtClean="0"/>
-              <a:t>version</a:t>
-            </a:r>
-            <a:r>
-              <a:rPr lang="de-CH" sz="1400" dirty="0" smtClean="0"/>
-              <a:t> </a:t>
-            </a:r>
-            <a:endParaRPr lang="de-CH" sz="1400" dirty="0"/>
-          </a:p>
-        </p:txBody>
-      </p:sp>
-      <p:sp>
-        <p:nvSpPr>
-          <p:cNvPr id="24" name="Runde Klammer links 23"/>
-          <p:cNvSpPr/>
-          <p:nvPr/>
-        </p:nvSpPr>
-        <p:spPr>
-          <a:xfrm>
-            <a:off x="163285" y="1731697"/>
-            <a:ext cx="326571" cy="3436296"/>
-          </a:xfrm>
-          <a:prstGeom prst="leftBracket">
-            <a:avLst/>
-          </a:prstGeom>
-        </p:spPr>
-        <p:style>
-          <a:lnRef idx="2">
-            <a:schemeClr val="accent1"/>
-          </a:lnRef>
-          <a:fillRef idx="0">
-            <a:schemeClr val="accent1"/>
-          </a:fillRef>
-          <a:effectRef idx="1">
-            <a:schemeClr val="accent1"/>
-          </a:effectRef>
-          <a:fontRef idx="minor">
-            <a:schemeClr val="tx1"/>
-          </a:fontRef>
-        </p:style>
-        <p:txBody>
-          <a:bodyPr rtlCol="0" anchor="ctr"/>
-          <a:lstStyle/>
-          <a:p>
-            <a:pPr algn="ctr"/>
-            <a:endParaRPr lang="de-CH">
-              <a:solidFill>
-                <a:srgbClr val="FF0000"/>
-              </a:solidFill>
-            </a:endParaRPr>
-          </a:p>
-        </p:txBody>
-      </p:sp>
-      <p:sp>
-        <p:nvSpPr>
-          <p:cNvPr id="25" name="Runde Klammer rechts 24"/>
-          <p:cNvSpPr/>
-          <p:nvPr/>
-        </p:nvSpPr>
-        <p:spPr>
-          <a:xfrm>
-            <a:off x="2506761" y="4257330"/>
-            <a:ext cx="73152" cy="984797"/>
-          </a:xfrm>
-          <a:prstGeom prst="rightBracket">
-            <a:avLst/>
-          </a:prstGeom>
-        </p:spPr>
-        <p:style>
-          <a:lnRef idx="2">
-            <a:schemeClr val="accent1"/>
-          </a:lnRef>
-          <a:fillRef idx="0">
-            <a:schemeClr val="accent1"/>
-          </a:fillRef>
-          <a:effectRef idx="1">
-            <a:schemeClr val="accent1"/>
-          </a:effectRef>
-          <a:fontRef idx="minor">
-            <a:schemeClr val="tx1"/>
-          </a:fontRef>
-        </p:style>
-        <p:txBody>
-          <a:bodyPr rtlCol="0" anchor="ctr"/>
-          <a:lstStyle/>
-          <a:p>
-            <a:pPr algn="ctr"/>
-            <a:endParaRPr lang="de-CH">
-              <a:solidFill>
-                <a:srgbClr val="FF0000"/>
-              </a:solidFill>
-            </a:endParaRPr>
-          </a:p>
-        </p:txBody>
-      </p:sp>
-    </p:spTree>
-    <p:extLst>
-      <p:ext uri="{BB962C8B-B14F-4D97-AF65-F5344CB8AC3E}">
-        <p14:creationId xmlns:p14="http://schemas.microsoft.com/office/powerpoint/2010/main" val="468126010"/>
-      </p:ext>
-    </p:extLst>
-  </p:cSld>
-  <p:clrMapOvr>
-    <a:masterClrMapping/>
-  </p:clrMapOvr>
-  <mc:AlternateContent xmlns:mc="http://schemas.openxmlformats.org/markup-compatibility/2006" xmlns:p14="http://schemas.microsoft.com/office/powerpoint/2010/main">
-    <mc:Choice Requires="p14">
-      <p:transition spd="slow" p14:dur="2000"/>
-    </mc:Choice>
-    <mc:Fallback xmlns="">
-      <p:transition spd="slow"/>
-    </mc:Fallback>
-  </mc:AlternateContent>
-  <p:timing>
-    <p:tnLst>
-      <p:par>
-        <p:cTn id="1" dur="indefinite" restart="never" nodeType="tmRoot"/>
-      </p:par>
-    </p:tnLst>
-  </p:timing>
-</p:sld>
-</file>
-
-<file path=ppt/slides/slide6.xml><?xml version="1.0" encoding="utf-8"?>
 <p:sld xmlns:a="http://schemas.openxmlformats.org/drawingml/2006/main" xmlns:r="http://schemas.openxmlformats.org/officeDocument/2006/relationships" xmlns:p="http://schemas.openxmlformats.org/presentationml/2006/main">
   <p:cSld>
     <p:spTree>
@@ -10451,12 +8640,21 @@
           <a:p>
             <a:r>
               <a:rPr lang="de-CH" dirty="0" smtClean="0"/>
-              <a:t>Feedback mit Benutzern &amp; </a:t>
-            </a:r>
-            <a:r>
-              <a:rPr lang="de-CH" dirty="0"/>
-              <a:t>Management</a:t>
-            </a:r>
+              <a:t>Feedback einholen von Benutzern &amp; Management</a:t>
+            </a:r>
+          </a:p>
+          <a:p>
+            <a:pPr lvl="0"/>
+            <a:r>
+              <a:rPr lang="de-DE" dirty="0"/>
+              <a:t>Software installiere und Schulung mit Benutzern</a:t>
+            </a:r>
+          </a:p>
+          <a:p>
+            <a:pPr marL="0" indent="0">
+              <a:buNone/>
+            </a:pPr>
+            <a:endParaRPr lang="de-CH" dirty="0"/>
           </a:p>
           <a:p>
             <a:endParaRPr lang="de-CH" dirty="0" smtClean="0"/>
@@ -10503,9 +8701,13 @@
           <a:p>
             <a:r>
               <a:rPr lang="de-CH" dirty="0" smtClean="0"/>
-              <a:t>Interaktion mit Kunden</a:t>
-            </a:r>
-            <a:endParaRPr lang="de-CH" dirty="0"/>
+              <a:t>Interaktionsstufen mit dem Kunden</a:t>
+            </a:r>
+            <a:r>
+              <a:rPr lang="de-CH" dirty="0"/>
+              <a:t> </a:t>
+            </a:r>
+            <a:endParaRPr lang="de-DE" dirty="0"/>
           </a:p>
         </p:txBody>
       </p:sp>
@@ -10531,7 +8733,7 @@
           <a:p>
             <a:fld id="{F19AE9A8-34D4-4E8C-BE9C-13C550F1BED0}" type="slidenum">
               <a:rPr lang="de-CH" smtClean="0"/>
-              <a:t>6</a:t>
+              <a:t>4</a:t>
             </a:fld>
             <a:endParaRPr lang="de-CH" dirty="0"/>
           </a:p>
@@ -10545,7 +8747,7 @@
         </p:nvSpPr>
         <p:spPr>
           <a:xfrm>
-            <a:off x="5276165" y="4269337"/>
+            <a:off x="5502956" y="4281675"/>
             <a:ext cx="1396094" cy="548465"/>
           </a:xfrm>
           <a:prstGeom prst="rect">
@@ -10589,8 +8791,8 @@
         </p:nvSpPr>
         <p:spPr>
           <a:xfrm>
-            <a:off x="3712705" y="2521013"/>
-            <a:ext cx="1205283" cy="517849"/>
+            <a:off x="3939496" y="2778826"/>
+            <a:ext cx="1205283" cy="517848"/>
           </a:xfrm>
           <a:prstGeom prst="rect">
             <a:avLst/>
@@ -10633,7 +8835,7 @@
         </p:nvSpPr>
         <p:spPr>
           <a:xfrm>
-            <a:off x="6276288" y="2521014"/>
+            <a:off x="6503078" y="2778826"/>
             <a:ext cx="1643068" cy="517848"/>
           </a:xfrm>
           <a:prstGeom prst="rect">
@@ -10677,7 +8879,7 @@
         </p:nvSpPr>
         <p:spPr>
           <a:xfrm>
-            <a:off x="5399903" y="5369692"/>
+            <a:off x="5626694" y="5382030"/>
             <a:ext cx="1926731" cy="640459"/>
           </a:xfrm>
           <a:prstGeom prst="rect">
@@ -10719,8 +8921,8 @@
         </p:nvSpPr>
         <p:spPr>
           <a:xfrm>
-            <a:off x="3512683" y="3096595"/>
-            <a:ext cx="4821010" cy="3230144"/>
+            <a:off x="4289382" y="3666436"/>
+            <a:ext cx="4427393" cy="2698727"/>
           </a:xfrm>
           <a:prstGeom prst="ellipse">
             <a:avLst/>
@@ -10762,8 +8964,8 @@
         </p:nvCxnSpPr>
         <p:spPr>
           <a:xfrm>
-            <a:off x="4315347" y="3038862"/>
-            <a:ext cx="1658865" cy="1230475"/>
+            <a:off x="4542138" y="3296674"/>
+            <a:ext cx="1658865" cy="985001"/>
           </a:xfrm>
           <a:prstGeom prst="line">
             <a:avLst/>
@@ -10795,8 +8997,8 @@
         </p:nvCxnSpPr>
         <p:spPr>
           <a:xfrm flipH="1">
-            <a:off x="5974212" y="3038862"/>
-            <a:ext cx="1123610" cy="1230475"/>
+            <a:off x="6201003" y="3296674"/>
+            <a:ext cx="1123609" cy="985001"/>
           </a:xfrm>
           <a:prstGeom prst="line">
             <a:avLst/>
@@ -10822,13 +9024,12 @@
           <p:cNvPr id="18" name="Gerade Verbindung mit Pfeil 17"/>
           <p:cNvCxnSpPr>
             <a:stCxn id="5" idx="2"/>
-            <a:endCxn id="8" idx="0"/>
           </p:cNvCxnSpPr>
           <p:nvPr/>
         </p:nvCxnSpPr>
         <p:spPr>
           <a:xfrm>
-            <a:off x="5974212" y="4817802"/>
+            <a:off x="6201003" y="4830140"/>
             <a:ext cx="389057" cy="551890"/>
           </a:xfrm>
           <a:prstGeom prst="straightConnector1">
@@ -10874,7 +9075,7 @@
 </p:sld>
 </file>
 
-<file path=ppt/slides/slide7.xml><?xml version="1.0" encoding="utf-8"?>
+<file path=ppt/slides/slide5.xml><?xml version="1.0" encoding="utf-8"?>
 <p:sld xmlns:a="http://schemas.openxmlformats.org/drawingml/2006/main" xmlns:r="http://schemas.openxmlformats.org/officeDocument/2006/relationships" xmlns:p="http://schemas.openxmlformats.org/presentationml/2006/main">
   <p:cSld>
     <p:spTree>
@@ -10907,28 +9108,8 @@
           <a:lstStyle/>
           <a:p>
             <a:r>
-              <a:rPr lang="de-DE" dirty="0" err="1" smtClean="0"/>
-              <a:t>Thank‘s</a:t>
-            </a:r>
-            <a:r>
               <a:rPr lang="de-DE" dirty="0" smtClean="0"/>
-              <a:t> </a:t>
-            </a:r>
-            <a:r>
-              <a:rPr lang="de-DE" dirty="0" err="1" smtClean="0"/>
-              <a:t>for</a:t>
-            </a:r>
-            <a:r>
-              <a:rPr lang="de-DE" dirty="0" smtClean="0"/>
-              <a:t> </a:t>
-            </a:r>
-            <a:r>
-              <a:rPr lang="de-DE" dirty="0" err="1" smtClean="0"/>
-              <a:t>listening</a:t>
-            </a:r>
-            <a:r>
-              <a:rPr lang="de-DE" dirty="0" smtClean="0"/>
-              <a:t>!</a:t>
+              <a:t>Danke fürs Zuhören!</a:t>
             </a:r>
             <a:endParaRPr lang="de-CH" dirty="0"/>
           </a:p>

--- a/doc/Task02/Task02.pptx
+++ b/doc/Task02/Task02.pptx
@@ -146,7 +146,7 @@
   </p:defaultTextStyle>
   <p:extLst>
     <p:ext uri="{EFAFB233-063F-42B5-8137-9DF3F51BA10A}">
-      <p15:sldGuideLst xmlns:p15="http://schemas.microsoft.com/office/powerpoint/2012/main" xmlns="">
+      <p15:sldGuideLst xmlns="" xmlns:p15="http://schemas.microsoft.com/office/powerpoint/2012/main">
         <p15:guide id="1" orient="horz" pos="2160">
           <p15:clr>
             <a:srgbClr val="A4A3A4"/>
@@ -160,7 +160,7 @@
       </p15:sldGuideLst>
     </p:ext>
     <p:ext uri="{2D200454-40CA-4A62-9FC3-DE9A4176ACB9}">
-      <p15:notesGuideLst xmlns:p15="http://schemas.microsoft.com/office/powerpoint/2012/main" xmlns="">
+      <p15:notesGuideLst xmlns="" xmlns:p15="http://schemas.microsoft.com/office/powerpoint/2012/main">
         <p15:guide id="1" orient="horz" pos="3127">
           <p15:clr>
             <a:srgbClr val="A4A3A4"/>
@@ -7277,7 +7277,7 @@
             <p:ph sz="half" idx="1"/>
             <p:extLst>
               <p:ext uri="{D42A27DB-BD31-4B8C-83A1-F6EECF244321}">
-                <p14:modId xmlns:p14="http://schemas.microsoft.com/office/powerpoint/2010/main" val="4263984662"/>
+                <p14:modId xmlns:p14="http://schemas.microsoft.com/office/powerpoint/2010/main" val="2414493489"/>
               </p:ext>
             </p:extLst>
           </p:nvPr>
@@ -7471,14 +7471,14 @@
                     <a:lstStyle/>
                     <a:p>
                       <a:r>
-                        <a:rPr lang="de-CH" dirty="0" smtClean="0"/>
+                        <a:rPr lang="de-CH" b="1" dirty="0" smtClean="0"/>
                         <a:t>Schwierig</a:t>
                       </a:r>
                       <a:r>
-                        <a:rPr lang="de-CH" baseline="0" dirty="0" smtClean="0"/>
+                        <a:rPr lang="de-CH" b="1" baseline="0" dirty="0" smtClean="0"/>
                         <a:t> alle Probleme vorherzusehen</a:t>
                       </a:r>
-                      <a:endParaRPr lang="de-CH" dirty="0"/>
+                      <a:endParaRPr lang="de-CH" b="1" dirty="0"/>
                     </a:p>
                   </a:txBody>
                   <a:tcPr>
@@ -7499,14 +7499,14 @@
                     <a:lstStyle/>
                     <a:p>
                       <a:r>
-                        <a:rPr lang="de-CH" dirty="0" smtClean="0"/>
+                        <a:rPr lang="de-CH" b="1" dirty="0" smtClean="0"/>
                         <a:t>Einfacher</a:t>
                       </a:r>
                       <a:r>
-                        <a:rPr lang="de-CH" baseline="0" dirty="0" smtClean="0"/>
+                        <a:rPr lang="de-CH" b="1" baseline="0" dirty="0" smtClean="0"/>
                         <a:t> auf sich ändernde Anforderungen einzugehen</a:t>
                       </a:r>
-                      <a:endParaRPr lang="de-CH" dirty="0"/>
+                      <a:endParaRPr lang="de-CH" b="1" dirty="0"/>
                     </a:p>
                   </a:txBody>
                   <a:tcPr>
@@ -7785,14 +7785,14 @@
                     <a:lstStyle/>
                     <a:p>
                       <a:r>
-                        <a:rPr lang="de-CH" dirty="0" smtClean="0"/>
+                        <a:rPr lang="de-CH" b="1" dirty="0" smtClean="0"/>
                         <a:t>Kleines Team</a:t>
                       </a:r>
                       <a:r>
-                        <a:rPr lang="de-CH" baseline="0" dirty="0" smtClean="0"/>
+                        <a:rPr lang="de-CH" b="1" baseline="0" dirty="0" smtClean="0"/>
                         <a:t> = bessere Kommunikation möglich</a:t>
                       </a:r>
-                      <a:endParaRPr lang="de-CH" dirty="0"/>
+                      <a:endParaRPr lang="de-CH" b="1" dirty="0"/>
                     </a:p>
                   </a:txBody>
                   <a:tcPr>
@@ -8013,6 +8013,68 @@
           <a:prstGeom prst="roundRect">
             <a:avLst/>
           </a:prstGeom>
+          <a:solidFill>
+            <a:schemeClr val="accent2">
+              <a:lumMod val="50000"/>
+            </a:schemeClr>
+          </a:solidFill>
+          <a:ln>
+            <a:solidFill>
+              <a:schemeClr val="tx1"/>
+            </a:solidFill>
+          </a:ln>
+        </p:spPr>
+        <p:style>
+          <a:lnRef idx="1">
+            <a:schemeClr val="dk1"/>
+          </a:lnRef>
+          <a:fillRef idx="3">
+            <a:schemeClr val="dk1"/>
+          </a:fillRef>
+          <a:effectRef idx="2">
+            <a:schemeClr val="dk1"/>
+          </a:effectRef>
+          <a:fontRef idx="minor">
+            <a:schemeClr val="lt1"/>
+          </a:fontRef>
+        </p:style>
+        <p:txBody>
+          <a:bodyPr rtlCol="0" anchor="ctr"/>
+          <a:lstStyle/>
+          <a:p>
+            <a:pPr algn="ctr"/>
+            <a:r>
+              <a:rPr lang="de-CH" sz="1600" dirty="0" smtClean="0"/>
+              <a:t>Planung</a:t>
+            </a:r>
+            <a:endParaRPr lang="de-DE" sz="1600" dirty="0"/>
+          </a:p>
+        </p:txBody>
+      </p:sp>
+      <p:sp>
+        <p:nvSpPr>
+          <p:cNvPr id="8" name="Abgerundetes Rechteck 7"/>
+          <p:cNvSpPr/>
+          <p:nvPr/>
+        </p:nvSpPr>
+        <p:spPr>
+          <a:xfrm>
+            <a:off x="1057146" y="3106039"/>
+            <a:ext cx="1469253" cy="696014"/>
+          </a:xfrm>
+          <a:prstGeom prst="roundRect">
+            <a:avLst/>
+          </a:prstGeom>
+          <a:solidFill>
+            <a:schemeClr val="accent5">
+              <a:lumMod val="75000"/>
+            </a:schemeClr>
+          </a:solidFill>
+          <a:ln>
+            <a:solidFill>
+              <a:schemeClr val="tx1"/>
+            </a:solidFill>
+          </a:ln>
         </p:spPr>
         <p:style>
           <a:lnRef idx="1">
@@ -8035,6 +8097,13 @@
             <a:pPr algn="ctr"/>
             <a:r>
               <a:rPr lang="de-CH" sz="1600" dirty="0" smtClean="0"/>
+              <a:t>Modul</a:t>
+            </a:r>
+          </a:p>
+          <a:p>
+            <a:pPr algn="ctr"/>
+            <a:r>
+              <a:rPr lang="de-CH" sz="1600" dirty="0" smtClean="0"/>
               <a:t>Planung</a:t>
             </a:r>
             <a:endParaRPr lang="de-DE" sz="1600" dirty="0"/>
@@ -8043,18 +8112,28 @@
       </p:sp>
       <p:sp>
         <p:nvSpPr>
-          <p:cNvPr id="8" name="Abgerundetes Rechteck 7"/>
+          <p:cNvPr id="12" name="Abgerundetes Rechteck 11"/>
           <p:cNvSpPr/>
           <p:nvPr/>
         </p:nvSpPr>
         <p:spPr>
           <a:xfrm>
-            <a:off x="1057146" y="3106039"/>
-            <a:ext cx="1469253" cy="696014"/>
+            <a:off x="6606333" y="3106039"/>
+            <a:ext cx="1348815" cy="696014"/>
           </a:xfrm>
           <a:prstGeom prst="roundRect">
             <a:avLst/>
           </a:prstGeom>
+          <a:solidFill>
+            <a:schemeClr val="bg2">
+              <a:lumMod val="25000"/>
+            </a:schemeClr>
+          </a:solidFill>
+          <a:ln>
+            <a:solidFill>
+              <a:schemeClr val="tx1"/>
+            </a:solidFill>
+          </a:ln>
         </p:spPr>
         <p:style>
           <a:lnRef idx="1">
@@ -8077,14 +8156,7 @@
             <a:pPr algn="ctr"/>
             <a:r>
               <a:rPr lang="de-CH" sz="1600" dirty="0" smtClean="0"/>
-              <a:t>Modul</a:t>
-            </a:r>
-          </a:p>
-          <a:p>
-            <a:pPr algn="ctr"/>
-            <a:r>
-              <a:rPr lang="de-CH" sz="1600" dirty="0" smtClean="0"/>
-              <a:t>Planung</a:t>
+              <a:t>Testen</a:t>
             </a:r>
             <a:endParaRPr lang="de-DE" sz="1600" dirty="0"/>
           </a:p>
@@ -8092,18 +8164,26 @@
       </p:sp>
       <p:sp>
         <p:nvSpPr>
-          <p:cNvPr id="12" name="Abgerundetes Rechteck 11"/>
+          <p:cNvPr id="13" name="Abgerundetes Rechteck 12"/>
           <p:cNvSpPr/>
           <p:nvPr/>
         </p:nvSpPr>
         <p:spPr>
           <a:xfrm>
-            <a:off x="6606333" y="3106039"/>
-            <a:ext cx="1348815" cy="696014"/>
+            <a:off x="2387177" y="4637097"/>
+            <a:ext cx="1279258" cy="696013"/>
           </a:xfrm>
           <a:prstGeom prst="roundRect">
             <a:avLst/>
           </a:prstGeom>
+          <a:solidFill>
+            <a:srgbClr val="FF0000"/>
+          </a:solidFill>
+          <a:ln>
+            <a:solidFill>
+              <a:schemeClr val="tx1"/>
+            </a:solidFill>
+          </a:ln>
         </p:spPr>
         <p:style>
           <a:lnRef idx="1">
@@ -8126,7 +8206,7 @@
             <a:pPr algn="ctr"/>
             <a:r>
               <a:rPr lang="de-CH" sz="1600" dirty="0" smtClean="0"/>
-              <a:t>Testen</a:t>
+              <a:t>Feedback</a:t>
             </a:r>
             <a:endParaRPr lang="de-DE" sz="1600" dirty="0"/>
           </a:p>
@@ -8134,18 +8214,28 @@
       </p:sp>
       <p:sp>
         <p:nvSpPr>
-          <p:cNvPr id="13" name="Abgerundetes Rechteck 12"/>
+          <p:cNvPr id="14" name="Abgerundetes Rechteck 13"/>
           <p:cNvSpPr/>
           <p:nvPr/>
         </p:nvSpPr>
         <p:spPr>
           <a:xfrm>
-            <a:off x="2387177" y="4637097"/>
-            <a:ext cx="1279258" cy="696013"/>
+            <a:off x="3666435" y="2433760"/>
+            <a:ext cx="1669574" cy="696014"/>
           </a:xfrm>
           <a:prstGeom prst="roundRect">
             <a:avLst/>
           </a:prstGeom>
+          <a:solidFill>
+            <a:schemeClr val="accent3">
+              <a:lumMod val="75000"/>
+            </a:schemeClr>
+          </a:solidFill>
+          <a:ln>
+            <a:solidFill>
+              <a:schemeClr val="tx1"/>
+            </a:solidFill>
+          </a:ln>
         </p:spPr>
         <p:style>
           <a:lnRef idx="1">
@@ -8168,7 +8258,7 @@
             <a:pPr algn="ctr"/>
             <a:r>
               <a:rPr lang="de-CH" sz="1600" dirty="0" smtClean="0"/>
-              <a:t>Feedback</a:t>
+              <a:t>Development</a:t>
             </a:r>
             <a:endParaRPr lang="de-DE" sz="1600" dirty="0"/>
           </a:p>
@@ -8176,18 +8266,26 @@
       </p:sp>
       <p:sp>
         <p:nvSpPr>
-          <p:cNvPr id="14" name="Abgerundetes Rechteck 13"/>
+          <p:cNvPr id="15" name="Abgerundetes Rechteck 14"/>
           <p:cNvSpPr/>
           <p:nvPr/>
         </p:nvSpPr>
         <p:spPr>
           <a:xfrm>
-            <a:off x="3666435" y="2433760"/>
-            <a:ext cx="1669574" cy="696014"/>
+            <a:off x="5967314" y="4637097"/>
+            <a:ext cx="1987834" cy="696014"/>
           </a:xfrm>
           <a:prstGeom prst="roundRect">
             <a:avLst/>
           </a:prstGeom>
+          <a:solidFill>
+            <a:srgbClr val="E78E23"/>
+          </a:solidFill>
+          <a:ln>
+            <a:solidFill>
+              <a:schemeClr val="tx1"/>
+            </a:solidFill>
+          </a:ln>
         </p:spPr>
         <p:style>
           <a:lnRef idx="1">
@@ -8210,7 +8308,7 @@
             <a:pPr algn="ctr"/>
             <a:r>
               <a:rPr lang="de-CH" sz="1600" dirty="0" smtClean="0"/>
-              <a:t>Development</a:t>
+              <a:t>Implementieren</a:t>
             </a:r>
             <a:endParaRPr lang="de-DE" sz="1600" dirty="0"/>
           </a:p>
@@ -8218,60 +8316,26 @@
       </p:sp>
       <p:sp>
         <p:nvSpPr>
-          <p:cNvPr id="15" name="Abgerundetes Rechteck 14"/>
+          <p:cNvPr id="17" name="Abgerundetes Rechteck 16"/>
           <p:cNvSpPr/>
           <p:nvPr/>
         </p:nvSpPr>
         <p:spPr>
           <a:xfrm>
-            <a:off x="5967314" y="4637097"/>
-            <a:ext cx="1987834" cy="696014"/>
+            <a:off x="3985944" y="5588944"/>
+            <a:ext cx="1030556" cy="652312"/>
           </a:xfrm>
           <a:prstGeom prst="roundRect">
             <a:avLst/>
           </a:prstGeom>
-        </p:spPr>
-        <p:style>
-          <a:lnRef idx="1">
-            <a:schemeClr val="accent1"/>
-          </a:lnRef>
-          <a:fillRef idx="3">
-            <a:schemeClr val="accent1"/>
-          </a:fillRef>
-          <a:effectRef idx="2">
-            <a:schemeClr val="accent1"/>
-          </a:effectRef>
-          <a:fontRef idx="minor">
-            <a:schemeClr val="lt1"/>
-          </a:fontRef>
-        </p:style>
-        <p:txBody>
-          <a:bodyPr rtlCol="0" anchor="ctr"/>
-          <a:lstStyle/>
-          <a:p>
-            <a:pPr algn="ctr"/>
-            <a:r>
-              <a:rPr lang="de-CH" sz="1600" dirty="0" smtClean="0"/>
-              <a:t>Implementieren</a:t>
-            </a:r>
-            <a:endParaRPr lang="de-DE" sz="1600" dirty="0"/>
-          </a:p>
-        </p:txBody>
-      </p:sp>
-      <p:sp>
-        <p:nvSpPr>
-          <p:cNvPr id="17" name="Abgerundetes Rechteck 16"/>
-          <p:cNvSpPr/>
-          <p:nvPr/>
-        </p:nvSpPr>
-        <p:spPr>
-          <a:xfrm>
-            <a:off x="3985944" y="5545242"/>
-            <a:ext cx="1030556" cy="696014"/>
-          </a:xfrm>
-          <a:prstGeom prst="roundRect">
-            <a:avLst/>
-          </a:prstGeom>
+          <a:solidFill>
+            <a:srgbClr val="70002D"/>
+          </a:solidFill>
+          <a:ln>
+            <a:solidFill>
+              <a:schemeClr val="tx1"/>
+            </a:solidFill>
+          </a:ln>
         </p:spPr>
         <p:style>
           <a:lnRef idx="1">
@@ -8330,14 +8394,14 @@
           </a:ln>
         </p:spPr>
         <p:style>
-          <a:lnRef idx="2">
-            <a:schemeClr val="accent1"/>
+          <a:lnRef idx="3">
+            <a:schemeClr val="accent4"/>
           </a:lnRef>
           <a:fillRef idx="0">
-            <a:schemeClr val="accent1"/>
+            <a:schemeClr val="accent4"/>
           </a:fillRef>
-          <a:effectRef idx="1">
-            <a:schemeClr val="accent1"/>
+          <a:effectRef idx="2">
+            <a:schemeClr val="accent4"/>
           </a:effectRef>
           <a:fontRef idx="minor">
             <a:schemeClr val="tx1"/>
@@ -8366,14 +8430,14 @@
           </a:ln>
         </p:spPr>
         <p:style>
-          <a:lnRef idx="2">
-            <a:schemeClr val="accent1"/>
+          <a:lnRef idx="3">
+            <a:schemeClr val="accent4"/>
           </a:lnRef>
           <a:fillRef idx="0">
-            <a:schemeClr val="accent1"/>
+            <a:schemeClr val="accent4"/>
           </a:fillRef>
-          <a:effectRef idx="1">
-            <a:schemeClr val="accent1"/>
+          <a:effectRef idx="2">
+            <a:schemeClr val="accent4"/>
           </a:effectRef>
           <a:fontRef idx="minor">
             <a:schemeClr val="tx1"/>
@@ -8402,14 +8466,14 @@
           </a:ln>
         </p:spPr>
         <p:style>
-          <a:lnRef idx="2">
-            <a:schemeClr val="accent1"/>
+          <a:lnRef idx="3">
+            <a:schemeClr val="accent4"/>
           </a:lnRef>
           <a:fillRef idx="0">
-            <a:schemeClr val="accent1"/>
+            <a:schemeClr val="accent4"/>
           </a:fillRef>
-          <a:effectRef idx="1">
-            <a:schemeClr val="accent1"/>
+          <a:effectRef idx="2">
+            <a:schemeClr val="accent4"/>
           </a:effectRef>
           <a:fontRef idx="minor">
             <a:schemeClr val="tx1"/>
@@ -8438,14 +8502,14 @@
           </a:ln>
         </p:spPr>
         <p:style>
-          <a:lnRef idx="2">
-            <a:schemeClr val="accent1"/>
+          <a:lnRef idx="3">
+            <a:schemeClr val="accent4"/>
           </a:lnRef>
           <a:fillRef idx="0">
-            <a:schemeClr val="accent1"/>
+            <a:schemeClr val="accent4"/>
           </a:fillRef>
-          <a:effectRef idx="1">
-            <a:schemeClr val="accent1"/>
+          <a:effectRef idx="2">
+            <a:schemeClr val="accent4"/>
           </a:effectRef>
           <a:fontRef idx="minor">
             <a:schemeClr val="tx1"/>
@@ -8474,14 +8538,14 @@
           </a:ln>
         </p:spPr>
         <p:style>
-          <a:lnRef idx="2">
-            <a:schemeClr val="accent1"/>
+          <a:lnRef idx="3">
+            <a:schemeClr val="accent4"/>
           </a:lnRef>
           <a:fillRef idx="0">
-            <a:schemeClr val="accent1"/>
+            <a:schemeClr val="accent4"/>
           </a:fillRef>
-          <a:effectRef idx="1">
-            <a:schemeClr val="accent1"/>
+          <a:effectRef idx="2">
+            <a:schemeClr val="accent4"/>
           </a:effectRef>
           <a:fontRef idx="minor">
             <a:schemeClr val="tx1"/>
@@ -8500,7 +8564,7 @@
         <p:spPr>
           <a:xfrm>
             <a:off x="3026806" y="5333110"/>
-            <a:ext cx="959138" cy="560139"/>
+            <a:ext cx="959138" cy="581990"/>
           </a:xfrm>
           <a:prstGeom prst="straightConnector1">
             <a:avLst/>
@@ -8510,14 +8574,14 @@
           </a:ln>
         </p:spPr>
         <p:style>
-          <a:lnRef idx="2">
-            <a:schemeClr val="accent1"/>
+          <a:lnRef idx="3">
+            <a:schemeClr val="accent4"/>
           </a:lnRef>
           <a:fillRef idx="0">
-            <a:schemeClr val="accent1"/>
+            <a:schemeClr val="accent4"/>
           </a:fillRef>
-          <a:effectRef idx="1">
-            <a:schemeClr val="accent1"/>
+          <a:effectRef idx="2">
+            <a:schemeClr val="accent4"/>
           </a:effectRef>
           <a:fontRef idx="minor">
             <a:schemeClr val="tx1"/>
@@ -8546,14 +8610,14 @@
           </a:ln>
         </p:spPr>
         <p:style>
-          <a:lnRef idx="2">
-            <a:schemeClr val="accent1"/>
+          <a:lnRef idx="3">
+            <a:schemeClr val="accent4"/>
           </a:lnRef>
           <a:fillRef idx="0">
-            <a:schemeClr val="accent1"/>
+            <a:schemeClr val="accent4"/>
           </a:fillRef>
-          <a:effectRef idx="1">
-            <a:schemeClr val="accent1"/>
+          <a:effectRef idx="2">
+            <a:schemeClr val="accent4"/>
           </a:effectRef>
           <a:fontRef idx="minor">
             <a:schemeClr val="tx1"/>
@@ -9966,6 +10030,23 @@
 </file>
 
 <file path=customXml/item1.xml><?xml version="1.0" encoding="utf-8"?>
+<p:properties xmlns:p="http://schemas.microsoft.com/office/2006/metadata/properties" xmlns:xsi="http://www.w3.org/2001/XMLSchema-instance">
+  <documentManagement>
+    <AVMTitle xmlns="5091c847-84be-4f4f-b16c-c018ad2ca66b">Präsentation BFH_2013</AVMTitle>
+  </documentManagement>
+</p:properties>
+</file>
+
+<file path=customXml/item2.xml><?xml version="1.0" encoding="utf-8"?>
+<?mso-contentType ?>
+<FormTemplates xmlns="http://schemas.microsoft.com/sharepoint/v3/contenttype/forms">
+  <Display>DocumentLibraryForm</Display>
+  <Edit>DocumentLibraryForm</Edit>
+  <New>DocumentLibraryForm</New>
+</FormTemplates>
+</file>
+
+<file path=customXml/item3.xml><?xml version="1.0" encoding="utf-8"?>
 <ct:contentTypeSchema xmlns:ct="http://schemas.microsoft.com/office/2006/metadata/contentType" xmlns:ma="http://schemas.microsoft.com/office/2006/metadata/properties/metaAttributes" ct:_="" ma:_="" ma:contentTypeName="Dokument" ma:contentTypeID="0x010100EBE3A9EFF36793468C03E2811ACE2A2B" ma:contentTypeVersion="1" ma:contentTypeDescription="Ein neues Dokument erstellen." ma:contentTypeScope="" ma:versionID="e65be32cb1bfff77fc8c9c09bf542651">
   <xsd:schema xmlns:xsd="http://www.w3.org/2001/XMLSchema" xmlns:p="http://schemas.microsoft.com/office/2006/metadata/properties" xmlns:ns2="5091c847-84be-4f4f-b16c-c018ad2ca66b" targetNamespace="http://schemas.microsoft.com/office/2006/metadata/properties" ma:root="true" ma:fieldsID="7636c84aed5b7d09a166fcef888725d4" ns2:_="">
     <xsd:import namespace="5091c847-84be-4f4f-b16c-c018ad2ca66b"/>
@@ -10025,24 +10106,30 @@
 </ct:contentTypeSchema>
 </file>
 
-<file path=customXml/item2.xml><?xml version="1.0" encoding="utf-8"?>
-<?mso-contentType ?>
-<FormTemplates xmlns="http://schemas.microsoft.com/sharepoint/v3/contenttype/forms">
-  <Display>DocumentLibraryForm</Display>
-  <Edit>DocumentLibraryForm</Edit>
-  <New>DocumentLibraryForm</New>
-</FormTemplates>
+<file path=customXml/itemProps1.xml><?xml version="1.0" encoding="utf-8"?>
+<ds:datastoreItem xmlns:ds="http://schemas.openxmlformats.org/officeDocument/2006/customXml" ds:itemID="{32991507-CB83-4F49-BAFB-D322B1D04098}">
+  <ds:schemaRefs>
+    <ds:schemaRef ds:uri="http://schemas.microsoft.com/office/2006/documentManagement/types"/>
+    <ds:schemaRef ds:uri="http://purl.org/dc/elements/1.1/"/>
+    <ds:schemaRef ds:uri="5091c847-84be-4f4f-b16c-c018ad2ca66b"/>
+    <ds:schemaRef ds:uri="http://schemas.openxmlformats.org/package/2006/metadata/core-properties"/>
+    <ds:schemaRef ds:uri="http://purl.org/dc/terms/"/>
+    <ds:schemaRef ds:uri="http://schemas.microsoft.com/office/2006/metadata/properties"/>
+    <ds:schemaRef ds:uri="http://www.w3.org/XML/1998/namespace"/>
+    <ds:schemaRef ds:uri="http://purl.org/dc/dcmitype/"/>
+  </ds:schemaRefs>
+</ds:datastoreItem>
 </file>
 
-<file path=customXml/item3.xml><?xml version="1.0" encoding="utf-8"?>
-<p:properties xmlns:p="http://schemas.microsoft.com/office/2006/metadata/properties" xmlns:xsi="http://www.w3.org/2001/XMLSchema-instance">
-  <documentManagement>
-    <AVMTitle xmlns="5091c847-84be-4f4f-b16c-c018ad2ca66b">Präsentation BFH_2013</AVMTitle>
-  </documentManagement>
-</p:properties>
+<file path=customXml/itemProps2.xml><?xml version="1.0" encoding="utf-8"?>
+<ds:datastoreItem xmlns:ds="http://schemas.openxmlformats.org/officeDocument/2006/customXml" ds:itemID="{1851D33F-E468-417B-A30C-509B68D2BD09}">
+  <ds:schemaRefs>
+    <ds:schemaRef ds:uri="http://schemas.microsoft.com/sharepoint/v3/contenttype/forms"/>
+  </ds:schemaRefs>
+</ds:datastoreItem>
 </file>
 
-<file path=customXml/itemProps1.xml><?xml version="1.0" encoding="utf-8"?>
+<file path=customXml/itemProps3.xml><?xml version="1.0" encoding="utf-8"?>
 <ds:datastoreItem xmlns:ds="http://schemas.openxmlformats.org/officeDocument/2006/customXml" ds:itemID="{15287BEA-F3FF-4B87-929B-5D0092183197}">
   <ds:schemaRefs>
     <ds:schemaRef ds:uri="http://schemas.microsoft.com/office/2006/metadata/contentType"/>
@@ -10057,27 +10144,4 @@
     <ds:schemaRef ds:uri="http://schemas.microsoft.com/office/internal/2005/internalDocumentation"/>
   </ds:schemaRefs>
 </ds:datastoreItem>
-</file>
-
-<file path=customXml/itemProps2.xml><?xml version="1.0" encoding="utf-8"?>
-<ds:datastoreItem xmlns:ds="http://schemas.openxmlformats.org/officeDocument/2006/customXml" ds:itemID="{1851D33F-E468-417B-A30C-509B68D2BD09}">
-  <ds:schemaRefs>
-    <ds:schemaRef ds:uri="http://schemas.microsoft.com/sharepoint/v3/contenttype/forms"/>
-  </ds:schemaRefs>
-</ds:datastoreItem>
-</file>
-
-<file path=customXml/itemProps3.xml><?xml version="1.0" encoding="utf-8"?>
-<ds:datastoreItem xmlns:ds="http://schemas.openxmlformats.org/officeDocument/2006/customXml" ds:itemID="{32991507-CB83-4F49-BAFB-D322B1D04098}">
-  <ds:schemaRefs>
-    <ds:schemaRef ds:uri="http://schemas.microsoft.com/office/2006/metadata/properties"/>
-    <ds:schemaRef ds:uri="http://schemas.microsoft.com/office/2006/documentManagement/types"/>
-    <ds:schemaRef ds:uri="http://purl.org/dc/terms/"/>
-    <ds:schemaRef ds:uri="http://schemas.openxmlformats.org/package/2006/metadata/core-properties"/>
-    <ds:schemaRef ds:uri="http://purl.org/dc/dcmitype/"/>
-    <ds:schemaRef ds:uri="5091c847-84be-4f4f-b16c-c018ad2ca66b"/>
-    <ds:schemaRef ds:uri="http://purl.org/dc/elements/1.1/"/>
-    <ds:schemaRef ds:uri="http://www.w3.org/XML/1998/namespace"/>
-  </ds:schemaRefs>
-</ds:datastoreItem>
 </file>
--- a/doc/Task02/Task02.pptx
+++ b/doc/Task02/Task02.pptx
@@ -146,7 +146,7 @@
   </p:defaultTextStyle>
   <p:extLst>
     <p:ext uri="{EFAFB233-063F-42B5-8137-9DF3F51BA10A}">
-      <p15:sldGuideLst xmlns="" xmlns:p15="http://schemas.microsoft.com/office/powerpoint/2012/main">
+      <p15:sldGuideLst xmlns:p15="http://schemas.microsoft.com/office/powerpoint/2012/main" xmlns="">
         <p15:guide id="1" orient="horz" pos="2160">
           <p15:clr>
             <a:srgbClr val="A4A3A4"/>
@@ -160,7 +160,7 @@
       </p15:sldGuideLst>
     </p:ext>
     <p:ext uri="{2D200454-40CA-4A62-9FC3-DE9A4176ACB9}">
-      <p15:notesGuideLst xmlns="" xmlns:p15="http://schemas.microsoft.com/office/powerpoint/2012/main">
+      <p15:notesGuideLst xmlns:p15="http://schemas.microsoft.com/office/powerpoint/2012/main" xmlns="">
         <p15:guide id="1" orient="horz" pos="3127">
           <p15:clr>
             <a:srgbClr val="A4A3A4"/>
@@ -909,7 +909,7 @@
               <a:rPr lang="de-CH" smtClean="0"/>
               <a:t>4</a:t>
             </a:fld>
-            <a:endParaRPr lang="de-CH"/>
+            <a:endParaRPr lang="de-CH" dirty="0"/>
           </a:p>
         </p:txBody>
       </p:sp>
@@ -7277,7 +7277,7 @@
             <p:ph sz="half" idx="1"/>
             <p:extLst>
               <p:ext uri="{D42A27DB-BD31-4B8C-83A1-F6EECF244321}">
-                <p14:modId xmlns:p14="http://schemas.microsoft.com/office/powerpoint/2010/main" val="2414493489"/>
+                <p14:modId xmlns:p14="http://schemas.microsoft.com/office/powerpoint/2010/main" val="494774211"/>
               </p:ext>
             </p:extLst>
           </p:nvPr>
@@ -7340,7 +7340,7 @@
                     <a:p>
                       <a:r>
                         <a:rPr lang="de-CH" dirty="0" smtClean="0"/>
-                        <a:t>Agil</a:t>
+                        <a:t>Agile</a:t>
                       </a:r>
                       <a:endParaRPr lang="de-CH" dirty="0"/>
                     </a:p>
@@ -7844,12 +7844,15 @@
           <a:p>
             <a:r>
               <a:rPr lang="de-CH" dirty="0" smtClean="0"/>
-              <a:t>SE </a:t>
-            </a:r>
-            <a:r>
-              <a:rPr lang="de-CH" dirty="0" err="1" smtClean="0"/>
-              <a:t>Process</a:t>
-            </a:r>
+              <a:t>Plangetrieben vs. Agile</a:t>
+            </a:r>
+            <a:r>
+              <a:rPr lang="de-CH" dirty="0"/>
+              <a:t/>
+            </a:r>
+            <a:br>
+              <a:rPr lang="de-CH" dirty="0"/>
+            </a:br>
             <a:endParaRPr lang="de-CH" dirty="0"/>
           </a:p>
         </p:txBody>
@@ -7970,7 +7973,11 @@
           <a:p>
             <a:r>
               <a:rPr lang="de-CH" dirty="0" smtClean="0"/>
-              <a:t>SE Process</a:t>
+              <a:t>Process </a:t>
+            </a:r>
+            <a:r>
+              <a:rPr lang="de-CH" dirty="0"/>
+              <a:t>model </a:t>
             </a:r>
             <a:endParaRPr lang="de-CH" dirty="0"/>
           </a:p>
@@ -9013,7 +9020,7 @@
           <a:lstStyle/>
           <a:p>
             <a:pPr algn="ctr"/>
-            <a:endParaRPr lang="de-CH"/>
+            <a:endParaRPr lang="de-CH" dirty="0"/>
           </a:p>
         </p:txBody>
       </p:sp>
@@ -10030,23 +10037,6 @@
 </file>
 
 <file path=customXml/item1.xml><?xml version="1.0" encoding="utf-8"?>
-<p:properties xmlns:p="http://schemas.microsoft.com/office/2006/metadata/properties" xmlns:xsi="http://www.w3.org/2001/XMLSchema-instance">
-  <documentManagement>
-    <AVMTitle xmlns="5091c847-84be-4f4f-b16c-c018ad2ca66b">Präsentation BFH_2013</AVMTitle>
-  </documentManagement>
-</p:properties>
-</file>
-
-<file path=customXml/item2.xml><?xml version="1.0" encoding="utf-8"?>
-<?mso-contentType ?>
-<FormTemplates xmlns="http://schemas.microsoft.com/sharepoint/v3/contenttype/forms">
-  <Display>DocumentLibraryForm</Display>
-  <Edit>DocumentLibraryForm</Edit>
-  <New>DocumentLibraryForm</New>
-</FormTemplates>
-</file>
-
-<file path=customXml/item3.xml><?xml version="1.0" encoding="utf-8"?>
 <ct:contentTypeSchema xmlns:ct="http://schemas.microsoft.com/office/2006/metadata/contentType" xmlns:ma="http://schemas.microsoft.com/office/2006/metadata/properties/metaAttributes" ct:_="" ma:_="" ma:contentTypeName="Dokument" ma:contentTypeID="0x010100EBE3A9EFF36793468C03E2811ACE2A2B" ma:contentTypeVersion="1" ma:contentTypeDescription="Ein neues Dokument erstellen." ma:contentTypeScope="" ma:versionID="e65be32cb1bfff77fc8c9c09bf542651">
   <xsd:schema xmlns:xsd="http://www.w3.org/2001/XMLSchema" xmlns:p="http://schemas.microsoft.com/office/2006/metadata/properties" xmlns:ns2="5091c847-84be-4f4f-b16c-c018ad2ca66b" targetNamespace="http://schemas.microsoft.com/office/2006/metadata/properties" ma:root="true" ma:fieldsID="7636c84aed5b7d09a166fcef888725d4" ns2:_="">
     <xsd:import namespace="5091c847-84be-4f4f-b16c-c018ad2ca66b"/>
@@ -10106,30 +10096,24 @@
 </ct:contentTypeSchema>
 </file>
 
-<file path=customXml/itemProps1.xml><?xml version="1.0" encoding="utf-8"?>
-<ds:datastoreItem xmlns:ds="http://schemas.openxmlformats.org/officeDocument/2006/customXml" ds:itemID="{32991507-CB83-4F49-BAFB-D322B1D04098}">
-  <ds:schemaRefs>
-    <ds:schemaRef ds:uri="http://schemas.microsoft.com/office/2006/documentManagement/types"/>
-    <ds:schemaRef ds:uri="http://purl.org/dc/elements/1.1/"/>
-    <ds:schemaRef ds:uri="5091c847-84be-4f4f-b16c-c018ad2ca66b"/>
-    <ds:schemaRef ds:uri="http://schemas.openxmlformats.org/package/2006/metadata/core-properties"/>
-    <ds:schemaRef ds:uri="http://purl.org/dc/terms/"/>
-    <ds:schemaRef ds:uri="http://schemas.microsoft.com/office/2006/metadata/properties"/>
-    <ds:schemaRef ds:uri="http://www.w3.org/XML/1998/namespace"/>
-    <ds:schemaRef ds:uri="http://purl.org/dc/dcmitype/"/>
-  </ds:schemaRefs>
-</ds:datastoreItem>
+<file path=customXml/item2.xml><?xml version="1.0" encoding="utf-8"?>
+<?mso-contentType ?>
+<FormTemplates xmlns="http://schemas.microsoft.com/sharepoint/v3/contenttype/forms">
+  <Display>DocumentLibraryForm</Display>
+  <Edit>DocumentLibraryForm</Edit>
+  <New>DocumentLibraryForm</New>
+</FormTemplates>
 </file>
 
-<file path=customXml/itemProps2.xml><?xml version="1.0" encoding="utf-8"?>
-<ds:datastoreItem xmlns:ds="http://schemas.openxmlformats.org/officeDocument/2006/customXml" ds:itemID="{1851D33F-E468-417B-A30C-509B68D2BD09}">
-  <ds:schemaRefs>
-    <ds:schemaRef ds:uri="http://schemas.microsoft.com/sharepoint/v3/contenttype/forms"/>
-  </ds:schemaRefs>
-</ds:datastoreItem>
+<file path=customXml/item3.xml><?xml version="1.0" encoding="utf-8"?>
+<p:properties xmlns:p="http://schemas.microsoft.com/office/2006/metadata/properties" xmlns:xsi="http://www.w3.org/2001/XMLSchema-instance">
+  <documentManagement>
+    <AVMTitle xmlns="5091c847-84be-4f4f-b16c-c018ad2ca66b">Präsentation BFH_2013</AVMTitle>
+  </documentManagement>
+</p:properties>
 </file>
 
-<file path=customXml/itemProps3.xml><?xml version="1.0" encoding="utf-8"?>
+<file path=customXml/itemProps1.xml><?xml version="1.0" encoding="utf-8"?>
 <ds:datastoreItem xmlns:ds="http://schemas.openxmlformats.org/officeDocument/2006/customXml" ds:itemID="{15287BEA-F3FF-4B87-929B-5D0092183197}">
   <ds:schemaRefs>
     <ds:schemaRef ds:uri="http://schemas.microsoft.com/office/2006/metadata/contentType"/>
@@ -10144,4 +10128,27 @@
     <ds:schemaRef ds:uri="http://schemas.microsoft.com/office/internal/2005/internalDocumentation"/>
   </ds:schemaRefs>
 </ds:datastoreItem>
+</file>
+
+<file path=customXml/itemProps2.xml><?xml version="1.0" encoding="utf-8"?>
+<ds:datastoreItem xmlns:ds="http://schemas.openxmlformats.org/officeDocument/2006/customXml" ds:itemID="{1851D33F-E468-417B-A30C-509B68D2BD09}">
+  <ds:schemaRefs>
+    <ds:schemaRef ds:uri="http://schemas.microsoft.com/sharepoint/v3/contenttype/forms"/>
+  </ds:schemaRefs>
+</ds:datastoreItem>
+</file>
+
+<file path=customXml/itemProps3.xml><?xml version="1.0" encoding="utf-8"?>
+<ds:datastoreItem xmlns:ds="http://schemas.openxmlformats.org/officeDocument/2006/customXml" ds:itemID="{32991507-CB83-4F49-BAFB-D322B1D04098}">
+  <ds:schemaRefs>
+    <ds:schemaRef ds:uri="http://schemas.microsoft.com/office/2006/documentManagement/types"/>
+    <ds:schemaRef ds:uri="http://purl.org/dc/dcmitype/"/>
+    <ds:schemaRef ds:uri="5091c847-84be-4f4f-b16c-c018ad2ca66b"/>
+    <ds:schemaRef ds:uri="http://schemas.microsoft.com/office/2006/metadata/properties"/>
+    <ds:schemaRef ds:uri="http://www.w3.org/XML/1998/namespace"/>
+    <ds:schemaRef ds:uri="http://purl.org/dc/elements/1.1/"/>
+    <ds:schemaRef ds:uri="http://schemas.openxmlformats.org/package/2006/metadata/core-properties"/>
+    <ds:schemaRef ds:uri="http://purl.org/dc/terms/"/>
+  </ds:schemaRefs>
+</ds:datastoreItem>
 </file>
--- a/doc/Task02/Task02.pptx
+++ b/doc/Task02/Task02.pptx
@@ -1,6 +1,6 @@
 
 <file path=ppt/presentation.xml><?xml version="1.0" encoding="utf-8"?>
-<p:presentation xmlns:a="http://schemas.openxmlformats.org/drawingml/2006/main" xmlns:r="http://schemas.openxmlformats.org/officeDocument/2006/relationships" xmlns:p="http://schemas.openxmlformats.org/presentationml/2006/main" serverZoom="30967" saveSubsetFonts="1" autoCompressPictures="0">
+<p:presentation xmlns:a="http://schemas.openxmlformats.org/drawingml/2006/main" xmlns:r="http://schemas.openxmlformats.org/officeDocument/2006/relationships" xmlns:p="http://schemas.openxmlformats.org/presentationml/2006/main" serverZoom="19458" saveSubsetFonts="1" autoCompressPictures="0">
   <p:sldMasterIdLst>
     <p:sldMasterId id="2147483669" r:id="rId4"/>
   </p:sldMasterIdLst>
@@ -146,7 +146,7 @@
   </p:defaultTextStyle>
   <p:extLst>
     <p:ext uri="{EFAFB233-063F-42B5-8137-9DF3F51BA10A}">
-      <p15:sldGuideLst xmlns:p15="http://schemas.microsoft.com/office/powerpoint/2012/main" xmlns="">
+      <p15:sldGuideLst xmlns="" xmlns:p15="http://schemas.microsoft.com/office/powerpoint/2012/main">
         <p15:guide id="1" orient="horz" pos="2160">
           <p15:clr>
             <a:srgbClr val="A4A3A4"/>
@@ -160,7 +160,7 @@
       </p15:sldGuideLst>
     </p:ext>
     <p:ext uri="{2D200454-40CA-4A62-9FC3-DE9A4176ACB9}">
-      <p15:notesGuideLst xmlns:p15="http://schemas.microsoft.com/office/powerpoint/2012/main" xmlns="">
+      <p15:notesGuideLst xmlns="" xmlns:p15="http://schemas.microsoft.com/office/powerpoint/2012/main">
         <p15:guide id="1" orient="horz" pos="3127">
           <p15:clr>
             <a:srgbClr val="A4A3A4"/>
@@ -259,7 +259,7 @@
           <a:p>
             <a:fld id="{EFA0D184-D464-48E9-9CA0-A94E873F6C2C}" type="datetimeFigureOut">
               <a:rPr lang="de-CH" smtClean="0"/>
-              <a:t>25.09.2015</a:t>
+              <a:t>27.09.2015</a:t>
             </a:fld>
             <a:endParaRPr lang="de-CH"/>
           </a:p>
@@ -424,7 +424,7 @@
           <a:p>
             <a:fld id="{5AF2B663-2BA9-4D7E-8201-5DE4109E1EDD}" type="datetimeFigureOut">
               <a:rPr lang="de-CH" smtClean="0"/>
-              <a:t>25.09.2015</a:t>
+              <a:t>27.09.2015</a:t>
             </a:fld>
             <a:endParaRPr lang="de-CH"/>
           </a:p>
@@ -7277,7 +7277,7 @@
             <p:ph sz="half" idx="1"/>
             <p:extLst>
               <p:ext uri="{D42A27DB-BD31-4B8C-83A1-F6EECF244321}">
-                <p14:modId xmlns:p14="http://schemas.microsoft.com/office/powerpoint/2010/main" val="494774211"/>
+                <p14:modId xmlns:p14="http://schemas.microsoft.com/office/powerpoint/2010/main" val="2713486699"/>
               </p:ext>
             </p:extLst>
           </p:nvPr>
@@ -7458,7 +7458,11 @@
                       </a:r>
                       <a:r>
                         <a:rPr lang="de-CH" baseline="0" dirty="0" smtClean="0"/>
-                        <a:t> Struktur von Anfang an Ende</a:t>
+                        <a:t> Struktur von Anfang </a:t>
+                      </a:r>
+                      <a:r>
+                        <a:rPr lang="de-CH" baseline="0" dirty="0" smtClean="0"/>
+                        <a:t>bis Ende</a:t>
                       </a:r>
                       <a:endParaRPr lang="de-CH" dirty="0"/>
                     </a:p>
@@ -7973,11 +7977,7 @@
           <a:p>
             <a:r>
               <a:rPr lang="de-CH" dirty="0" smtClean="0"/>
-              <a:t>Process </a:t>
-            </a:r>
-            <a:r>
-              <a:rPr lang="de-CH" dirty="0"/>
-              <a:t>model </a:t>
+              <a:t>Prozessmodell</a:t>
             </a:r>
             <a:endParaRPr lang="de-CH" dirty="0"/>
           </a:p>
@@ -10037,6 +10037,23 @@
 </file>
 
 <file path=customXml/item1.xml><?xml version="1.0" encoding="utf-8"?>
+<p:properties xmlns:p="http://schemas.microsoft.com/office/2006/metadata/properties" xmlns:xsi="http://www.w3.org/2001/XMLSchema-instance">
+  <documentManagement>
+    <AVMTitle xmlns="5091c847-84be-4f4f-b16c-c018ad2ca66b">Präsentation BFH_2013</AVMTitle>
+  </documentManagement>
+</p:properties>
+</file>
+
+<file path=customXml/item2.xml><?xml version="1.0" encoding="utf-8"?>
+<?mso-contentType ?>
+<FormTemplates xmlns="http://schemas.microsoft.com/sharepoint/v3/contenttype/forms">
+  <Display>DocumentLibraryForm</Display>
+  <Edit>DocumentLibraryForm</Edit>
+  <New>DocumentLibraryForm</New>
+</FormTemplates>
+</file>
+
+<file path=customXml/item3.xml><?xml version="1.0" encoding="utf-8"?>
 <ct:contentTypeSchema xmlns:ct="http://schemas.microsoft.com/office/2006/metadata/contentType" xmlns:ma="http://schemas.microsoft.com/office/2006/metadata/properties/metaAttributes" ct:_="" ma:_="" ma:contentTypeName="Dokument" ma:contentTypeID="0x010100EBE3A9EFF36793468C03E2811ACE2A2B" ma:contentTypeVersion="1" ma:contentTypeDescription="Ein neues Dokument erstellen." ma:contentTypeScope="" ma:versionID="e65be32cb1bfff77fc8c9c09bf542651">
   <xsd:schema xmlns:xsd="http://www.w3.org/2001/XMLSchema" xmlns:p="http://schemas.microsoft.com/office/2006/metadata/properties" xmlns:ns2="5091c847-84be-4f4f-b16c-c018ad2ca66b" targetNamespace="http://schemas.microsoft.com/office/2006/metadata/properties" ma:root="true" ma:fieldsID="7636c84aed5b7d09a166fcef888725d4" ns2:_="">
     <xsd:import namespace="5091c847-84be-4f4f-b16c-c018ad2ca66b"/>
@@ -10096,24 +10113,30 @@
 </ct:contentTypeSchema>
 </file>
 
-<file path=customXml/item2.xml><?xml version="1.0" encoding="utf-8"?>
-<?mso-contentType ?>
-<FormTemplates xmlns="http://schemas.microsoft.com/sharepoint/v3/contenttype/forms">
-  <Display>DocumentLibraryForm</Display>
-  <Edit>DocumentLibraryForm</Edit>
-  <New>DocumentLibraryForm</New>
-</FormTemplates>
+<file path=customXml/itemProps1.xml><?xml version="1.0" encoding="utf-8"?>
+<ds:datastoreItem xmlns:ds="http://schemas.openxmlformats.org/officeDocument/2006/customXml" ds:itemID="{32991507-CB83-4F49-BAFB-D322B1D04098}">
+  <ds:schemaRefs>
+    <ds:schemaRef ds:uri="http://schemas.microsoft.com/office/2006/documentManagement/types"/>
+    <ds:schemaRef ds:uri="http://purl.org/dc/dcmitype/"/>
+    <ds:schemaRef ds:uri="5091c847-84be-4f4f-b16c-c018ad2ca66b"/>
+    <ds:schemaRef ds:uri="http://schemas.microsoft.com/office/2006/metadata/properties"/>
+    <ds:schemaRef ds:uri="http://www.w3.org/XML/1998/namespace"/>
+    <ds:schemaRef ds:uri="http://purl.org/dc/elements/1.1/"/>
+    <ds:schemaRef ds:uri="http://schemas.openxmlformats.org/package/2006/metadata/core-properties"/>
+    <ds:schemaRef ds:uri="http://purl.org/dc/terms/"/>
+  </ds:schemaRefs>
+</ds:datastoreItem>
 </file>
 
-<file path=customXml/item3.xml><?xml version="1.0" encoding="utf-8"?>
-<p:properties xmlns:p="http://schemas.microsoft.com/office/2006/metadata/properties" xmlns:xsi="http://www.w3.org/2001/XMLSchema-instance">
-  <documentManagement>
-    <AVMTitle xmlns="5091c847-84be-4f4f-b16c-c018ad2ca66b">Präsentation BFH_2013</AVMTitle>
-  </documentManagement>
-</p:properties>
+<file path=customXml/itemProps2.xml><?xml version="1.0" encoding="utf-8"?>
+<ds:datastoreItem xmlns:ds="http://schemas.openxmlformats.org/officeDocument/2006/customXml" ds:itemID="{1851D33F-E468-417B-A30C-509B68D2BD09}">
+  <ds:schemaRefs>
+    <ds:schemaRef ds:uri="http://schemas.microsoft.com/sharepoint/v3/contenttype/forms"/>
+  </ds:schemaRefs>
+</ds:datastoreItem>
 </file>
 
-<file path=customXml/itemProps1.xml><?xml version="1.0" encoding="utf-8"?>
+<file path=customXml/itemProps3.xml><?xml version="1.0" encoding="utf-8"?>
 <ds:datastoreItem xmlns:ds="http://schemas.openxmlformats.org/officeDocument/2006/customXml" ds:itemID="{15287BEA-F3FF-4B87-929B-5D0092183197}">
   <ds:schemaRefs>
     <ds:schemaRef ds:uri="http://schemas.microsoft.com/office/2006/metadata/contentType"/>
@@ -10128,27 +10151,4 @@
     <ds:schemaRef ds:uri="http://schemas.microsoft.com/office/internal/2005/internalDocumentation"/>
   </ds:schemaRefs>
 </ds:datastoreItem>
-</file>
-
-<file path=customXml/itemProps2.xml><?xml version="1.0" encoding="utf-8"?>
-<ds:datastoreItem xmlns:ds="http://schemas.openxmlformats.org/officeDocument/2006/customXml" ds:itemID="{1851D33F-E468-417B-A30C-509B68D2BD09}">
-  <ds:schemaRefs>
-    <ds:schemaRef ds:uri="http://schemas.microsoft.com/sharepoint/v3/contenttype/forms"/>
-  </ds:schemaRefs>
-</ds:datastoreItem>
-</file>
-
-<file path=customXml/itemProps3.xml><?xml version="1.0" encoding="utf-8"?>
-<ds:datastoreItem xmlns:ds="http://schemas.openxmlformats.org/officeDocument/2006/customXml" ds:itemID="{32991507-CB83-4F49-BAFB-D322B1D04098}">
-  <ds:schemaRefs>
-    <ds:schemaRef ds:uri="http://schemas.microsoft.com/office/2006/documentManagement/types"/>
-    <ds:schemaRef ds:uri="http://purl.org/dc/dcmitype/"/>
-    <ds:schemaRef ds:uri="5091c847-84be-4f4f-b16c-c018ad2ca66b"/>
-    <ds:schemaRef ds:uri="http://schemas.microsoft.com/office/2006/metadata/properties"/>
-    <ds:schemaRef ds:uri="http://www.w3.org/XML/1998/namespace"/>
-    <ds:schemaRef ds:uri="http://purl.org/dc/elements/1.1/"/>
-    <ds:schemaRef ds:uri="http://schemas.openxmlformats.org/package/2006/metadata/core-properties"/>
-    <ds:schemaRef ds:uri="http://purl.org/dc/terms/"/>
-  </ds:schemaRefs>
-</ds:datastoreItem>
 </file>